--- a/Presentation.pptx
+++ b/Presentation.pptx
@@ -2,7 +2,7 @@
 <file path=ppt/presentation.xml><?xml version="1.0" encoding="utf-8"?>
 <p:presentation xmlns:a="http://schemas.openxmlformats.org/drawingml/2006/main" xmlns:r="http://schemas.openxmlformats.org/officeDocument/2006/relationships" xmlns:p="http://schemas.openxmlformats.org/presentationml/2006/main" saveSubsetFonts="1">
   <p:sldMasterIdLst>
-    <p:sldMasterId id="2147483648" r:id="rId1"/>
+    <p:sldMasterId id="2147483684" r:id="rId1"/>
   </p:sldMasterIdLst>
   <p:sldIdLst>
     <p:sldId id="256" r:id="rId2"/>
@@ -11,7 +11,12 @@
     <p:sldId id="261" r:id="rId5"/>
     <p:sldId id="263" r:id="rId6"/>
     <p:sldId id="258" r:id="rId7"/>
-    <p:sldId id="259" r:id="rId8"/>
+    <p:sldId id="266" r:id="rId8"/>
+    <p:sldId id="267" r:id="rId9"/>
+    <p:sldId id="271" r:id="rId10"/>
+    <p:sldId id="259" r:id="rId11"/>
+    <p:sldId id="264" r:id="rId12"/>
+    <p:sldId id="265" r:id="rId13"/>
   </p:sldIdLst>
   <p:sldSz cx="9144000" cy="6858000" type="screen4x3"/>
   <p:notesSz cx="6858000" cy="9144000"/>
@@ -111,6 +116,182 @@
     </a:lvl9pPr>
   </p:defaultTextStyle>
 </p:presentation>
+</file>
+
+<file path=ppt/charts/chart1.xml><?xml version="1.0" encoding="utf-8"?>
+<c:chartSpace xmlns:c="http://schemas.openxmlformats.org/drawingml/2006/chart" xmlns:a="http://schemas.openxmlformats.org/drawingml/2006/main" xmlns:r="http://schemas.openxmlformats.org/officeDocument/2006/relationships">
+  <c:lang val="en-US"/>
+  <c:chart>
+    <c:title>
+      <c:layout/>
+    </c:title>
+    <c:plotArea>
+      <c:layout/>
+      <c:lineChart>
+        <c:grouping val="standard"/>
+        <c:ser>
+          <c:idx val="1"/>
+          <c:order val="0"/>
+          <c:tx>
+            <c:strRef>
+              <c:f>Sheet1!$B$1</c:f>
+              <c:strCache>
+                <c:ptCount val="1"/>
+                <c:pt idx="0">
+                  <c:v>tempo</c:v>
+                </c:pt>
+              </c:strCache>
+            </c:strRef>
+          </c:tx>
+          <c:marker>
+            <c:symbol val="none"/>
+          </c:marker>
+          <c:cat>
+            <c:numRef>
+              <c:f>Sheet1!$A$2:$A$10</c:f>
+              <c:numCache>
+                <c:formatCode>General</c:formatCode>
+                <c:ptCount val="9"/>
+                <c:pt idx="0">
+                  <c:v>5</c:v>
+                </c:pt>
+                <c:pt idx="1">
+                  <c:v>10</c:v>
+                </c:pt>
+                <c:pt idx="2">
+                  <c:v>15</c:v>
+                </c:pt>
+                <c:pt idx="3">
+                  <c:v>20</c:v>
+                </c:pt>
+                <c:pt idx="4">
+                  <c:v>25</c:v>
+                </c:pt>
+                <c:pt idx="5">
+                  <c:v>30</c:v>
+                </c:pt>
+                <c:pt idx="6">
+                  <c:v>35</c:v>
+                </c:pt>
+                <c:pt idx="7">
+                  <c:v>50</c:v>
+                </c:pt>
+              </c:numCache>
+            </c:numRef>
+          </c:cat>
+          <c:val>
+            <c:numRef>
+              <c:f>Sheet1!$B$2:$B$9</c:f>
+              <c:numCache>
+                <c:formatCode>General</c:formatCode>
+                <c:ptCount val="8"/>
+                <c:pt idx="0">
+                  <c:v>175</c:v>
+                </c:pt>
+                <c:pt idx="1">
+                  <c:v>700</c:v>
+                </c:pt>
+                <c:pt idx="2">
+                  <c:v>1575</c:v>
+                </c:pt>
+                <c:pt idx="3">
+                  <c:v>2800</c:v>
+                </c:pt>
+                <c:pt idx="4">
+                  <c:v>4375</c:v>
+                </c:pt>
+                <c:pt idx="5">
+                  <c:v>6300</c:v>
+                </c:pt>
+                <c:pt idx="6">
+                  <c:v>8575</c:v>
+                </c:pt>
+                <c:pt idx="7">
+                  <c:v>17500</c:v>
+                </c:pt>
+              </c:numCache>
+            </c:numRef>
+          </c:val>
+        </c:ser>
+        <c:marker val="1"/>
+        <c:axId val="86252928"/>
+        <c:axId val="119067008"/>
+      </c:lineChart>
+      <c:catAx>
+        <c:axId val="86252928"/>
+        <c:scaling>
+          <c:orientation val="minMax"/>
+        </c:scaling>
+        <c:axPos val="b"/>
+        <c:numFmt formatCode="General" sourceLinked="1"/>
+        <c:tickLblPos val="nextTo"/>
+        <c:crossAx val="119067008"/>
+        <c:crosses val="autoZero"/>
+        <c:auto val="1"/>
+        <c:lblAlgn val="ctr"/>
+        <c:lblOffset val="100"/>
+      </c:catAx>
+      <c:valAx>
+        <c:axId val="119067008"/>
+        <c:scaling>
+          <c:orientation val="minMax"/>
+        </c:scaling>
+        <c:axPos val="l"/>
+        <c:majorGridlines>
+          <c:spPr>
+            <a:ln w="9525" cap="flat" cmpd="sng" algn="ctr">
+              <a:solidFill>
+                <a:schemeClr val="tx1"/>
+              </a:solidFill>
+              <a:prstDash val="solid"/>
+            </a:ln>
+            <a:effectLst/>
+          </c:spPr>
+        </c:majorGridlines>
+        <c:numFmt formatCode="General" sourceLinked="1"/>
+        <c:tickLblPos val="nextTo"/>
+        <c:crossAx val="86252928"/>
+        <c:crosses val="autoZero"/>
+        <c:crossBetween val="between"/>
+      </c:valAx>
+    </c:plotArea>
+    <c:legend>
+      <c:legendPos val="r"/>
+      <c:layout/>
+    </c:legend>
+    <c:plotVisOnly val="1"/>
+  </c:chart>
+  <c:spPr>
+    <a:solidFill>
+      <a:schemeClr val="lt1"/>
+    </a:solidFill>
+    <a:ln w="25400" cap="flat" cmpd="sng" algn="ctr">
+      <a:solidFill>
+        <a:schemeClr val="dk1"/>
+      </a:solidFill>
+      <a:prstDash val="solid"/>
+    </a:ln>
+    <a:effectLst/>
+  </c:spPr>
+  <c:txPr>
+    <a:bodyPr/>
+    <a:lstStyle/>
+    <a:p>
+      <a:pPr>
+        <a:defRPr sz="1800">
+          <a:solidFill>
+            <a:schemeClr val="dk1"/>
+          </a:solidFill>
+          <a:latin typeface="+mn-lt"/>
+          <a:ea typeface="+mn-ea"/>
+          <a:cs typeface="+mn-cs"/>
+        </a:defRPr>
+      </a:pPr>
+      <a:endParaRPr lang="en-US"/>
+    </a:p>
+  </c:txPr>
+  <c:externalData r:id="rId1"/>
+</c:chartSpace>
 </file>
 
 <file path=ppt/slideLayouts/slideLayout1.xml><?xml version="1.0" encoding="utf-8"?>
@@ -2759,17 +2940,17 @@
   </p:cSld>
   <p:clrMap bg1="lt1" tx1="dk1" bg2="lt2" tx2="dk2" accent1="accent1" accent2="accent2" accent3="accent3" accent4="accent4" accent5="accent5" accent6="accent6" hlink="hlink" folHlink="folHlink"/>
   <p:sldLayoutIdLst>
-    <p:sldLayoutId id="2147483649" r:id="rId1"/>
-    <p:sldLayoutId id="2147483650" r:id="rId2"/>
-    <p:sldLayoutId id="2147483651" r:id="rId3"/>
-    <p:sldLayoutId id="2147483652" r:id="rId4"/>
-    <p:sldLayoutId id="2147483653" r:id="rId5"/>
-    <p:sldLayoutId id="2147483654" r:id="rId6"/>
-    <p:sldLayoutId id="2147483655" r:id="rId7"/>
-    <p:sldLayoutId id="2147483656" r:id="rId8"/>
-    <p:sldLayoutId id="2147483657" r:id="rId9"/>
-    <p:sldLayoutId id="2147483658" r:id="rId10"/>
-    <p:sldLayoutId id="2147483659" r:id="rId11"/>
+    <p:sldLayoutId id="2147483685" r:id="rId1"/>
+    <p:sldLayoutId id="2147483686" r:id="rId2"/>
+    <p:sldLayoutId id="2147483687" r:id="rId3"/>
+    <p:sldLayoutId id="2147483688" r:id="rId4"/>
+    <p:sldLayoutId id="2147483689" r:id="rId5"/>
+    <p:sldLayoutId id="2147483690" r:id="rId6"/>
+    <p:sldLayoutId id="2147483691" r:id="rId7"/>
+    <p:sldLayoutId id="2147483692" r:id="rId8"/>
+    <p:sldLayoutId id="2147483693" r:id="rId9"/>
+    <p:sldLayoutId id="2147483694" r:id="rId10"/>
+    <p:sldLayoutId id="2147483695" r:id="rId11"/>
   </p:sldLayoutIdLst>
   <p:txStyles>
     <p:titleStyle>
@@ -3082,6 +3263,875 @@
 </p:sld>
 </file>
 
+<file path=ppt/slides/slide10.xml><?xml version="1.0" encoding="utf-8"?>
+<p:sld xmlns:a="http://schemas.openxmlformats.org/drawingml/2006/main" xmlns:r="http://schemas.openxmlformats.org/officeDocument/2006/relationships" xmlns:p="http://schemas.openxmlformats.org/presentationml/2006/main">
+  <p:cSld>
+    <p:spTree>
+      <p:nvGrpSpPr>
+        <p:cNvPr id="1" name=""/>
+        <p:cNvGrpSpPr/>
+        <p:nvPr/>
+      </p:nvGrpSpPr>
+      <p:grpSpPr>
+        <a:xfrm>
+          <a:off x="0" y="0"/>
+          <a:ext cx="0" cy="0"/>
+          <a:chOff x="0" y="0"/>
+          <a:chExt cx="0" cy="0"/>
+        </a:xfrm>
+      </p:grpSpPr>
+      <p:pic>
+        <p:nvPicPr>
+          <p:cNvPr id="20482" name="Picture 2" descr="icpclogo_big.png (1077×681)"/>
+          <p:cNvPicPr>
+            <a:picLocks noChangeAspect="1" noChangeArrowheads="1"/>
+          </p:cNvPicPr>
+          <p:nvPr/>
+        </p:nvPicPr>
+        <p:blipFill>
+          <a:blip r:embed="rId2" cstate="print"/>
+          <a:srcRect/>
+          <a:stretch>
+            <a:fillRect/>
+          </a:stretch>
+        </p:blipFill>
+        <p:spPr bwMode="auto">
+          <a:xfrm>
+            <a:off x="914400" y="838200"/>
+            <a:ext cx="7351118" cy="4648200"/>
+          </a:xfrm>
+          <a:prstGeom prst="rect">
+            <a:avLst/>
+          </a:prstGeom>
+          <a:noFill/>
+        </p:spPr>
+      </p:pic>
+    </p:spTree>
+  </p:cSld>
+  <p:clrMapOvr>
+    <a:masterClrMapping/>
+  </p:clrMapOvr>
+  <p:timing>
+    <p:tnLst>
+      <p:par>
+        <p:cTn id="1" dur="indefinite" restart="never" nodeType="tmRoot"/>
+      </p:par>
+    </p:tnLst>
+  </p:timing>
+</p:sld>
+</file>
+
+<file path=ppt/slides/slide11.xml><?xml version="1.0" encoding="utf-8"?>
+<p:sld xmlns:a="http://schemas.openxmlformats.org/drawingml/2006/main" xmlns:r="http://schemas.openxmlformats.org/officeDocument/2006/relationships" xmlns:p="http://schemas.openxmlformats.org/presentationml/2006/main">
+  <p:cSld>
+    <p:spTree>
+      <p:nvGrpSpPr>
+        <p:cNvPr id="1" name=""/>
+        <p:cNvGrpSpPr/>
+        <p:nvPr/>
+      </p:nvGrpSpPr>
+      <p:grpSpPr>
+        <a:xfrm>
+          <a:off x="0" y="0"/>
+          <a:ext cx="0" cy="0"/>
+          <a:chOff x="0" y="0"/>
+          <a:chExt cx="0" cy="0"/>
+        </a:xfrm>
+      </p:grpSpPr>
+      <p:pic>
+        <p:nvPicPr>
+          <p:cNvPr id="21506" name="Picture 2" descr="C:\Users\JLopes\Downloads\67663_442936274117_146306224117_5341883_134333_n.jpg"/>
+          <p:cNvPicPr>
+            <a:picLocks noChangeAspect="1" noChangeArrowheads="1"/>
+          </p:cNvPicPr>
+          <p:nvPr/>
+        </p:nvPicPr>
+        <p:blipFill>
+          <a:blip r:embed="rId2" cstate="print"/>
+          <a:srcRect/>
+          <a:stretch>
+            <a:fillRect/>
+          </a:stretch>
+        </p:blipFill>
+        <p:spPr bwMode="auto">
+          <a:xfrm>
+            <a:off x="0" y="0"/>
+            <a:ext cx="9144000" cy="6858000"/>
+          </a:xfrm>
+          <a:prstGeom prst="rect">
+            <a:avLst/>
+          </a:prstGeom>
+          <a:noFill/>
+        </p:spPr>
+      </p:pic>
+    </p:spTree>
+  </p:cSld>
+  <p:clrMapOvr>
+    <a:masterClrMapping/>
+  </p:clrMapOvr>
+  <p:timing>
+    <p:tnLst>
+      <p:par>
+        <p:cTn id="1" dur="indefinite" restart="never" nodeType="tmRoot"/>
+      </p:par>
+    </p:tnLst>
+  </p:timing>
+</p:sld>
+</file>
+
+<file path=ppt/slides/slide12.xml><?xml version="1.0" encoding="utf-8"?>
+<p:sld xmlns:a="http://schemas.openxmlformats.org/drawingml/2006/main" xmlns:r="http://schemas.openxmlformats.org/officeDocument/2006/relationships" xmlns:p="http://schemas.openxmlformats.org/presentationml/2006/main">
+  <p:cSld>
+    <p:bg>
+      <p:bgPr>
+        <a:solidFill>
+          <a:schemeClr val="tx1"/>
+        </a:solidFill>
+        <a:effectLst/>
+      </p:bgPr>
+    </p:bg>
+    <p:spTree>
+      <p:nvGrpSpPr>
+        <p:cNvPr id="1" name=""/>
+        <p:cNvGrpSpPr/>
+        <p:nvPr/>
+      </p:nvGrpSpPr>
+      <p:grpSpPr>
+        <a:xfrm>
+          <a:off x="0" y="0"/>
+          <a:ext cx="0" cy="0"/>
+          <a:chOff x="0" y="0"/>
+          <a:chExt cx="0" cy="0"/>
+        </a:xfrm>
+      </p:grpSpPr>
+      <p:pic>
+        <p:nvPicPr>
+          <p:cNvPr id="22530" name="Picture 2" descr="retr_EdsgerDijkstra.jpg (480×640)"/>
+          <p:cNvPicPr>
+            <a:picLocks noChangeAspect="1" noChangeArrowheads="1"/>
+          </p:cNvPicPr>
+          <p:nvPr/>
+        </p:nvPicPr>
+        <p:blipFill>
+          <a:blip r:embed="rId2" cstate="print"/>
+          <a:srcRect/>
+          <a:stretch>
+            <a:fillRect/>
+          </a:stretch>
+        </p:blipFill>
+        <p:spPr bwMode="auto">
+          <a:xfrm>
+            <a:off x="990600" y="1905000"/>
+            <a:ext cx="2171700" cy="2895600"/>
+          </a:xfrm>
+          <a:prstGeom prst="round2DiagRect">
+            <a:avLst>
+              <a:gd name="adj1" fmla="val 16667"/>
+              <a:gd name="adj2" fmla="val 0"/>
+            </a:avLst>
+          </a:prstGeom>
+          <a:ln w="88900" cap="sq">
+            <a:solidFill>
+              <a:srgbClr val="FFFFFF"/>
+            </a:solidFill>
+            <a:miter lim="800000"/>
+          </a:ln>
+          <a:effectLst>
+            <a:outerShdw blurRad="254000" algn="tl" rotWithShape="0">
+              <a:srgbClr val="000000">
+                <a:alpha val="43000"/>
+              </a:srgbClr>
+            </a:outerShdw>
+          </a:effectLst>
+        </p:spPr>
+      </p:pic>
+      <p:pic>
+        <p:nvPicPr>
+          <p:cNvPr id="22532" name="Picture 4" descr="http://www.techcn.com.cn/uploads/200905/1243353284SWRcNQJR.png"/>
+          <p:cNvPicPr>
+            <a:picLocks noChangeAspect="1" noChangeArrowheads="1"/>
+          </p:cNvPicPr>
+          <p:nvPr/>
+        </p:nvPicPr>
+        <p:blipFill>
+          <a:blip r:embed="rId3" cstate="print"/>
+          <a:srcRect/>
+          <a:stretch>
+            <a:fillRect/>
+          </a:stretch>
+        </p:blipFill>
+        <p:spPr bwMode="auto">
+          <a:xfrm>
+            <a:off x="6019800" y="1981200"/>
+            <a:ext cx="2209799" cy="2886268"/>
+          </a:xfrm>
+          <a:prstGeom prst="round2DiagRect">
+            <a:avLst>
+              <a:gd name="adj1" fmla="val 16667"/>
+              <a:gd name="adj2" fmla="val 0"/>
+            </a:avLst>
+          </a:prstGeom>
+          <a:ln w="88900" cap="sq">
+            <a:solidFill>
+              <a:srgbClr val="FFFFFF"/>
+            </a:solidFill>
+            <a:miter lim="800000"/>
+          </a:ln>
+          <a:effectLst>
+            <a:outerShdw blurRad="254000" algn="tl" rotWithShape="0">
+              <a:srgbClr val="000000">
+                <a:alpha val="43000"/>
+              </a:srgbClr>
+            </a:outerShdw>
+          </a:effectLst>
+        </p:spPr>
+      </p:pic>
+      <p:pic>
+        <p:nvPicPr>
+          <p:cNvPr id="22534" name="Picture 6"/>
+          <p:cNvPicPr>
+            <a:picLocks noChangeAspect="1" noChangeArrowheads="1"/>
+          </p:cNvPicPr>
+          <p:nvPr/>
+        </p:nvPicPr>
+        <p:blipFill>
+          <a:blip r:embed="rId4" cstate="print"/>
+          <a:srcRect/>
+          <a:stretch>
+            <a:fillRect/>
+          </a:stretch>
+        </p:blipFill>
+        <p:spPr bwMode="auto">
+          <a:xfrm>
+            <a:off x="3581400" y="2590800"/>
+            <a:ext cx="2124075" cy="1724025"/>
+          </a:xfrm>
+          <a:prstGeom prst="rect">
+            <a:avLst/>
+          </a:prstGeom>
+          <a:noFill/>
+          <a:ln w="9525">
+            <a:noFill/>
+            <a:miter lim="800000"/>
+            <a:headEnd/>
+            <a:tailEnd/>
+          </a:ln>
+        </p:spPr>
+      </p:pic>
+      <p:sp>
+        <p:nvSpPr>
+          <p:cNvPr id="8" name="TextBox 7"/>
+          <p:cNvSpPr txBox="1"/>
+          <p:nvPr/>
+        </p:nvSpPr>
+        <p:spPr>
+          <a:xfrm>
+            <a:off x="762000" y="4876800"/>
+            <a:ext cx="3048000" cy="523220"/>
+          </a:xfrm>
+          <a:prstGeom prst="rect">
+            <a:avLst/>
+          </a:prstGeom>
+          <a:noFill/>
+          <a:effectLst>
+            <a:outerShdw blurRad="50800" dist="38100" dir="2700000" algn="tl" rotWithShape="0">
+              <a:prstClr val="black">
+                <a:alpha val="40000"/>
+              </a:prstClr>
+            </a:outerShdw>
+          </a:effectLst>
+        </p:spPr>
+        <p:txBody>
+          <a:bodyPr wrap="square" rtlCol="0">
+            <a:spAutoFit/>
+          </a:bodyPr>
+          <a:lstStyle/>
+          <a:p>
+            <a:r>
+              <a:rPr lang="en-US" sz="2800" dirty="0" smtClean="0">
+                <a:gradFill>
+                  <a:gsLst>
+                    <a:gs pos="0">
+                      <a:srgbClr val="FFF200"/>
+                    </a:gs>
+                    <a:gs pos="45000">
+                      <a:srgbClr val="FF7A00"/>
+                    </a:gs>
+                    <a:gs pos="70000">
+                      <a:srgbClr val="FF0300"/>
+                    </a:gs>
+                    <a:gs pos="100000">
+                      <a:srgbClr val="4D0808"/>
+                    </a:gs>
+                  </a:gsLst>
+                  <a:lin ang="5100000" scaled="0"/>
+                </a:gradFill>
+                <a:latin typeface="Cooper Black" pitchFamily="18" charset="0"/>
+              </a:rPr>
+              <a:t>E. W. </a:t>
+            </a:r>
+            <a:r>
+              <a:rPr lang="en-US" sz="2800" dirty="0" err="1" smtClean="0">
+                <a:gradFill>
+                  <a:gsLst>
+                    <a:gs pos="0">
+                      <a:srgbClr val="FFF200"/>
+                    </a:gs>
+                    <a:gs pos="45000">
+                      <a:srgbClr val="FF7A00"/>
+                    </a:gs>
+                    <a:gs pos="70000">
+                      <a:srgbClr val="FF0300"/>
+                    </a:gs>
+                    <a:gs pos="100000">
+                      <a:srgbClr val="4D0808"/>
+                    </a:gs>
+                  </a:gsLst>
+                  <a:lin ang="5100000" scaled="0"/>
+                </a:gradFill>
+                <a:latin typeface="Cooper Black" pitchFamily="18" charset="0"/>
+              </a:rPr>
+              <a:t>Dijkstra</a:t>
+            </a:r>
+            <a:endParaRPr lang="en-US" sz="2800" dirty="0">
+              <a:gradFill>
+                <a:gsLst>
+                  <a:gs pos="0">
+                    <a:srgbClr val="FFF200"/>
+                  </a:gs>
+                  <a:gs pos="45000">
+                    <a:srgbClr val="FF7A00"/>
+                  </a:gs>
+                  <a:gs pos="70000">
+                    <a:srgbClr val="FF0300"/>
+                  </a:gs>
+                  <a:gs pos="100000">
+                    <a:srgbClr val="4D0808"/>
+                  </a:gs>
+                </a:gsLst>
+                <a:lin ang="5100000" scaled="0"/>
+              </a:gradFill>
+              <a:latin typeface="Cooper Black" pitchFamily="18" charset="0"/>
+            </a:endParaRPr>
+          </a:p>
+        </p:txBody>
+      </p:sp>
+      <p:sp>
+        <p:nvSpPr>
+          <p:cNvPr id="9" name="TextBox 8"/>
+          <p:cNvSpPr txBox="1"/>
+          <p:nvPr/>
+        </p:nvSpPr>
+        <p:spPr>
+          <a:xfrm>
+            <a:off x="6019800" y="4953000"/>
+            <a:ext cx="2362200" cy="523220"/>
+          </a:xfrm>
+          <a:prstGeom prst="rect">
+            <a:avLst/>
+          </a:prstGeom>
+          <a:noFill/>
+          <a:effectLst>
+            <a:outerShdw blurRad="50800" dist="38100" dir="2700000" algn="tl" rotWithShape="0">
+              <a:prstClr val="black">
+                <a:alpha val="40000"/>
+              </a:prstClr>
+            </a:outerShdw>
+          </a:effectLst>
+        </p:spPr>
+        <p:txBody>
+          <a:bodyPr wrap="square" rtlCol="0">
+            <a:spAutoFit/>
+          </a:bodyPr>
+          <a:lstStyle/>
+          <a:p>
+            <a:r>
+              <a:rPr lang="en-US" sz="2800" dirty="0" smtClean="0">
+                <a:gradFill>
+                  <a:gsLst>
+                    <a:gs pos="0">
+                      <a:srgbClr val="FFF200"/>
+                    </a:gs>
+                    <a:gs pos="45000">
+                      <a:srgbClr val="FF7A00"/>
+                    </a:gs>
+                    <a:gs pos="70000">
+                      <a:srgbClr val="FF0300"/>
+                    </a:gs>
+                    <a:gs pos="100000">
+                      <a:srgbClr val="4D0808"/>
+                    </a:gs>
+                  </a:gsLst>
+                  <a:lin ang="5100000" scaled="0"/>
+                </a:gradFill>
+                <a:latin typeface="Cooper Black" pitchFamily="18" charset="0"/>
+              </a:rPr>
+              <a:t>R. W. Floyd</a:t>
+            </a:r>
+            <a:endParaRPr lang="en-US" sz="2800" dirty="0">
+              <a:gradFill>
+                <a:gsLst>
+                  <a:gs pos="0">
+                    <a:srgbClr val="FFF200"/>
+                  </a:gs>
+                  <a:gs pos="45000">
+                    <a:srgbClr val="FF7A00"/>
+                  </a:gs>
+                  <a:gs pos="70000">
+                    <a:srgbClr val="FF0300"/>
+                  </a:gs>
+                  <a:gs pos="100000">
+                    <a:srgbClr val="4D0808"/>
+                  </a:gs>
+                </a:gsLst>
+                <a:lin ang="5100000" scaled="0"/>
+              </a:gradFill>
+              <a:latin typeface="Cooper Black" pitchFamily="18" charset="0"/>
+            </a:endParaRPr>
+          </a:p>
+        </p:txBody>
+      </p:sp>
+      <p:sp>
+        <p:nvSpPr>
+          <p:cNvPr id="10" name="TextBox 9"/>
+          <p:cNvSpPr txBox="1"/>
+          <p:nvPr/>
+        </p:nvSpPr>
+        <p:spPr>
+          <a:xfrm>
+            <a:off x="685800" y="685800"/>
+            <a:ext cx="2895600" cy="954107"/>
+          </a:xfrm>
+          <a:prstGeom prst="rect">
+            <a:avLst/>
+          </a:prstGeom>
+          <a:noFill/>
+          <a:effectLst>
+            <a:outerShdw blurRad="50800" dist="38100" dir="2700000" algn="tl" rotWithShape="0">
+              <a:prstClr val="black">
+                <a:alpha val="40000"/>
+              </a:prstClr>
+            </a:outerShdw>
+          </a:effectLst>
+        </p:spPr>
+        <p:txBody>
+          <a:bodyPr wrap="square" rtlCol="0">
+            <a:spAutoFit/>
+          </a:bodyPr>
+          <a:lstStyle/>
+          <a:p>
+            <a:pPr algn="ctr"/>
+            <a:r>
+              <a:rPr lang="en-US" sz="2800" dirty="0" err="1">
+                <a:gradFill>
+                  <a:gsLst>
+                    <a:gs pos="0">
+                      <a:srgbClr val="FFF200"/>
+                    </a:gs>
+                    <a:gs pos="45000">
+                      <a:srgbClr val="FF7A00"/>
+                    </a:gs>
+                    <a:gs pos="70000">
+                      <a:srgbClr val="FF0300"/>
+                    </a:gs>
+                    <a:gs pos="100000">
+                      <a:srgbClr val="4D0808"/>
+                    </a:gs>
+                  </a:gsLst>
+                  <a:lin ang="5100000" scaled="0"/>
+                </a:gradFill>
+                <a:latin typeface="Cooper Black" pitchFamily="18" charset="0"/>
+              </a:rPr>
+              <a:t>m</a:t>
+            </a:r>
+            <a:r>
+              <a:rPr lang="en-US" sz="2800" dirty="0" err="1" smtClean="0">
+                <a:gradFill>
+                  <a:gsLst>
+                    <a:gs pos="0">
+                      <a:srgbClr val="FFF200"/>
+                    </a:gs>
+                    <a:gs pos="45000">
+                      <a:srgbClr val="FF7A00"/>
+                    </a:gs>
+                    <a:gs pos="70000">
+                      <a:srgbClr val="FF0300"/>
+                    </a:gs>
+                    <a:gs pos="100000">
+                      <a:srgbClr val="4D0808"/>
+                    </a:gs>
+                  </a:gsLst>
+                  <a:lin ang="5100000" scaled="0"/>
+                </a:gradFill>
+                <a:latin typeface="Cooper Black" pitchFamily="18" charset="0"/>
+              </a:rPr>
+              <a:t>uitas</a:t>
+            </a:r>
+            <a:r>
+              <a:rPr lang="en-US" sz="2800" dirty="0" smtClean="0">
+                <a:gradFill>
+                  <a:gsLst>
+                    <a:gs pos="0">
+                      <a:srgbClr val="FFF200"/>
+                    </a:gs>
+                    <a:gs pos="45000">
+                      <a:srgbClr val="FF7A00"/>
+                    </a:gs>
+                    <a:gs pos="70000">
+                      <a:srgbClr val="FF0300"/>
+                    </a:gs>
+                    <a:gs pos="100000">
+                      <a:srgbClr val="4D0808"/>
+                    </a:gs>
+                  </a:gsLst>
+                  <a:lin ang="5100000" scaled="0"/>
+                </a:gradFill>
+                <a:latin typeface="Cooper Black" pitchFamily="18" charset="0"/>
+              </a:rPr>
+              <a:t> </a:t>
+            </a:r>
+            <a:r>
+              <a:rPr lang="en-US" sz="2800" dirty="0" err="1" smtClean="0">
+                <a:gradFill>
+                  <a:gsLst>
+                    <a:gs pos="0">
+                      <a:srgbClr val="FFF200"/>
+                    </a:gs>
+                    <a:gs pos="45000">
+                      <a:srgbClr val="FF7A00"/>
+                    </a:gs>
+                    <a:gs pos="70000">
+                      <a:srgbClr val="FF0300"/>
+                    </a:gs>
+                    <a:gs pos="100000">
+                      <a:srgbClr val="4D0808"/>
+                    </a:gs>
+                  </a:gsLst>
+                  <a:lin ang="5100000" scaled="0"/>
+                </a:gradFill>
+                <a:latin typeface="Cooper Black" pitchFamily="18" charset="0"/>
+              </a:rPr>
+              <a:t>linhas</a:t>
+            </a:r>
+            <a:r>
+              <a:rPr lang="en-US" sz="2800" dirty="0" smtClean="0">
+                <a:gradFill>
+                  <a:gsLst>
+                    <a:gs pos="0">
+                      <a:srgbClr val="FFF200"/>
+                    </a:gs>
+                    <a:gs pos="45000">
+                      <a:srgbClr val="FF7A00"/>
+                    </a:gs>
+                    <a:gs pos="70000">
+                      <a:srgbClr val="FF0300"/>
+                    </a:gs>
+                    <a:gs pos="100000">
+                      <a:srgbClr val="4D0808"/>
+                    </a:gs>
+                  </a:gsLst>
+                  <a:lin ang="5100000" scaled="0"/>
+                </a:gradFill>
+                <a:latin typeface="Cooper Black" pitchFamily="18" charset="0"/>
+              </a:rPr>
+              <a:t/>
+            </a:r>
+            <a:br>
+              <a:rPr lang="en-US" sz="2800" dirty="0" smtClean="0">
+                <a:gradFill>
+                  <a:gsLst>
+                    <a:gs pos="0">
+                      <a:srgbClr val="FFF200"/>
+                    </a:gs>
+                    <a:gs pos="45000">
+                      <a:srgbClr val="FF7A00"/>
+                    </a:gs>
+                    <a:gs pos="70000">
+                      <a:srgbClr val="FF0300"/>
+                    </a:gs>
+                    <a:gs pos="100000">
+                      <a:srgbClr val="4D0808"/>
+                    </a:gs>
+                  </a:gsLst>
+                  <a:lin ang="5100000" scaled="0"/>
+                </a:gradFill>
+                <a:latin typeface="Cooper Black" pitchFamily="18" charset="0"/>
+              </a:rPr>
+            </a:br>
+            <a:r>
+              <a:rPr lang="en-US" sz="2800" dirty="0" smtClean="0">
+                <a:gradFill>
+                  <a:gsLst>
+                    <a:gs pos="0">
+                      <a:srgbClr val="FFF200"/>
+                    </a:gs>
+                    <a:gs pos="45000">
+                      <a:srgbClr val="FF7A00"/>
+                    </a:gs>
+                    <a:gs pos="70000">
+                      <a:srgbClr val="FF0300"/>
+                    </a:gs>
+                    <a:gs pos="100000">
+                      <a:srgbClr val="4D0808"/>
+                    </a:gs>
+                  </a:gsLst>
+                  <a:lin ang="5100000" scaled="0"/>
+                </a:gradFill>
+                <a:latin typeface="Cooper Black" pitchFamily="18" charset="0"/>
+              </a:rPr>
+              <a:t>O(n log</a:t>
+            </a:r>
+            <a:r>
+              <a:rPr lang="en-US" sz="2800" baseline="-25000" dirty="0" smtClean="0">
+                <a:gradFill>
+                  <a:gsLst>
+                    <a:gs pos="0">
+                      <a:srgbClr val="FFF200"/>
+                    </a:gs>
+                    <a:gs pos="45000">
+                      <a:srgbClr val="FF7A00"/>
+                    </a:gs>
+                    <a:gs pos="70000">
+                      <a:srgbClr val="FF0300"/>
+                    </a:gs>
+                    <a:gs pos="100000">
+                      <a:srgbClr val="4D0808"/>
+                    </a:gs>
+                  </a:gsLst>
+                  <a:lin ang="5100000" scaled="0"/>
+                </a:gradFill>
+                <a:latin typeface="Cooper Black" pitchFamily="18" charset="0"/>
+              </a:rPr>
+              <a:t>2</a:t>
+            </a:r>
+            <a:r>
+              <a:rPr lang="en-US" sz="2800" dirty="0" smtClean="0">
+                <a:gradFill>
+                  <a:gsLst>
+                    <a:gs pos="0">
+                      <a:srgbClr val="FFF200"/>
+                    </a:gs>
+                    <a:gs pos="45000">
+                      <a:srgbClr val="FF7A00"/>
+                    </a:gs>
+                    <a:gs pos="70000">
+                      <a:srgbClr val="FF0300"/>
+                    </a:gs>
+                    <a:gs pos="100000">
+                      <a:srgbClr val="4D0808"/>
+                    </a:gs>
+                  </a:gsLst>
+                  <a:lin ang="5100000" scaled="0"/>
+                </a:gradFill>
+                <a:latin typeface="Cooper Black" pitchFamily="18" charset="0"/>
+              </a:rPr>
+              <a:t>n)</a:t>
+            </a:r>
+            <a:endParaRPr lang="en-US" sz="2800" dirty="0">
+              <a:gradFill>
+                <a:gsLst>
+                  <a:gs pos="0">
+                    <a:srgbClr val="FFF200"/>
+                  </a:gs>
+                  <a:gs pos="45000">
+                    <a:srgbClr val="FF7A00"/>
+                  </a:gs>
+                  <a:gs pos="70000">
+                    <a:srgbClr val="FF0300"/>
+                  </a:gs>
+                  <a:gs pos="100000">
+                    <a:srgbClr val="4D0808"/>
+                  </a:gs>
+                </a:gsLst>
+                <a:lin ang="5100000" scaled="0"/>
+              </a:gradFill>
+              <a:latin typeface="Cooper Black" pitchFamily="18" charset="0"/>
+            </a:endParaRPr>
+          </a:p>
+        </p:txBody>
+      </p:sp>
+      <p:sp>
+        <p:nvSpPr>
+          <p:cNvPr id="11" name="TextBox 10"/>
+          <p:cNvSpPr txBox="1"/>
+          <p:nvPr/>
+        </p:nvSpPr>
+        <p:spPr>
+          <a:xfrm>
+            <a:off x="6019800" y="762000"/>
+            <a:ext cx="2209800" cy="954107"/>
+          </a:xfrm>
+          <a:prstGeom prst="rect">
+            <a:avLst/>
+          </a:prstGeom>
+          <a:noFill/>
+          <a:effectLst>
+            <a:outerShdw blurRad="50800" dist="38100" dir="2700000" algn="tl" rotWithShape="0">
+              <a:prstClr val="black">
+                <a:alpha val="40000"/>
+              </a:prstClr>
+            </a:outerShdw>
+          </a:effectLst>
+        </p:spPr>
+        <p:txBody>
+          <a:bodyPr wrap="square" rtlCol="0">
+            <a:spAutoFit/>
+          </a:bodyPr>
+          <a:lstStyle/>
+          <a:p>
+            <a:pPr algn="ctr"/>
+            <a:r>
+              <a:rPr lang="en-US" sz="2800" dirty="0" smtClean="0">
+                <a:gradFill>
+                  <a:gsLst>
+                    <a:gs pos="0">
+                      <a:srgbClr val="FFF200"/>
+                    </a:gs>
+                    <a:gs pos="45000">
+                      <a:srgbClr val="FF7A00"/>
+                    </a:gs>
+                    <a:gs pos="70000">
+                      <a:srgbClr val="FF0300"/>
+                    </a:gs>
+                    <a:gs pos="100000">
+                      <a:srgbClr val="4D0808"/>
+                    </a:gs>
+                  </a:gsLst>
+                  <a:lin ang="5100000" scaled="0"/>
+                </a:gradFill>
+                <a:latin typeface="Cooper Black" pitchFamily="18" charset="0"/>
+              </a:rPr>
+              <a:t>4 </a:t>
+            </a:r>
+            <a:r>
+              <a:rPr lang="en-US" sz="2800" dirty="0" err="1" smtClean="0">
+                <a:gradFill>
+                  <a:gsLst>
+                    <a:gs pos="0">
+                      <a:srgbClr val="FFF200"/>
+                    </a:gs>
+                    <a:gs pos="45000">
+                      <a:srgbClr val="FF7A00"/>
+                    </a:gs>
+                    <a:gs pos="70000">
+                      <a:srgbClr val="FF0300"/>
+                    </a:gs>
+                    <a:gs pos="100000">
+                      <a:srgbClr val="4D0808"/>
+                    </a:gs>
+                  </a:gsLst>
+                  <a:lin ang="5100000" scaled="0"/>
+                </a:gradFill>
+                <a:latin typeface="Cooper Black" pitchFamily="18" charset="0"/>
+              </a:rPr>
+              <a:t>linhas</a:t>
+            </a:r>
+            <a:r>
+              <a:rPr lang="en-US" sz="2800" dirty="0" smtClean="0">
+                <a:gradFill>
+                  <a:gsLst>
+                    <a:gs pos="0">
+                      <a:srgbClr val="FFF200"/>
+                    </a:gs>
+                    <a:gs pos="45000">
+                      <a:srgbClr val="FF7A00"/>
+                    </a:gs>
+                    <a:gs pos="70000">
+                      <a:srgbClr val="FF0300"/>
+                    </a:gs>
+                    <a:gs pos="100000">
+                      <a:srgbClr val="4D0808"/>
+                    </a:gs>
+                  </a:gsLst>
+                  <a:lin ang="5100000" scaled="0"/>
+                </a:gradFill>
+                <a:latin typeface="Cooper Black" pitchFamily="18" charset="0"/>
+              </a:rPr>
+              <a:t/>
+            </a:r>
+            <a:br>
+              <a:rPr lang="en-US" sz="2800" dirty="0" smtClean="0">
+                <a:gradFill>
+                  <a:gsLst>
+                    <a:gs pos="0">
+                      <a:srgbClr val="FFF200"/>
+                    </a:gs>
+                    <a:gs pos="45000">
+                      <a:srgbClr val="FF7A00"/>
+                    </a:gs>
+                    <a:gs pos="70000">
+                      <a:srgbClr val="FF0300"/>
+                    </a:gs>
+                    <a:gs pos="100000">
+                      <a:srgbClr val="4D0808"/>
+                    </a:gs>
+                  </a:gsLst>
+                  <a:lin ang="5100000" scaled="0"/>
+                </a:gradFill>
+                <a:latin typeface="Cooper Black" pitchFamily="18" charset="0"/>
+              </a:rPr>
+            </a:br>
+            <a:r>
+              <a:rPr lang="en-US" sz="2800" dirty="0" smtClean="0">
+                <a:gradFill>
+                  <a:gsLst>
+                    <a:gs pos="0">
+                      <a:srgbClr val="FFF200"/>
+                    </a:gs>
+                    <a:gs pos="45000">
+                      <a:srgbClr val="FF7A00"/>
+                    </a:gs>
+                    <a:gs pos="70000">
+                      <a:srgbClr val="FF0300"/>
+                    </a:gs>
+                    <a:gs pos="100000">
+                      <a:srgbClr val="4D0808"/>
+                    </a:gs>
+                  </a:gsLst>
+                  <a:lin ang="5100000" scaled="0"/>
+                </a:gradFill>
+                <a:latin typeface="Cooper Black" pitchFamily="18" charset="0"/>
+              </a:rPr>
+              <a:t>O(n³)</a:t>
+            </a:r>
+            <a:endParaRPr lang="en-US" sz="2800" dirty="0">
+              <a:gradFill>
+                <a:gsLst>
+                  <a:gs pos="0">
+                    <a:srgbClr val="FFF200"/>
+                  </a:gs>
+                  <a:gs pos="45000">
+                    <a:srgbClr val="FF7A00"/>
+                  </a:gs>
+                  <a:gs pos="70000">
+                    <a:srgbClr val="FF0300"/>
+                  </a:gs>
+                  <a:gs pos="100000">
+                    <a:srgbClr val="4D0808"/>
+                  </a:gs>
+                </a:gsLst>
+                <a:lin ang="5100000" scaled="0"/>
+              </a:gradFill>
+              <a:latin typeface="Cooper Black" pitchFamily="18" charset="0"/>
+            </a:endParaRPr>
+          </a:p>
+        </p:txBody>
+      </p:sp>
+    </p:spTree>
+  </p:cSld>
+  <p:clrMapOvr>
+    <a:masterClrMapping/>
+  </p:clrMapOvr>
+  <p:timing>
+    <p:tnLst>
+      <p:par>
+        <p:cTn id="1" dur="indefinite" restart="never" nodeType="tmRoot"/>
+      </p:par>
+    </p:tnLst>
+  </p:timing>
+</p:sld>
+</file>
+
 <file path=ppt/slides/slide2.xml><?xml version="1.0" encoding="utf-8"?>
 <p:sld xmlns:a="http://schemas.openxmlformats.org/drawingml/2006/main" xmlns:r="http://schemas.openxmlformats.org/officeDocument/2006/relationships" xmlns:p="http://schemas.openxmlformats.org/presentationml/2006/main">
   <p:cSld>
@@ -3109,7 +4159,6 @@
         </p:nvPicPr>
         <p:blipFill>
           <a:blip r:embed="rId2" cstate="print"/>
-          <a:srcRect/>
           <a:stretch>
             <a:fillRect/>
           </a:stretch>
@@ -3117,41 +4166,15 @@
         <p:spPr bwMode="auto">
           <a:xfrm>
             <a:off x="1066800" y="685800"/>
-            <a:ext cx="6909056" cy="5327650"/>
+            <a:ext cx="6818472" cy="5257800"/>
           </a:xfrm>
           <a:prstGeom prst="rect">
             <a:avLst/>
           </a:prstGeom>
-          <a:solidFill>
-            <a:srgbClr val="FFFFFF">
-              <a:shade val="85000"/>
-            </a:srgbClr>
-          </a:solidFill>
-          <a:ln w="88900" cap="sq">
-            <a:solidFill>
-              <a:srgbClr val="FFFFFF"/>
-            </a:solidFill>
-            <a:miter lim="800000"/>
+          <a:noFill/>
+          <a:ln>
+            <a:noFill/>
           </a:ln>
-          <a:effectLst>
-            <a:outerShdw blurRad="55000" dist="18000" dir="5400000" algn="tl" rotWithShape="0">
-              <a:srgbClr val="000000">
-                <a:alpha val="40000"/>
-              </a:srgbClr>
-            </a:outerShdw>
-          </a:effectLst>
-          <a:scene3d>
-            <a:camera prst="orthographicFront"/>
-            <a:lightRig rig="twoPt" dir="t">
-              <a:rot lat="0" lon="0" rev="7200000"/>
-            </a:lightRig>
-          </a:scene3d>
-          <a:sp3d>
-            <a:bevelT w="25400" h="19050"/>
-            <a:contourClr>
-              <a:srgbClr val="FFFFFF"/>
-            </a:contourClr>
-          </a:sp3d>
         </p:spPr>
       </p:pic>
     </p:spTree>
@@ -3950,11 +4973,2705 @@
           <a:chExt cx="0" cy="0"/>
         </a:xfrm>
       </p:grpSpPr>
+      <p:graphicFrame>
+        <p:nvGraphicFramePr>
+          <p:cNvPr id="5" name="Table 4"/>
+          <p:cNvGraphicFramePr>
+            <a:graphicFrameLocks noGrp="1"/>
+          </p:cNvGraphicFramePr>
+          <p:nvPr/>
+        </p:nvGraphicFramePr>
+        <p:xfrm>
+          <a:off x="381000" y="381000"/>
+          <a:ext cx="2209800" cy="2597417"/>
+        </p:xfrm>
+        <a:graphic>
+          <a:graphicData uri="http://schemas.openxmlformats.org/drawingml/2006/table">
+            <a:tbl>
+              <a:tblPr/>
+              <a:tblGrid>
+                <a:gridCol w="1104900"/>
+                <a:gridCol w="1104900"/>
+              </a:tblGrid>
+              <a:tr h="289961">
+                <a:tc>
+                  <a:txBody>
+                    <a:bodyPr/>
+                    <a:lstStyle/>
+                    <a:p>
+                      <a:pPr algn="l" fontAlgn="b"/>
+                      <a:r>
+                        <a:rPr lang="en-US" sz="1800" b="1" i="0" u="none" strike="noStrike" dirty="0">
+                          <a:solidFill>
+                            <a:srgbClr val="000000"/>
+                          </a:solidFill>
+                          <a:latin typeface="Calibri"/>
+                        </a:rPr>
+                        <a:t>n</a:t>
+                      </a:r>
+                    </a:p>
+                  </a:txBody>
+                  <a:tcPr marL="9525" marR="9525" marT="9525" marB="0" anchor="b">
+                    <a:lnL w="6350" cap="flat" cmpd="sng" algn="ctr">
+                      <a:solidFill>
+                        <a:srgbClr val="000000"/>
+                      </a:solidFill>
+                      <a:prstDash val="solid"/>
+                      <a:round/>
+                      <a:headEnd type="none" w="med" len="med"/>
+                      <a:tailEnd type="none" w="med" len="med"/>
+                    </a:lnL>
+                    <a:lnR w="6350" cap="flat" cmpd="sng" algn="ctr">
+                      <a:solidFill>
+                        <a:srgbClr val="000000"/>
+                      </a:solidFill>
+                      <a:prstDash val="solid"/>
+                      <a:round/>
+                      <a:headEnd type="none" w="med" len="med"/>
+                      <a:tailEnd type="none" w="med" len="med"/>
+                    </a:lnR>
+                    <a:lnT w="6350" cap="flat" cmpd="sng" algn="ctr">
+                      <a:solidFill>
+                        <a:srgbClr val="000000"/>
+                      </a:solidFill>
+                      <a:prstDash val="solid"/>
+                      <a:round/>
+                      <a:headEnd type="none" w="med" len="med"/>
+                      <a:tailEnd type="none" w="med" len="med"/>
+                    </a:lnT>
+                    <a:lnB w="6350" cap="flat" cmpd="sng" algn="ctr">
+                      <a:solidFill>
+                        <a:srgbClr val="000000"/>
+                      </a:solidFill>
+                      <a:prstDash val="solid"/>
+                      <a:round/>
+                      <a:headEnd type="none" w="med" len="med"/>
+                      <a:tailEnd type="none" w="med" len="med"/>
+                    </a:lnB>
+                  </a:tcPr>
+                </a:tc>
+                <a:tc>
+                  <a:txBody>
+                    <a:bodyPr/>
+                    <a:lstStyle/>
+                    <a:p>
+                      <a:pPr algn="l" fontAlgn="b"/>
+                      <a:r>
+                        <a:rPr lang="en-US" sz="1800" b="1" i="0" u="none" strike="noStrike" dirty="0">
+                          <a:solidFill>
+                            <a:srgbClr val="000000"/>
+                          </a:solidFill>
+                          <a:latin typeface="Calibri"/>
+                        </a:rPr>
+                        <a:t>tempo</a:t>
+                      </a:r>
+                    </a:p>
+                  </a:txBody>
+                  <a:tcPr marL="9525" marR="9525" marT="9525" marB="0" anchor="b">
+                    <a:lnL w="6350" cap="flat" cmpd="sng" algn="ctr">
+                      <a:solidFill>
+                        <a:srgbClr val="000000"/>
+                      </a:solidFill>
+                      <a:prstDash val="solid"/>
+                      <a:round/>
+                      <a:headEnd type="none" w="med" len="med"/>
+                      <a:tailEnd type="none" w="med" len="med"/>
+                    </a:lnL>
+                    <a:lnR w="6350" cap="flat" cmpd="sng" algn="ctr">
+                      <a:solidFill>
+                        <a:srgbClr val="000000"/>
+                      </a:solidFill>
+                      <a:prstDash val="solid"/>
+                      <a:round/>
+                      <a:headEnd type="none" w="med" len="med"/>
+                      <a:tailEnd type="none" w="med" len="med"/>
+                    </a:lnR>
+                    <a:lnT w="6350" cap="flat" cmpd="sng" algn="ctr">
+                      <a:solidFill>
+                        <a:srgbClr val="000000"/>
+                      </a:solidFill>
+                      <a:prstDash val="solid"/>
+                      <a:round/>
+                      <a:headEnd type="none" w="med" len="med"/>
+                      <a:tailEnd type="none" w="med" len="med"/>
+                    </a:lnT>
+                    <a:lnB w="6350" cap="flat" cmpd="sng" algn="ctr">
+                      <a:solidFill>
+                        <a:srgbClr val="000000"/>
+                      </a:solidFill>
+                      <a:prstDash val="solid"/>
+                      <a:round/>
+                      <a:headEnd type="none" w="med" len="med"/>
+                      <a:tailEnd type="none" w="med" len="med"/>
+                    </a:lnB>
+                  </a:tcPr>
+                </a:tc>
+              </a:tr>
+              <a:tr h="204336">
+                <a:tc>
+                  <a:txBody>
+                    <a:bodyPr/>
+                    <a:lstStyle/>
+                    <a:p>
+                      <a:pPr algn="r" fontAlgn="b"/>
+                      <a:r>
+                        <a:rPr lang="en-US" sz="1800" b="0" i="0" u="none" strike="noStrike" dirty="0">
+                          <a:solidFill>
+                            <a:srgbClr val="000000"/>
+                          </a:solidFill>
+                          <a:latin typeface="Calibri"/>
+                        </a:rPr>
+                        <a:t>5</a:t>
+                      </a:r>
+                    </a:p>
+                  </a:txBody>
+                  <a:tcPr marL="9525" marR="9525" marT="9525" marB="0" anchor="b">
+                    <a:lnL w="6350" cap="flat" cmpd="sng" algn="ctr">
+                      <a:solidFill>
+                        <a:srgbClr val="000000"/>
+                      </a:solidFill>
+                      <a:prstDash val="solid"/>
+                      <a:round/>
+                      <a:headEnd type="none" w="med" len="med"/>
+                      <a:tailEnd type="none" w="med" len="med"/>
+                    </a:lnL>
+                    <a:lnR w="6350" cap="flat" cmpd="sng" algn="ctr">
+                      <a:solidFill>
+                        <a:srgbClr val="000000"/>
+                      </a:solidFill>
+                      <a:prstDash val="solid"/>
+                      <a:round/>
+                      <a:headEnd type="none" w="med" len="med"/>
+                      <a:tailEnd type="none" w="med" len="med"/>
+                    </a:lnR>
+                    <a:lnT w="6350" cap="flat" cmpd="sng" algn="ctr">
+                      <a:solidFill>
+                        <a:srgbClr val="000000"/>
+                      </a:solidFill>
+                      <a:prstDash val="solid"/>
+                      <a:round/>
+                      <a:headEnd type="none" w="med" len="med"/>
+                      <a:tailEnd type="none" w="med" len="med"/>
+                    </a:lnT>
+                    <a:lnB w="6350" cap="flat" cmpd="sng" algn="ctr">
+                      <a:solidFill>
+                        <a:srgbClr val="000000"/>
+                      </a:solidFill>
+                      <a:prstDash val="solid"/>
+                      <a:round/>
+                      <a:headEnd type="none" w="med" len="med"/>
+                      <a:tailEnd type="none" w="med" len="med"/>
+                    </a:lnB>
+                  </a:tcPr>
+                </a:tc>
+                <a:tc>
+                  <a:txBody>
+                    <a:bodyPr/>
+                    <a:lstStyle/>
+                    <a:p>
+                      <a:pPr algn="r" fontAlgn="b"/>
+                      <a:r>
+                        <a:rPr lang="en-US" sz="1800" b="0" i="0" u="none" strike="noStrike">
+                          <a:solidFill>
+                            <a:srgbClr val="000000"/>
+                          </a:solidFill>
+                          <a:latin typeface="Calibri"/>
+                        </a:rPr>
+                        <a:t>175</a:t>
+                      </a:r>
+                    </a:p>
+                  </a:txBody>
+                  <a:tcPr marL="9525" marR="9525" marT="9525" marB="0" anchor="b">
+                    <a:lnL w="6350" cap="flat" cmpd="sng" algn="ctr">
+                      <a:solidFill>
+                        <a:srgbClr val="000000"/>
+                      </a:solidFill>
+                      <a:prstDash val="solid"/>
+                      <a:round/>
+                      <a:headEnd type="none" w="med" len="med"/>
+                      <a:tailEnd type="none" w="med" len="med"/>
+                    </a:lnL>
+                    <a:lnR w="6350" cap="flat" cmpd="sng" algn="ctr">
+                      <a:solidFill>
+                        <a:srgbClr val="000000"/>
+                      </a:solidFill>
+                      <a:prstDash val="solid"/>
+                      <a:round/>
+                      <a:headEnd type="none" w="med" len="med"/>
+                      <a:tailEnd type="none" w="med" len="med"/>
+                    </a:lnR>
+                    <a:lnT w="6350" cap="flat" cmpd="sng" algn="ctr">
+                      <a:solidFill>
+                        <a:srgbClr val="000000"/>
+                      </a:solidFill>
+                      <a:prstDash val="solid"/>
+                      <a:round/>
+                      <a:headEnd type="none" w="med" len="med"/>
+                      <a:tailEnd type="none" w="med" len="med"/>
+                    </a:lnT>
+                    <a:lnB w="6350" cap="flat" cmpd="sng" algn="ctr">
+                      <a:solidFill>
+                        <a:srgbClr val="000000"/>
+                      </a:solidFill>
+                      <a:prstDash val="solid"/>
+                      <a:round/>
+                      <a:headEnd type="none" w="med" len="med"/>
+                      <a:tailEnd type="none" w="med" len="med"/>
+                    </a:lnB>
+                  </a:tcPr>
+                </a:tc>
+              </a:tr>
+              <a:tr h="204336">
+                <a:tc>
+                  <a:txBody>
+                    <a:bodyPr/>
+                    <a:lstStyle/>
+                    <a:p>
+                      <a:pPr algn="r" fontAlgn="b"/>
+                      <a:r>
+                        <a:rPr lang="en-US" sz="1800" b="0" i="0" u="none" strike="noStrike" dirty="0">
+                          <a:solidFill>
+                            <a:srgbClr val="000000"/>
+                          </a:solidFill>
+                          <a:latin typeface="Calibri"/>
+                        </a:rPr>
+                        <a:t>10</a:t>
+                      </a:r>
+                    </a:p>
+                  </a:txBody>
+                  <a:tcPr marL="9525" marR="9525" marT="9525" marB="0" anchor="b">
+                    <a:lnL w="6350" cap="flat" cmpd="sng" algn="ctr">
+                      <a:solidFill>
+                        <a:srgbClr val="000000"/>
+                      </a:solidFill>
+                      <a:prstDash val="solid"/>
+                      <a:round/>
+                      <a:headEnd type="none" w="med" len="med"/>
+                      <a:tailEnd type="none" w="med" len="med"/>
+                    </a:lnL>
+                    <a:lnR w="6350" cap="flat" cmpd="sng" algn="ctr">
+                      <a:solidFill>
+                        <a:srgbClr val="000000"/>
+                      </a:solidFill>
+                      <a:prstDash val="solid"/>
+                      <a:round/>
+                      <a:headEnd type="none" w="med" len="med"/>
+                      <a:tailEnd type="none" w="med" len="med"/>
+                    </a:lnR>
+                    <a:lnT w="6350" cap="flat" cmpd="sng" algn="ctr">
+                      <a:solidFill>
+                        <a:srgbClr val="000000"/>
+                      </a:solidFill>
+                      <a:prstDash val="solid"/>
+                      <a:round/>
+                      <a:headEnd type="none" w="med" len="med"/>
+                      <a:tailEnd type="none" w="med" len="med"/>
+                    </a:lnT>
+                    <a:lnB w="6350" cap="flat" cmpd="sng" algn="ctr">
+                      <a:solidFill>
+                        <a:srgbClr val="000000"/>
+                      </a:solidFill>
+                      <a:prstDash val="solid"/>
+                      <a:round/>
+                      <a:headEnd type="none" w="med" len="med"/>
+                      <a:tailEnd type="none" w="med" len="med"/>
+                    </a:lnB>
+                  </a:tcPr>
+                </a:tc>
+                <a:tc>
+                  <a:txBody>
+                    <a:bodyPr/>
+                    <a:lstStyle/>
+                    <a:p>
+                      <a:pPr algn="r" fontAlgn="b"/>
+                      <a:r>
+                        <a:rPr lang="en-US" sz="1800" b="0" i="0" u="none" strike="noStrike">
+                          <a:solidFill>
+                            <a:srgbClr val="000000"/>
+                          </a:solidFill>
+                          <a:latin typeface="Calibri"/>
+                        </a:rPr>
+                        <a:t>700</a:t>
+                      </a:r>
+                    </a:p>
+                  </a:txBody>
+                  <a:tcPr marL="9525" marR="9525" marT="9525" marB="0" anchor="b">
+                    <a:lnL w="6350" cap="flat" cmpd="sng" algn="ctr">
+                      <a:solidFill>
+                        <a:srgbClr val="000000"/>
+                      </a:solidFill>
+                      <a:prstDash val="solid"/>
+                      <a:round/>
+                      <a:headEnd type="none" w="med" len="med"/>
+                      <a:tailEnd type="none" w="med" len="med"/>
+                    </a:lnL>
+                    <a:lnR w="6350" cap="flat" cmpd="sng" algn="ctr">
+                      <a:solidFill>
+                        <a:srgbClr val="000000"/>
+                      </a:solidFill>
+                      <a:prstDash val="solid"/>
+                      <a:round/>
+                      <a:headEnd type="none" w="med" len="med"/>
+                      <a:tailEnd type="none" w="med" len="med"/>
+                    </a:lnR>
+                    <a:lnT w="6350" cap="flat" cmpd="sng" algn="ctr">
+                      <a:solidFill>
+                        <a:srgbClr val="000000"/>
+                      </a:solidFill>
+                      <a:prstDash val="solid"/>
+                      <a:round/>
+                      <a:headEnd type="none" w="med" len="med"/>
+                      <a:tailEnd type="none" w="med" len="med"/>
+                    </a:lnT>
+                    <a:lnB w="6350" cap="flat" cmpd="sng" algn="ctr">
+                      <a:solidFill>
+                        <a:srgbClr val="000000"/>
+                      </a:solidFill>
+                      <a:prstDash val="solid"/>
+                      <a:round/>
+                      <a:headEnd type="none" w="med" len="med"/>
+                      <a:tailEnd type="none" w="med" len="med"/>
+                    </a:lnB>
+                  </a:tcPr>
+                </a:tc>
+              </a:tr>
+              <a:tr h="289961">
+                <a:tc>
+                  <a:txBody>
+                    <a:bodyPr/>
+                    <a:lstStyle/>
+                    <a:p>
+                      <a:pPr algn="r" fontAlgn="b"/>
+                      <a:r>
+                        <a:rPr lang="en-US" sz="1800" b="0" i="0" u="none" strike="noStrike" dirty="0">
+                          <a:solidFill>
+                            <a:srgbClr val="000000"/>
+                          </a:solidFill>
+                          <a:latin typeface="Calibri"/>
+                        </a:rPr>
+                        <a:t>15</a:t>
+                      </a:r>
+                    </a:p>
+                  </a:txBody>
+                  <a:tcPr marL="9525" marR="9525" marT="9525" marB="0" anchor="b">
+                    <a:lnL w="6350" cap="flat" cmpd="sng" algn="ctr">
+                      <a:solidFill>
+                        <a:srgbClr val="000000"/>
+                      </a:solidFill>
+                      <a:prstDash val="solid"/>
+                      <a:round/>
+                      <a:headEnd type="none" w="med" len="med"/>
+                      <a:tailEnd type="none" w="med" len="med"/>
+                    </a:lnL>
+                    <a:lnR w="6350" cap="flat" cmpd="sng" algn="ctr">
+                      <a:solidFill>
+                        <a:srgbClr val="000000"/>
+                      </a:solidFill>
+                      <a:prstDash val="solid"/>
+                      <a:round/>
+                      <a:headEnd type="none" w="med" len="med"/>
+                      <a:tailEnd type="none" w="med" len="med"/>
+                    </a:lnR>
+                    <a:lnT w="6350" cap="flat" cmpd="sng" algn="ctr">
+                      <a:solidFill>
+                        <a:srgbClr val="000000"/>
+                      </a:solidFill>
+                      <a:prstDash val="solid"/>
+                      <a:round/>
+                      <a:headEnd type="none" w="med" len="med"/>
+                      <a:tailEnd type="none" w="med" len="med"/>
+                    </a:lnT>
+                    <a:lnB w="6350" cap="flat" cmpd="sng" algn="ctr">
+                      <a:solidFill>
+                        <a:srgbClr val="000000"/>
+                      </a:solidFill>
+                      <a:prstDash val="solid"/>
+                      <a:round/>
+                      <a:headEnd type="none" w="med" len="med"/>
+                      <a:tailEnd type="none" w="med" len="med"/>
+                    </a:lnB>
+                  </a:tcPr>
+                </a:tc>
+                <a:tc>
+                  <a:txBody>
+                    <a:bodyPr/>
+                    <a:lstStyle/>
+                    <a:p>
+                      <a:pPr algn="r" fontAlgn="b"/>
+                      <a:r>
+                        <a:rPr lang="en-US" sz="1800" b="0" i="0" u="none" strike="noStrike">
+                          <a:solidFill>
+                            <a:srgbClr val="000000"/>
+                          </a:solidFill>
+                          <a:latin typeface="Calibri"/>
+                        </a:rPr>
+                        <a:t>1575</a:t>
+                      </a:r>
+                    </a:p>
+                  </a:txBody>
+                  <a:tcPr marL="9525" marR="9525" marT="9525" marB="0" anchor="b">
+                    <a:lnL w="6350" cap="flat" cmpd="sng" algn="ctr">
+                      <a:solidFill>
+                        <a:srgbClr val="000000"/>
+                      </a:solidFill>
+                      <a:prstDash val="solid"/>
+                      <a:round/>
+                      <a:headEnd type="none" w="med" len="med"/>
+                      <a:tailEnd type="none" w="med" len="med"/>
+                    </a:lnL>
+                    <a:lnR w="6350" cap="flat" cmpd="sng" algn="ctr">
+                      <a:solidFill>
+                        <a:srgbClr val="000000"/>
+                      </a:solidFill>
+                      <a:prstDash val="solid"/>
+                      <a:round/>
+                      <a:headEnd type="none" w="med" len="med"/>
+                      <a:tailEnd type="none" w="med" len="med"/>
+                    </a:lnR>
+                    <a:lnT w="6350" cap="flat" cmpd="sng" algn="ctr">
+                      <a:solidFill>
+                        <a:srgbClr val="000000"/>
+                      </a:solidFill>
+                      <a:prstDash val="solid"/>
+                      <a:round/>
+                      <a:headEnd type="none" w="med" len="med"/>
+                      <a:tailEnd type="none" w="med" len="med"/>
+                    </a:lnT>
+                    <a:lnB w="6350" cap="flat" cmpd="sng" algn="ctr">
+                      <a:solidFill>
+                        <a:srgbClr val="000000"/>
+                      </a:solidFill>
+                      <a:prstDash val="solid"/>
+                      <a:round/>
+                      <a:headEnd type="none" w="med" len="med"/>
+                      <a:tailEnd type="none" w="med" len="med"/>
+                    </a:lnB>
+                  </a:tcPr>
+                </a:tc>
+              </a:tr>
+              <a:tr h="289961">
+                <a:tc>
+                  <a:txBody>
+                    <a:bodyPr/>
+                    <a:lstStyle/>
+                    <a:p>
+                      <a:pPr algn="r" fontAlgn="b"/>
+                      <a:r>
+                        <a:rPr lang="en-US" sz="1800" b="0" i="0" u="none" strike="noStrike">
+                          <a:solidFill>
+                            <a:srgbClr val="000000"/>
+                          </a:solidFill>
+                          <a:latin typeface="Calibri"/>
+                        </a:rPr>
+                        <a:t>20</a:t>
+                      </a:r>
+                    </a:p>
+                  </a:txBody>
+                  <a:tcPr marL="9525" marR="9525" marT="9525" marB="0" anchor="b">
+                    <a:lnL w="6350" cap="flat" cmpd="sng" algn="ctr">
+                      <a:solidFill>
+                        <a:srgbClr val="000000"/>
+                      </a:solidFill>
+                      <a:prstDash val="solid"/>
+                      <a:round/>
+                      <a:headEnd type="none" w="med" len="med"/>
+                      <a:tailEnd type="none" w="med" len="med"/>
+                    </a:lnL>
+                    <a:lnR w="6350" cap="flat" cmpd="sng" algn="ctr">
+                      <a:solidFill>
+                        <a:srgbClr val="000000"/>
+                      </a:solidFill>
+                      <a:prstDash val="solid"/>
+                      <a:round/>
+                      <a:headEnd type="none" w="med" len="med"/>
+                      <a:tailEnd type="none" w="med" len="med"/>
+                    </a:lnR>
+                    <a:lnT w="6350" cap="flat" cmpd="sng" algn="ctr">
+                      <a:solidFill>
+                        <a:srgbClr val="000000"/>
+                      </a:solidFill>
+                      <a:prstDash val="solid"/>
+                      <a:round/>
+                      <a:headEnd type="none" w="med" len="med"/>
+                      <a:tailEnd type="none" w="med" len="med"/>
+                    </a:lnT>
+                    <a:lnB w="6350" cap="flat" cmpd="sng" algn="ctr">
+                      <a:solidFill>
+                        <a:srgbClr val="000000"/>
+                      </a:solidFill>
+                      <a:prstDash val="solid"/>
+                      <a:round/>
+                      <a:headEnd type="none" w="med" len="med"/>
+                      <a:tailEnd type="none" w="med" len="med"/>
+                    </a:lnB>
+                  </a:tcPr>
+                </a:tc>
+                <a:tc>
+                  <a:txBody>
+                    <a:bodyPr/>
+                    <a:lstStyle/>
+                    <a:p>
+                      <a:pPr algn="r" fontAlgn="b"/>
+                      <a:r>
+                        <a:rPr lang="en-US" sz="1800" b="0" i="0" u="none" strike="noStrike" dirty="0">
+                          <a:solidFill>
+                            <a:srgbClr val="000000"/>
+                          </a:solidFill>
+                          <a:latin typeface="Calibri"/>
+                        </a:rPr>
+                        <a:t>2800</a:t>
+                      </a:r>
+                    </a:p>
+                  </a:txBody>
+                  <a:tcPr marL="9525" marR="9525" marT="9525" marB="0" anchor="b">
+                    <a:lnL w="6350" cap="flat" cmpd="sng" algn="ctr">
+                      <a:solidFill>
+                        <a:srgbClr val="000000"/>
+                      </a:solidFill>
+                      <a:prstDash val="solid"/>
+                      <a:round/>
+                      <a:headEnd type="none" w="med" len="med"/>
+                      <a:tailEnd type="none" w="med" len="med"/>
+                    </a:lnL>
+                    <a:lnR w="6350" cap="flat" cmpd="sng" algn="ctr">
+                      <a:solidFill>
+                        <a:srgbClr val="000000"/>
+                      </a:solidFill>
+                      <a:prstDash val="solid"/>
+                      <a:round/>
+                      <a:headEnd type="none" w="med" len="med"/>
+                      <a:tailEnd type="none" w="med" len="med"/>
+                    </a:lnR>
+                    <a:lnT w="6350" cap="flat" cmpd="sng" algn="ctr">
+                      <a:solidFill>
+                        <a:srgbClr val="000000"/>
+                      </a:solidFill>
+                      <a:prstDash val="solid"/>
+                      <a:round/>
+                      <a:headEnd type="none" w="med" len="med"/>
+                      <a:tailEnd type="none" w="med" len="med"/>
+                    </a:lnT>
+                    <a:lnB w="6350" cap="flat" cmpd="sng" algn="ctr">
+                      <a:solidFill>
+                        <a:srgbClr val="000000"/>
+                      </a:solidFill>
+                      <a:prstDash val="solid"/>
+                      <a:round/>
+                      <a:headEnd type="none" w="med" len="med"/>
+                      <a:tailEnd type="none" w="med" len="med"/>
+                    </a:lnB>
+                  </a:tcPr>
+                </a:tc>
+              </a:tr>
+              <a:tr h="289961">
+                <a:tc>
+                  <a:txBody>
+                    <a:bodyPr/>
+                    <a:lstStyle/>
+                    <a:p>
+                      <a:pPr algn="r" fontAlgn="b"/>
+                      <a:r>
+                        <a:rPr lang="en-US" sz="1800" b="0" i="0" u="none" strike="noStrike">
+                          <a:solidFill>
+                            <a:srgbClr val="000000"/>
+                          </a:solidFill>
+                          <a:latin typeface="Calibri"/>
+                        </a:rPr>
+                        <a:t>25</a:t>
+                      </a:r>
+                    </a:p>
+                  </a:txBody>
+                  <a:tcPr marL="9525" marR="9525" marT="9525" marB="0" anchor="b">
+                    <a:lnL w="6350" cap="flat" cmpd="sng" algn="ctr">
+                      <a:solidFill>
+                        <a:srgbClr val="000000"/>
+                      </a:solidFill>
+                      <a:prstDash val="solid"/>
+                      <a:round/>
+                      <a:headEnd type="none" w="med" len="med"/>
+                      <a:tailEnd type="none" w="med" len="med"/>
+                    </a:lnL>
+                    <a:lnR w="6350" cap="flat" cmpd="sng" algn="ctr">
+                      <a:solidFill>
+                        <a:srgbClr val="000000"/>
+                      </a:solidFill>
+                      <a:prstDash val="solid"/>
+                      <a:round/>
+                      <a:headEnd type="none" w="med" len="med"/>
+                      <a:tailEnd type="none" w="med" len="med"/>
+                    </a:lnR>
+                    <a:lnT w="6350" cap="flat" cmpd="sng" algn="ctr">
+                      <a:solidFill>
+                        <a:srgbClr val="000000"/>
+                      </a:solidFill>
+                      <a:prstDash val="solid"/>
+                      <a:round/>
+                      <a:headEnd type="none" w="med" len="med"/>
+                      <a:tailEnd type="none" w="med" len="med"/>
+                    </a:lnT>
+                    <a:lnB w="6350" cap="flat" cmpd="sng" algn="ctr">
+                      <a:solidFill>
+                        <a:srgbClr val="000000"/>
+                      </a:solidFill>
+                      <a:prstDash val="solid"/>
+                      <a:round/>
+                      <a:headEnd type="none" w="med" len="med"/>
+                      <a:tailEnd type="none" w="med" len="med"/>
+                    </a:lnB>
+                  </a:tcPr>
+                </a:tc>
+                <a:tc>
+                  <a:txBody>
+                    <a:bodyPr/>
+                    <a:lstStyle/>
+                    <a:p>
+                      <a:pPr algn="r" fontAlgn="b"/>
+                      <a:r>
+                        <a:rPr lang="en-US" sz="1800" b="0" i="0" u="none" strike="noStrike" dirty="0">
+                          <a:solidFill>
+                            <a:srgbClr val="000000"/>
+                          </a:solidFill>
+                          <a:latin typeface="Calibri"/>
+                        </a:rPr>
+                        <a:t>4375</a:t>
+                      </a:r>
+                    </a:p>
+                  </a:txBody>
+                  <a:tcPr marL="9525" marR="9525" marT="9525" marB="0" anchor="b">
+                    <a:lnL w="6350" cap="flat" cmpd="sng" algn="ctr">
+                      <a:solidFill>
+                        <a:srgbClr val="000000"/>
+                      </a:solidFill>
+                      <a:prstDash val="solid"/>
+                      <a:round/>
+                      <a:headEnd type="none" w="med" len="med"/>
+                      <a:tailEnd type="none" w="med" len="med"/>
+                    </a:lnL>
+                    <a:lnR w="6350" cap="flat" cmpd="sng" algn="ctr">
+                      <a:solidFill>
+                        <a:srgbClr val="000000"/>
+                      </a:solidFill>
+                      <a:prstDash val="solid"/>
+                      <a:round/>
+                      <a:headEnd type="none" w="med" len="med"/>
+                      <a:tailEnd type="none" w="med" len="med"/>
+                    </a:lnR>
+                    <a:lnT w="6350" cap="flat" cmpd="sng" algn="ctr">
+                      <a:solidFill>
+                        <a:srgbClr val="000000"/>
+                      </a:solidFill>
+                      <a:prstDash val="solid"/>
+                      <a:round/>
+                      <a:headEnd type="none" w="med" len="med"/>
+                      <a:tailEnd type="none" w="med" len="med"/>
+                    </a:lnT>
+                    <a:lnB w="6350" cap="flat" cmpd="sng" algn="ctr">
+                      <a:solidFill>
+                        <a:srgbClr val="000000"/>
+                      </a:solidFill>
+                      <a:prstDash val="solid"/>
+                      <a:round/>
+                      <a:headEnd type="none" w="med" len="med"/>
+                      <a:tailEnd type="none" w="med" len="med"/>
+                    </a:lnB>
+                  </a:tcPr>
+                </a:tc>
+              </a:tr>
+              <a:tr h="289961">
+                <a:tc>
+                  <a:txBody>
+                    <a:bodyPr/>
+                    <a:lstStyle/>
+                    <a:p>
+                      <a:pPr algn="r" fontAlgn="b"/>
+                      <a:r>
+                        <a:rPr lang="en-US" sz="1800" b="0" i="0" u="none" strike="noStrike">
+                          <a:solidFill>
+                            <a:srgbClr val="000000"/>
+                          </a:solidFill>
+                          <a:latin typeface="Calibri"/>
+                        </a:rPr>
+                        <a:t>30</a:t>
+                      </a:r>
+                    </a:p>
+                  </a:txBody>
+                  <a:tcPr marL="9525" marR="9525" marT="9525" marB="0" anchor="b">
+                    <a:lnL w="6350" cap="flat" cmpd="sng" algn="ctr">
+                      <a:solidFill>
+                        <a:srgbClr val="000000"/>
+                      </a:solidFill>
+                      <a:prstDash val="solid"/>
+                      <a:round/>
+                      <a:headEnd type="none" w="med" len="med"/>
+                      <a:tailEnd type="none" w="med" len="med"/>
+                    </a:lnL>
+                    <a:lnR w="6350" cap="flat" cmpd="sng" algn="ctr">
+                      <a:solidFill>
+                        <a:srgbClr val="000000"/>
+                      </a:solidFill>
+                      <a:prstDash val="solid"/>
+                      <a:round/>
+                      <a:headEnd type="none" w="med" len="med"/>
+                      <a:tailEnd type="none" w="med" len="med"/>
+                    </a:lnR>
+                    <a:lnT w="6350" cap="flat" cmpd="sng" algn="ctr">
+                      <a:solidFill>
+                        <a:srgbClr val="000000"/>
+                      </a:solidFill>
+                      <a:prstDash val="solid"/>
+                      <a:round/>
+                      <a:headEnd type="none" w="med" len="med"/>
+                      <a:tailEnd type="none" w="med" len="med"/>
+                    </a:lnT>
+                    <a:lnB w="6350" cap="flat" cmpd="sng" algn="ctr">
+                      <a:solidFill>
+                        <a:srgbClr val="000000"/>
+                      </a:solidFill>
+                      <a:prstDash val="solid"/>
+                      <a:round/>
+                      <a:headEnd type="none" w="med" len="med"/>
+                      <a:tailEnd type="none" w="med" len="med"/>
+                    </a:lnB>
+                  </a:tcPr>
+                </a:tc>
+                <a:tc>
+                  <a:txBody>
+                    <a:bodyPr/>
+                    <a:lstStyle/>
+                    <a:p>
+                      <a:pPr algn="r" fontAlgn="b"/>
+                      <a:r>
+                        <a:rPr lang="en-US" sz="1800" b="0" i="0" u="none" strike="noStrike" dirty="0">
+                          <a:solidFill>
+                            <a:srgbClr val="000000"/>
+                          </a:solidFill>
+                          <a:latin typeface="Calibri"/>
+                        </a:rPr>
+                        <a:t>6300</a:t>
+                      </a:r>
+                    </a:p>
+                  </a:txBody>
+                  <a:tcPr marL="9525" marR="9525" marT="9525" marB="0" anchor="b">
+                    <a:lnL w="6350" cap="flat" cmpd="sng" algn="ctr">
+                      <a:solidFill>
+                        <a:srgbClr val="000000"/>
+                      </a:solidFill>
+                      <a:prstDash val="solid"/>
+                      <a:round/>
+                      <a:headEnd type="none" w="med" len="med"/>
+                      <a:tailEnd type="none" w="med" len="med"/>
+                    </a:lnL>
+                    <a:lnR w="6350" cap="flat" cmpd="sng" algn="ctr">
+                      <a:solidFill>
+                        <a:srgbClr val="000000"/>
+                      </a:solidFill>
+                      <a:prstDash val="solid"/>
+                      <a:round/>
+                      <a:headEnd type="none" w="med" len="med"/>
+                      <a:tailEnd type="none" w="med" len="med"/>
+                    </a:lnR>
+                    <a:lnT w="6350" cap="flat" cmpd="sng" algn="ctr">
+                      <a:solidFill>
+                        <a:srgbClr val="000000"/>
+                      </a:solidFill>
+                      <a:prstDash val="solid"/>
+                      <a:round/>
+                      <a:headEnd type="none" w="med" len="med"/>
+                      <a:tailEnd type="none" w="med" len="med"/>
+                    </a:lnT>
+                    <a:lnB w="6350" cap="flat" cmpd="sng" algn="ctr">
+                      <a:solidFill>
+                        <a:srgbClr val="000000"/>
+                      </a:solidFill>
+                      <a:prstDash val="solid"/>
+                      <a:round/>
+                      <a:headEnd type="none" w="med" len="med"/>
+                      <a:tailEnd type="none" w="med" len="med"/>
+                    </a:lnB>
+                  </a:tcPr>
+                </a:tc>
+              </a:tr>
+              <a:tr h="289961">
+                <a:tc>
+                  <a:txBody>
+                    <a:bodyPr/>
+                    <a:lstStyle/>
+                    <a:p>
+                      <a:pPr algn="r" fontAlgn="b"/>
+                      <a:r>
+                        <a:rPr lang="en-US" sz="1800" b="0" i="0" u="none" strike="noStrike">
+                          <a:solidFill>
+                            <a:srgbClr val="000000"/>
+                          </a:solidFill>
+                          <a:latin typeface="Calibri"/>
+                        </a:rPr>
+                        <a:t>35</a:t>
+                      </a:r>
+                    </a:p>
+                  </a:txBody>
+                  <a:tcPr marL="9525" marR="9525" marT="9525" marB="0" anchor="b">
+                    <a:lnL w="6350" cap="flat" cmpd="sng" algn="ctr">
+                      <a:solidFill>
+                        <a:srgbClr val="000000"/>
+                      </a:solidFill>
+                      <a:prstDash val="solid"/>
+                      <a:round/>
+                      <a:headEnd type="none" w="med" len="med"/>
+                      <a:tailEnd type="none" w="med" len="med"/>
+                    </a:lnL>
+                    <a:lnR w="6350" cap="flat" cmpd="sng" algn="ctr">
+                      <a:solidFill>
+                        <a:srgbClr val="000000"/>
+                      </a:solidFill>
+                      <a:prstDash val="solid"/>
+                      <a:round/>
+                      <a:headEnd type="none" w="med" len="med"/>
+                      <a:tailEnd type="none" w="med" len="med"/>
+                    </a:lnR>
+                    <a:lnT w="6350" cap="flat" cmpd="sng" algn="ctr">
+                      <a:solidFill>
+                        <a:srgbClr val="000000"/>
+                      </a:solidFill>
+                      <a:prstDash val="solid"/>
+                      <a:round/>
+                      <a:headEnd type="none" w="med" len="med"/>
+                      <a:tailEnd type="none" w="med" len="med"/>
+                    </a:lnT>
+                    <a:lnB w="6350" cap="flat" cmpd="sng" algn="ctr">
+                      <a:solidFill>
+                        <a:srgbClr val="000000"/>
+                      </a:solidFill>
+                      <a:prstDash val="solid"/>
+                      <a:round/>
+                      <a:headEnd type="none" w="med" len="med"/>
+                      <a:tailEnd type="none" w="med" len="med"/>
+                    </a:lnB>
+                  </a:tcPr>
+                </a:tc>
+                <a:tc>
+                  <a:txBody>
+                    <a:bodyPr/>
+                    <a:lstStyle/>
+                    <a:p>
+                      <a:pPr algn="r" fontAlgn="b"/>
+                      <a:r>
+                        <a:rPr lang="en-US" sz="1800" b="0" i="0" u="none" strike="noStrike" dirty="0">
+                          <a:solidFill>
+                            <a:srgbClr val="000000"/>
+                          </a:solidFill>
+                          <a:latin typeface="Calibri"/>
+                        </a:rPr>
+                        <a:t>8575</a:t>
+                      </a:r>
+                    </a:p>
+                  </a:txBody>
+                  <a:tcPr marL="9525" marR="9525" marT="9525" marB="0" anchor="b">
+                    <a:lnL w="6350" cap="flat" cmpd="sng" algn="ctr">
+                      <a:solidFill>
+                        <a:srgbClr val="000000"/>
+                      </a:solidFill>
+                      <a:prstDash val="solid"/>
+                      <a:round/>
+                      <a:headEnd type="none" w="med" len="med"/>
+                      <a:tailEnd type="none" w="med" len="med"/>
+                    </a:lnL>
+                    <a:lnR w="6350" cap="flat" cmpd="sng" algn="ctr">
+                      <a:solidFill>
+                        <a:srgbClr val="000000"/>
+                      </a:solidFill>
+                      <a:prstDash val="solid"/>
+                      <a:round/>
+                      <a:headEnd type="none" w="med" len="med"/>
+                      <a:tailEnd type="none" w="med" len="med"/>
+                    </a:lnR>
+                    <a:lnT w="6350" cap="flat" cmpd="sng" algn="ctr">
+                      <a:solidFill>
+                        <a:srgbClr val="000000"/>
+                      </a:solidFill>
+                      <a:prstDash val="solid"/>
+                      <a:round/>
+                      <a:headEnd type="none" w="med" len="med"/>
+                      <a:tailEnd type="none" w="med" len="med"/>
+                    </a:lnT>
+                    <a:lnB w="6350" cap="flat" cmpd="sng" algn="ctr">
+                      <a:solidFill>
+                        <a:srgbClr val="000000"/>
+                      </a:solidFill>
+                      <a:prstDash val="solid"/>
+                      <a:round/>
+                      <a:headEnd type="none" w="med" len="med"/>
+                      <a:tailEnd type="none" w="med" len="med"/>
+                    </a:lnB>
+                  </a:tcPr>
+                </a:tc>
+              </a:tr>
+              <a:tr h="289961">
+                <a:tc>
+                  <a:txBody>
+                    <a:bodyPr/>
+                    <a:lstStyle/>
+                    <a:p>
+                      <a:pPr algn="r" fontAlgn="b"/>
+                      <a:r>
+                        <a:rPr lang="en-US" sz="1800" b="0" i="0" u="none" strike="noStrike">
+                          <a:solidFill>
+                            <a:srgbClr val="000000"/>
+                          </a:solidFill>
+                          <a:latin typeface="Calibri"/>
+                        </a:rPr>
+                        <a:t>50</a:t>
+                      </a:r>
+                    </a:p>
+                  </a:txBody>
+                  <a:tcPr marL="9525" marR="9525" marT="9525" marB="0" anchor="b">
+                    <a:lnL w="6350" cap="flat" cmpd="sng" algn="ctr">
+                      <a:solidFill>
+                        <a:srgbClr val="000000"/>
+                      </a:solidFill>
+                      <a:prstDash val="solid"/>
+                      <a:round/>
+                      <a:headEnd type="none" w="med" len="med"/>
+                      <a:tailEnd type="none" w="med" len="med"/>
+                    </a:lnL>
+                    <a:lnR w="6350" cap="flat" cmpd="sng" algn="ctr">
+                      <a:solidFill>
+                        <a:srgbClr val="000000"/>
+                      </a:solidFill>
+                      <a:prstDash val="solid"/>
+                      <a:round/>
+                      <a:headEnd type="none" w="med" len="med"/>
+                      <a:tailEnd type="none" w="med" len="med"/>
+                    </a:lnR>
+                    <a:lnT w="6350" cap="flat" cmpd="sng" algn="ctr">
+                      <a:solidFill>
+                        <a:srgbClr val="000000"/>
+                      </a:solidFill>
+                      <a:prstDash val="solid"/>
+                      <a:round/>
+                      <a:headEnd type="none" w="med" len="med"/>
+                      <a:tailEnd type="none" w="med" len="med"/>
+                    </a:lnT>
+                    <a:lnB w="6350" cap="flat" cmpd="sng" algn="ctr">
+                      <a:solidFill>
+                        <a:srgbClr val="000000"/>
+                      </a:solidFill>
+                      <a:prstDash val="solid"/>
+                      <a:round/>
+                      <a:headEnd type="none" w="med" len="med"/>
+                      <a:tailEnd type="none" w="med" len="med"/>
+                    </a:lnB>
+                  </a:tcPr>
+                </a:tc>
+                <a:tc>
+                  <a:txBody>
+                    <a:bodyPr/>
+                    <a:lstStyle/>
+                    <a:p>
+                      <a:pPr algn="r" fontAlgn="b"/>
+                      <a:r>
+                        <a:rPr lang="en-US" sz="1800" b="0" i="0" u="none" strike="noStrike" dirty="0">
+                          <a:solidFill>
+                            <a:srgbClr val="000000"/>
+                          </a:solidFill>
+                          <a:latin typeface="Calibri"/>
+                        </a:rPr>
+                        <a:t>17500</a:t>
+                      </a:r>
+                    </a:p>
+                  </a:txBody>
+                  <a:tcPr marL="9525" marR="9525" marT="9525" marB="0" anchor="b">
+                    <a:lnL w="6350" cap="flat" cmpd="sng" algn="ctr">
+                      <a:solidFill>
+                        <a:srgbClr val="000000"/>
+                      </a:solidFill>
+                      <a:prstDash val="solid"/>
+                      <a:round/>
+                      <a:headEnd type="none" w="med" len="med"/>
+                      <a:tailEnd type="none" w="med" len="med"/>
+                    </a:lnL>
+                    <a:lnR w="6350" cap="flat" cmpd="sng" algn="ctr">
+                      <a:solidFill>
+                        <a:srgbClr val="000000"/>
+                      </a:solidFill>
+                      <a:prstDash val="solid"/>
+                      <a:round/>
+                      <a:headEnd type="none" w="med" len="med"/>
+                      <a:tailEnd type="none" w="med" len="med"/>
+                    </a:lnR>
+                    <a:lnT w="6350" cap="flat" cmpd="sng" algn="ctr">
+                      <a:solidFill>
+                        <a:srgbClr val="000000"/>
+                      </a:solidFill>
+                      <a:prstDash val="solid"/>
+                      <a:round/>
+                      <a:headEnd type="none" w="med" len="med"/>
+                      <a:tailEnd type="none" w="med" len="med"/>
+                    </a:lnT>
+                    <a:lnB w="6350" cap="flat" cmpd="sng" algn="ctr">
+                      <a:solidFill>
+                        <a:srgbClr val="000000"/>
+                      </a:solidFill>
+                      <a:prstDash val="solid"/>
+                      <a:round/>
+                      <a:headEnd type="none" w="med" len="med"/>
+                      <a:tailEnd type="none" w="med" len="med"/>
+                    </a:lnB>
+                  </a:tcPr>
+                </a:tc>
+              </a:tr>
+            </a:tbl>
+          </a:graphicData>
+        </a:graphic>
+      </p:graphicFrame>
+      <p:graphicFrame>
+        <p:nvGraphicFramePr>
+          <p:cNvPr id="6" name="Chart 5"/>
+          <p:cNvGraphicFramePr/>
+          <p:nvPr/>
+        </p:nvGraphicFramePr>
+        <p:xfrm>
+          <a:off x="2971800" y="2438400"/>
+          <a:ext cx="5495925" cy="3886200"/>
+        </p:xfrm>
+        <a:graphic>
+          <a:graphicData uri="http://schemas.openxmlformats.org/drawingml/2006/chart">
+            <c:chart xmlns:c="http://schemas.openxmlformats.org/drawingml/2006/chart" xmlns:r="http://schemas.openxmlformats.org/officeDocument/2006/relationships" r:id="rId2"/>
+          </a:graphicData>
+        </a:graphic>
+      </p:graphicFrame>
     </p:spTree>
   </p:cSld>
   <p:clrMapOvr>
     <a:masterClrMapping/>
   </p:clrMapOvr>
+  <p:timing>
+    <p:tnLst>
+      <p:par>
+        <p:cTn id="1" dur="indefinite" restart="never" nodeType="tmRoot"/>
+      </p:par>
+    </p:tnLst>
+  </p:timing>
+</p:sld>
+</file>
+
+<file path=ppt/slides/slide8.xml><?xml version="1.0" encoding="utf-8"?>
+<p:sld xmlns:a="http://schemas.openxmlformats.org/drawingml/2006/main" xmlns:r="http://schemas.openxmlformats.org/officeDocument/2006/relationships" xmlns:p="http://schemas.openxmlformats.org/presentationml/2006/main">
+  <p:cSld>
+    <p:spTree>
+      <p:nvGrpSpPr>
+        <p:cNvPr id="1" name=""/>
+        <p:cNvGrpSpPr/>
+        <p:nvPr/>
+      </p:nvGrpSpPr>
+      <p:grpSpPr>
+        <a:xfrm>
+          <a:off x="0" y="0"/>
+          <a:ext cx="0" cy="0"/>
+          <a:chOff x="0" y="0"/>
+          <a:chExt cx="0" cy="0"/>
+        </a:xfrm>
+      </p:grpSpPr>
+      <p:sp>
+        <p:nvSpPr>
+          <p:cNvPr id="6" name="TextBox 5"/>
+          <p:cNvSpPr txBox="1"/>
+          <p:nvPr/>
+        </p:nvSpPr>
+        <p:spPr>
+          <a:xfrm>
+            <a:off x="228600" y="533400"/>
+            <a:ext cx="6781800" cy="1261884"/>
+          </a:xfrm>
+          <a:prstGeom prst="rect">
+            <a:avLst/>
+          </a:prstGeom>
+          <a:noFill/>
+        </p:spPr>
+        <p:txBody>
+          <a:bodyPr wrap="square" rtlCol="0">
+            <a:spAutoFit/>
+          </a:bodyPr>
+          <a:lstStyle/>
+          <a:p>
+            <a:r>
+              <a:rPr lang="en-US" sz="2800" b="1" dirty="0" smtClean="0">
+                <a:latin typeface="Consolas" pitchFamily="49" charset="0"/>
+                <a:cs typeface="Consolas" pitchFamily="49" charset="0"/>
+              </a:rPr>
+              <a:t>for</a:t>
+            </a:r>
+            <a:r>
+              <a:rPr lang="en-US" sz="2800" dirty="0" smtClean="0">
+                <a:latin typeface="Consolas" pitchFamily="49" charset="0"/>
+                <a:cs typeface="Consolas" pitchFamily="49" charset="0"/>
+              </a:rPr>
+              <a:t>(</a:t>
+            </a:r>
+            <a:r>
+              <a:rPr lang="en-US" sz="2800" b="1" dirty="0" err="1" smtClean="0">
+                <a:latin typeface="Consolas" pitchFamily="49" charset="0"/>
+                <a:cs typeface="Consolas" pitchFamily="49" charset="0"/>
+              </a:rPr>
+              <a:t>int</a:t>
+            </a:r>
+            <a:r>
+              <a:rPr lang="en-US" sz="2800" dirty="0" smtClean="0">
+                <a:latin typeface="Consolas" pitchFamily="49" charset="0"/>
+                <a:cs typeface="Consolas" pitchFamily="49" charset="0"/>
+              </a:rPr>
+              <a:t> </a:t>
+            </a:r>
+            <a:r>
+              <a:rPr lang="en-US" sz="2800" dirty="0" err="1" smtClean="0">
+                <a:latin typeface="Consolas" pitchFamily="49" charset="0"/>
+                <a:cs typeface="Consolas" pitchFamily="49" charset="0"/>
+              </a:rPr>
+              <a:t>i</a:t>
+            </a:r>
+            <a:r>
+              <a:rPr lang="en-US" sz="2800" dirty="0" smtClean="0">
+                <a:latin typeface="Consolas" pitchFamily="49" charset="0"/>
+                <a:cs typeface="Consolas" pitchFamily="49" charset="0"/>
+              </a:rPr>
+              <a:t> = 0; </a:t>
+            </a:r>
+            <a:r>
+              <a:rPr lang="en-US" sz="2800" dirty="0" err="1" smtClean="0">
+                <a:latin typeface="Consolas" pitchFamily="49" charset="0"/>
+                <a:cs typeface="Consolas" pitchFamily="49" charset="0"/>
+              </a:rPr>
+              <a:t>i</a:t>
+            </a:r>
+            <a:r>
+              <a:rPr lang="en-US" sz="2800" dirty="0" smtClean="0">
+                <a:latin typeface="Consolas" pitchFamily="49" charset="0"/>
+                <a:cs typeface="Consolas" pitchFamily="49" charset="0"/>
+              </a:rPr>
+              <a:t> &lt; </a:t>
+            </a:r>
+            <a:r>
+              <a:rPr lang="en-US" sz="4800" b="1" dirty="0" smtClean="0">
+                <a:latin typeface="Consolas" pitchFamily="49" charset="0"/>
+                <a:cs typeface="Consolas" pitchFamily="49" charset="0"/>
+              </a:rPr>
+              <a:t>n</a:t>
+            </a:r>
+            <a:r>
+              <a:rPr lang="en-US" sz="2800" dirty="0" smtClean="0">
+                <a:latin typeface="Consolas" pitchFamily="49" charset="0"/>
+                <a:cs typeface="Consolas" pitchFamily="49" charset="0"/>
+              </a:rPr>
+              <a:t>; </a:t>
+            </a:r>
+            <a:r>
+              <a:rPr lang="en-US" sz="2800" dirty="0" err="1" smtClean="0">
+                <a:latin typeface="Consolas" pitchFamily="49" charset="0"/>
+                <a:cs typeface="Consolas" pitchFamily="49" charset="0"/>
+              </a:rPr>
+              <a:t>i</a:t>
+            </a:r>
+            <a:r>
+              <a:rPr lang="en-US" sz="2800" dirty="0" smtClean="0">
+                <a:latin typeface="Consolas" pitchFamily="49" charset="0"/>
+                <a:cs typeface="Consolas" pitchFamily="49" charset="0"/>
+              </a:rPr>
+              <a:t>++)</a:t>
+            </a:r>
+          </a:p>
+          <a:p>
+            <a:r>
+              <a:rPr lang="en-US" sz="2800" dirty="0">
+                <a:latin typeface="Consolas" pitchFamily="49" charset="0"/>
+                <a:cs typeface="Consolas" pitchFamily="49" charset="0"/>
+              </a:rPr>
+              <a:t> </a:t>
+            </a:r>
+            <a:r>
+              <a:rPr lang="en-US" sz="2800" dirty="0" smtClean="0">
+                <a:latin typeface="Consolas" pitchFamily="49" charset="0"/>
+                <a:cs typeface="Consolas" pitchFamily="49" charset="0"/>
+              </a:rPr>
+              <a:t>   s += “whatever”;</a:t>
+            </a:r>
+            <a:endParaRPr lang="en-US" sz="2800" dirty="0">
+              <a:latin typeface="Consolas" pitchFamily="49" charset="0"/>
+              <a:cs typeface="Consolas" pitchFamily="49" charset="0"/>
+            </a:endParaRPr>
+          </a:p>
+        </p:txBody>
+      </p:sp>
+      <p:sp>
+        <p:nvSpPr>
+          <p:cNvPr id="4" name="TextBox 3"/>
+          <p:cNvSpPr txBox="1"/>
+          <p:nvPr/>
+        </p:nvSpPr>
+        <p:spPr>
+          <a:xfrm>
+            <a:off x="5791200" y="609600"/>
+            <a:ext cx="3124200" cy="1323439"/>
+          </a:xfrm>
+          <a:prstGeom prst="rect">
+            <a:avLst/>
+          </a:prstGeom>
+          <a:noFill/>
+        </p:spPr>
+        <p:txBody>
+          <a:bodyPr wrap="square" rtlCol="0">
+            <a:spAutoFit/>
+          </a:bodyPr>
+          <a:lstStyle/>
+          <a:p>
+            <a:r>
+              <a:rPr lang="en-US" sz="8000" i="1" dirty="0" smtClean="0">
+                <a:latin typeface="Times New Roman" pitchFamily="18" charset="0"/>
+                <a:cs typeface="Times New Roman" pitchFamily="18" charset="0"/>
+              </a:rPr>
+              <a:t>O(n)?</a:t>
+            </a:r>
+            <a:endParaRPr lang="en-US" sz="8000" i="1" dirty="0">
+              <a:latin typeface="Times New Roman" pitchFamily="18" charset="0"/>
+              <a:cs typeface="Times New Roman" pitchFamily="18" charset="0"/>
+            </a:endParaRPr>
+          </a:p>
+        </p:txBody>
+      </p:sp>
+      <p:pic>
+        <p:nvPicPr>
+          <p:cNvPr id="5" name="Picture 2" descr="160x160.jpg (160×160)"/>
+          <p:cNvPicPr>
+            <a:picLocks noChangeAspect="1" noChangeArrowheads="1"/>
+          </p:cNvPicPr>
+          <p:nvPr/>
+        </p:nvPicPr>
+        <p:blipFill>
+          <a:blip r:embed="rId3" cstate="print"/>
+          <a:srcRect/>
+          <a:stretch>
+            <a:fillRect/>
+          </a:stretch>
+        </p:blipFill>
+        <p:spPr bwMode="auto">
+          <a:xfrm>
+            <a:off x="6629400" y="4343399"/>
+            <a:ext cx="2514600" cy="2514601"/>
+          </a:xfrm>
+          <a:prstGeom prst="rect">
+            <a:avLst/>
+          </a:prstGeom>
+          <a:noFill/>
+        </p:spPr>
+      </p:pic>
+      <p:graphicFrame>
+        <p:nvGraphicFramePr>
+          <p:cNvPr id="7" name="Table 6"/>
+          <p:cNvGraphicFramePr>
+            <a:graphicFrameLocks noGrp="1"/>
+          </p:cNvGraphicFramePr>
+          <p:nvPr/>
+        </p:nvGraphicFramePr>
+        <p:xfrm>
+          <a:off x="914400" y="2514600"/>
+          <a:ext cx="4343400" cy="3429000"/>
+        </p:xfrm>
+        <a:graphic>
+          <a:graphicData uri="http://schemas.openxmlformats.org/drawingml/2006/table">
+            <a:tbl>
+              <a:tblPr/>
+              <a:tblGrid>
+                <a:gridCol w="1137698"/>
+                <a:gridCol w="1546558"/>
+                <a:gridCol w="1659144"/>
+              </a:tblGrid>
+              <a:tr h="598714">
+                <a:tc>
+                  <a:txBody>
+                    <a:bodyPr/>
+                    <a:lstStyle/>
+                    <a:p>
+                      <a:pPr algn="l" fontAlgn="b"/>
+                      <a:r>
+                        <a:rPr lang="en-US" sz="2400" b="1" i="0" u="none" strike="noStrike" dirty="0" err="1">
+                          <a:solidFill>
+                            <a:srgbClr val="000000"/>
+                          </a:solidFill>
+                          <a:latin typeface="Calibri"/>
+                        </a:rPr>
+                        <a:t>i</a:t>
+                      </a:r>
+                      <a:endParaRPr lang="en-US" sz="2400" b="1" i="0" u="none" strike="noStrike" dirty="0">
+                        <a:solidFill>
+                          <a:srgbClr val="000000"/>
+                        </a:solidFill>
+                        <a:latin typeface="Calibri"/>
+                      </a:endParaRPr>
+                    </a:p>
+                  </a:txBody>
+                  <a:tcPr marL="9525" marR="9525" marT="9525" marB="0" anchor="b">
+                    <a:lnL w="6350" cap="flat" cmpd="sng" algn="ctr">
+                      <a:solidFill>
+                        <a:srgbClr val="000000"/>
+                      </a:solidFill>
+                      <a:prstDash val="solid"/>
+                      <a:round/>
+                      <a:headEnd type="none" w="med" len="med"/>
+                      <a:tailEnd type="none" w="med" len="med"/>
+                    </a:lnL>
+                    <a:lnR w="6350" cap="flat" cmpd="sng" algn="ctr">
+                      <a:solidFill>
+                        <a:srgbClr val="000000"/>
+                      </a:solidFill>
+                      <a:prstDash val="solid"/>
+                      <a:round/>
+                      <a:headEnd type="none" w="med" len="med"/>
+                      <a:tailEnd type="none" w="med" len="med"/>
+                    </a:lnR>
+                    <a:lnT w="6350" cap="flat" cmpd="sng" algn="ctr">
+                      <a:solidFill>
+                        <a:srgbClr val="000000"/>
+                      </a:solidFill>
+                      <a:prstDash val="solid"/>
+                      <a:round/>
+                      <a:headEnd type="none" w="med" len="med"/>
+                      <a:tailEnd type="none" w="med" len="med"/>
+                    </a:lnT>
+                    <a:lnB w="6350" cap="flat" cmpd="sng" algn="ctr">
+                      <a:solidFill>
+                        <a:srgbClr val="000000"/>
+                      </a:solidFill>
+                      <a:prstDash val="solid"/>
+                      <a:round/>
+                      <a:headEnd type="none" w="med" len="med"/>
+                      <a:tailEnd type="none" w="med" len="med"/>
+                    </a:lnB>
+                  </a:tcPr>
+                </a:tc>
+                <a:tc>
+                  <a:txBody>
+                    <a:bodyPr/>
+                    <a:lstStyle/>
+                    <a:p>
+                      <a:pPr algn="l" fontAlgn="b"/>
+                      <a:r>
+                        <a:rPr lang="en-US" sz="2400" b="1" i="0" u="none" strike="noStrike" dirty="0" err="1" smtClean="0">
+                          <a:solidFill>
+                            <a:srgbClr val="000000"/>
+                          </a:solidFill>
+                          <a:latin typeface="Calibri"/>
+                        </a:rPr>
+                        <a:t>len</a:t>
+                      </a:r>
+                      <a:r>
+                        <a:rPr lang="en-US" sz="2400" b="1" i="0" u="none" strike="noStrike" dirty="0" smtClean="0">
+                          <a:solidFill>
+                            <a:srgbClr val="000000"/>
+                          </a:solidFill>
+                          <a:latin typeface="Calibri"/>
+                        </a:rPr>
+                        <a:t>(s)</a:t>
+                      </a:r>
+                      <a:endParaRPr lang="en-US" sz="2400" b="1" i="0" u="none" strike="noStrike" dirty="0">
+                        <a:solidFill>
+                          <a:srgbClr val="000000"/>
+                        </a:solidFill>
+                        <a:latin typeface="Calibri"/>
+                      </a:endParaRPr>
+                    </a:p>
+                  </a:txBody>
+                  <a:tcPr marL="9525" marR="9525" marT="9525" marB="0" anchor="b">
+                    <a:lnL w="6350" cap="flat" cmpd="sng" algn="ctr">
+                      <a:solidFill>
+                        <a:srgbClr val="000000"/>
+                      </a:solidFill>
+                      <a:prstDash val="solid"/>
+                      <a:round/>
+                      <a:headEnd type="none" w="med" len="med"/>
+                      <a:tailEnd type="none" w="med" len="med"/>
+                    </a:lnL>
+                    <a:lnR w="6350" cap="flat" cmpd="sng" algn="ctr">
+                      <a:solidFill>
+                        <a:srgbClr val="000000"/>
+                      </a:solidFill>
+                      <a:prstDash val="solid"/>
+                      <a:round/>
+                      <a:headEnd type="none" w="med" len="med"/>
+                      <a:tailEnd type="none" w="med" len="med"/>
+                    </a:lnR>
+                    <a:lnT w="6350" cap="flat" cmpd="sng" algn="ctr">
+                      <a:solidFill>
+                        <a:srgbClr val="000000"/>
+                      </a:solidFill>
+                      <a:prstDash val="solid"/>
+                      <a:round/>
+                      <a:headEnd type="none" w="med" len="med"/>
+                      <a:tailEnd type="none" w="med" len="med"/>
+                    </a:lnT>
+                    <a:lnB w="6350" cap="flat" cmpd="sng" algn="ctr">
+                      <a:solidFill>
+                        <a:srgbClr val="000000"/>
+                      </a:solidFill>
+                      <a:prstDash val="solid"/>
+                      <a:round/>
+                      <a:headEnd type="none" w="med" len="med"/>
+                      <a:tailEnd type="none" w="med" len="med"/>
+                    </a:lnB>
+                  </a:tcPr>
+                </a:tc>
+                <a:tc>
+                  <a:txBody>
+                    <a:bodyPr/>
+                    <a:lstStyle/>
+                    <a:p>
+                      <a:pPr algn="l" fontAlgn="b"/>
+                      <a:r>
+                        <a:rPr lang="en-US" sz="2400" b="1" i="0" u="none" strike="noStrike" dirty="0" err="1">
+                          <a:solidFill>
+                            <a:srgbClr val="000000"/>
+                          </a:solidFill>
+                          <a:latin typeface="Calibri"/>
+                        </a:rPr>
+                        <a:t>custo</a:t>
+                      </a:r>
+                      <a:endParaRPr lang="en-US" sz="2400" b="1" i="0" u="none" strike="noStrike" dirty="0">
+                        <a:solidFill>
+                          <a:srgbClr val="000000"/>
+                        </a:solidFill>
+                        <a:latin typeface="Calibri"/>
+                      </a:endParaRPr>
+                    </a:p>
+                  </a:txBody>
+                  <a:tcPr marL="9525" marR="9525" marT="9525" marB="0" anchor="b">
+                    <a:lnL w="6350" cap="flat" cmpd="sng" algn="ctr">
+                      <a:solidFill>
+                        <a:srgbClr val="000000"/>
+                      </a:solidFill>
+                      <a:prstDash val="solid"/>
+                      <a:round/>
+                      <a:headEnd type="none" w="med" len="med"/>
+                      <a:tailEnd type="none" w="med" len="med"/>
+                    </a:lnL>
+                    <a:lnR w="6350" cap="flat" cmpd="sng" algn="ctr">
+                      <a:solidFill>
+                        <a:srgbClr val="000000"/>
+                      </a:solidFill>
+                      <a:prstDash val="solid"/>
+                      <a:round/>
+                      <a:headEnd type="none" w="med" len="med"/>
+                      <a:tailEnd type="none" w="med" len="med"/>
+                    </a:lnR>
+                    <a:lnT w="6350" cap="flat" cmpd="sng" algn="ctr">
+                      <a:solidFill>
+                        <a:srgbClr val="000000"/>
+                      </a:solidFill>
+                      <a:prstDash val="solid"/>
+                      <a:round/>
+                      <a:headEnd type="none" w="med" len="med"/>
+                      <a:tailEnd type="none" w="med" len="med"/>
+                    </a:lnT>
+                    <a:lnB w="6350" cap="flat" cmpd="sng" algn="ctr">
+                      <a:solidFill>
+                        <a:srgbClr val="000000"/>
+                      </a:solidFill>
+                      <a:prstDash val="solid"/>
+                      <a:round/>
+                      <a:headEnd type="none" w="med" len="med"/>
+                      <a:tailEnd type="none" w="med" len="med"/>
+                    </a:lnB>
+                  </a:tcPr>
+                </a:tc>
+              </a:tr>
+              <a:tr h="0">
+                <a:tc>
+                  <a:txBody>
+                    <a:bodyPr/>
+                    <a:lstStyle/>
+                    <a:p>
+                      <a:pPr algn="l" fontAlgn="b"/>
+                      <a:r>
+                        <a:rPr lang="en-US" sz="2400" b="0" i="0" u="none" strike="noStrike" dirty="0" smtClean="0">
+                          <a:solidFill>
+                            <a:srgbClr val="000000"/>
+                          </a:solidFill>
+                          <a:latin typeface="Calibri"/>
+                        </a:rPr>
+                        <a:t>0</a:t>
+                      </a:r>
+                      <a:endParaRPr lang="en-US" sz="2400" b="0" i="0" u="none" strike="noStrike" dirty="0">
+                        <a:solidFill>
+                          <a:srgbClr val="000000"/>
+                        </a:solidFill>
+                        <a:latin typeface="Calibri"/>
+                      </a:endParaRPr>
+                    </a:p>
+                  </a:txBody>
+                  <a:tcPr marL="9525" marR="9525" marT="9525" marB="0" anchor="b">
+                    <a:lnL w="6350" cap="flat" cmpd="sng" algn="ctr">
+                      <a:solidFill>
+                        <a:srgbClr val="000000"/>
+                      </a:solidFill>
+                      <a:prstDash val="solid"/>
+                      <a:round/>
+                      <a:headEnd type="none" w="med" len="med"/>
+                      <a:tailEnd type="none" w="med" len="med"/>
+                    </a:lnL>
+                    <a:lnR w="6350" cap="flat" cmpd="sng" algn="ctr">
+                      <a:solidFill>
+                        <a:srgbClr val="000000"/>
+                      </a:solidFill>
+                      <a:prstDash val="solid"/>
+                      <a:round/>
+                      <a:headEnd type="none" w="med" len="med"/>
+                      <a:tailEnd type="none" w="med" len="med"/>
+                    </a:lnR>
+                    <a:lnT w="6350" cap="flat" cmpd="sng" algn="ctr">
+                      <a:solidFill>
+                        <a:srgbClr val="000000"/>
+                      </a:solidFill>
+                      <a:prstDash val="solid"/>
+                      <a:round/>
+                      <a:headEnd type="none" w="med" len="med"/>
+                      <a:tailEnd type="none" w="med" len="med"/>
+                    </a:lnT>
+                    <a:lnB w="6350" cap="flat" cmpd="sng" algn="ctr">
+                      <a:solidFill>
+                        <a:srgbClr val="000000"/>
+                      </a:solidFill>
+                      <a:prstDash val="solid"/>
+                      <a:round/>
+                      <a:headEnd type="none" w="med" len="med"/>
+                      <a:tailEnd type="none" w="med" len="med"/>
+                    </a:lnB>
+                  </a:tcPr>
+                </a:tc>
+                <a:tc>
+                  <a:txBody>
+                    <a:bodyPr/>
+                    <a:lstStyle/>
+                    <a:p>
+                      <a:pPr algn="l" fontAlgn="b"/>
+                      <a:r>
+                        <a:rPr lang="en-US" sz="2400" b="0" i="0" u="none" strike="noStrike">
+                          <a:solidFill>
+                            <a:srgbClr val="000000"/>
+                          </a:solidFill>
+                          <a:latin typeface="Calibri"/>
+                        </a:rPr>
+                        <a:t>0</a:t>
+                      </a:r>
+                    </a:p>
+                  </a:txBody>
+                  <a:tcPr marL="9525" marR="9525" marT="9525" marB="0" anchor="b">
+                    <a:lnL w="6350" cap="flat" cmpd="sng" algn="ctr">
+                      <a:solidFill>
+                        <a:srgbClr val="000000"/>
+                      </a:solidFill>
+                      <a:prstDash val="solid"/>
+                      <a:round/>
+                      <a:headEnd type="none" w="med" len="med"/>
+                      <a:tailEnd type="none" w="med" len="med"/>
+                    </a:lnL>
+                    <a:lnR w="6350" cap="flat" cmpd="sng" algn="ctr">
+                      <a:solidFill>
+                        <a:srgbClr val="000000"/>
+                      </a:solidFill>
+                      <a:prstDash val="solid"/>
+                      <a:round/>
+                      <a:headEnd type="none" w="med" len="med"/>
+                      <a:tailEnd type="none" w="med" len="med"/>
+                    </a:lnR>
+                    <a:lnT w="6350" cap="flat" cmpd="sng" algn="ctr">
+                      <a:solidFill>
+                        <a:srgbClr val="000000"/>
+                      </a:solidFill>
+                      <a:prstDash val="solid"/>
+                      <a:round/>
+                      <a:headEnd type="none" w="med" len="med"/>
+                      <a:tailEnd type="none" w="med" len="med"/>
+                    </a:lnT>
+                    <a:lnB w="6350" cap="flat" cmpd="sng" algn="ctr">
+                      <a:solidFill>
+                        <a:srgbClr val="000000"/>
+                      </a:solidFill>
+                      <a:prstDash val="solid"/>
+                      <a:round/>
+                      <a:headEnd type="none" w="med" len="med"/>
+                      <a:tailEnd type="none" w="med" len="med"/>
+                    </a:lnB>
+                  </a:tcPr>
+                </a:tc>
+                <a:tc>
+                  <a:txBody>
+                    <a:bodyPr/>
+                    <a:lstStyle/>
+                    <a:p>
+                      <a:pPr algn="l" fontAlgn="b"/>
+                      <a:r>
+                        <a:rPr lang="en-US" sz="2400" b="0" i="0" u="none" strike="noStrike">
+                          <a:solidFill>
+                            <a:srgbClr val="000000"/>
+                          </a:solidFill>
+                          <a:latin typeface="Calibri"/>
+                        </a:rPr>
+                        <a:t>L</a:t>
+                      </a:r>
+                    </a:p>
+                  </a:txBody>
+                  <a:tcPr marL="9525" marR="9525" marT="9525" marB="0" anchor="b">
+                    <a:lnL w="6350" cap="flat" cmpd="sng" algn="ctr">
+                      <a:solidFill>
+                        <a:srgbClr val="000000"/>
+                      </a:solidFill>
+                      <a:prstDash val="solid"/>
+                      <a:round/>
+                      <a:headEnd type="none" w="med" len="med"/>
+                      <a:tailEnd type="none" w="med" len="med"/>
+                    </a:lnL>
+                    <a:lnR w="6350" cap="flat" cmpd="sng" algn="ctr">
+                      <a:solidFill>
+                        <a:srgbClr val="000000"/>
+                      </a:solidFill>
+                      <a:prstDash val="solid"/>
+                      <a:round/>
+                      <a:headEnd type="none" w="med" len="med"/>
+                      <a:tailEnd type="none" w="med" len="med"/>
+                    </a:lnR>
+                    <a:lnT w="6350" cap="flat" cmpd="sng" algn="ctr">
+                      <a:solidFill>
+                        <a:srgbClr val="000000"/>
+                      </a:solidFill>
+                      <a:prstDash val="solid"/>
+                      <a:round/>
+                      <a:headEnd type="none" w="med" len="med"/>
+                      <a:tailEnd type="none" w="med" len="med"/>
+                    </a:lnT>
+                    <a:lnB w="6350" cap="flat" cmpd="sng" algn="ctr">
+                      <a:solidFill>
+                        <a:srgbClr val="000000"/>
+                      </a:solidFill>
+                      <a:prstDash val="solid"/>
+                      <a:round/>
+                      <a:headEnd type="none" w="med" len="med"/>
+                      <a:tailEnd type="none" w="med" len="med"/>
+                    </a:lnB>
+                  </a:tcPr>
+                </a:tc>
+              </a:tr>
+              <a:tr h="0">
+                <a:tc>
+                  <a:txBody>
+                    <a:bodyPr/>
+                    <a:lstStyle/>
+                    <a:p>
+                      <a:pPr algn="l" fontAlgn="b"/>
+                      <a:r>
+                        <a:rPr lang="en-US" sz="2400" b="0" i="0" u="none" strike="noStrike" dirty="0" smtClean="0">
+                          <a:solidFill>
+                            <a:srgbClr val="000000"/>
+                          </a:solidFill>
+                          <a:latin typeface="Calibri"/>
+                        </a:rPr>
+                        <a:t>1</a:t>
+                      </a:r>
+                      <a:endParaRPr lang="en-US" sz="2400" b="0" i="0" u="none" strike="noStrike" dirty="0">
+                        <a:solidFill>
+                          <a:srgbClr val="000000"/>
+                        </a:solidFill>
+                        <a:latin typeface="Calibri"/>
+                      </a:endParaRPr>
+                    </a:p>
+                  </a:txBody>
+                  <a:tcPr marL="9525" marR="9525" marT="9525" marB="0" anchor="b">
+                    <a:lnL w="6350" cap="flat" cmpd="sng" algn="ctr">
+                      <a:solidFill>
+                        <a:srgbClr val="000000"/>
+                      </a:solidFill>
+                      <a:prstDash val="solid"/>
+                      <a:round/>
+                      <a:headEnd type="none" w="med" len="med"/>
+                      <a:tailEnd type="none" w="med" len="med"/>
+                    </a:lnL>
+                    <a:lnR w="6350" cap="flat" cmpd="sng" algn="ctr">
+                      <a:solidFill>
+                        <a:srgbClr val="000000"/>
+                      </a:solidFill>
+                      <a:prstDash val="solid"/>
+                      <a:round/>
+                      <a:headEnd type="none" w="med" len="med"/>
+                      <a:tailEnd type="none" w="med" len="med"/>
+                    </a:lnR>
+                    <a:lnT w="6350" cap="flat" cmpd="sng" algn="ctr">
+                      <a:solidFill>
+                        <a:srgbClr val="000000"/>
+                      </a:solidFill>
+                      <a:prstDash val="solid"/>
+                      <a:round/>
+                      <a:headEnd type="none" w="med" len="med"/>
+                      <a:tailEnd type="none" w="med" len="med"/>
+                    </a:lnT>
+                    <a:lnB w="6350" cap="flat" cmpd="sng" algn="ctr">
+                      <a:solidFill>
+                        <a:srgbClr val="000000"/>
+                      </a:solidFill>
+                      <a:prstDash val="solid"/>
+                      <a:round/>
+                      <a:headEnd type="none" w="med" len="med"/>
+                      <a:tailEnd type="none" w="med" len="med"/>
+                    </a:lnB>
+                  </a:tcPr>
+                </a:tc>
+                <a:tc>
+                  <a:txBody>
+                    <a:bodyPr/>
+                    <a:lstStyle/>
+                    <a:p>
+                      <a:pPr algn="l" fontAlgn="b"/>
+                      <a:r>
+                        <a:rPr lang="en-US" sz="2400" b="0" i="0" u="none" strike="noStrike" dirty="0">
+                          <a:solidFill>
+                            <a:srgbClr val="000000"/>
+                          </a:solidFill>
+                          <a:latin typeface="Calibri"/>
+                        </a:rPr>
+                        <a:t>L</a:t>
+                      </a:r>
+                    </a:p>
+                  </a:txBody>
+                  <a:tcPr marL="9525" marR="9525" marT="9525" marB="0" anchor="b">
+                    <a:lnL w="6350" cap="flat" cmpd="sng" algn="ctr">
+                      <a:solidFill>
+                        <a:srgbClr val="000000"/>
+                      </a:solidFill>
+                      <a:prstDash val="solid"/>
+                      <a:round/>
+                      <a:headEnd type="none" w="med" len="med"/>
+                      <a:tailEnd type="none" w="med" len="med"/>
+                    </a:lnL>
+                    <a:lnR w="6350" cap="flat" cmpd="sng" algn="ctr">
+                      <a:solidFill>
+                        <a:srgbClr val="000000"/>
+                      </a:solidFill>
+                      <a:prstDash val="solid"/>
+                      <a:round/>
+                      <a:headEnd type="none" w="med" len="med"/>
+                      <a:tailEnd type="none" w="med" len="med"/>
+                    </a:lnR>
+                    <a:lnT w="6350" cap="flat" cmpd="sng" algn="ctr">
+                      <a:solidFill>
+                        <a:srgbClr val="000000"/>
+                      </a:solidFill>
+                      <a:prstDash val="solid"/>
+                      <a:round/>
+                      <a:headEnd type="none" w="med" len="med"/>
+                      <a:tailEnd type="none" w="med" len="med"/>
+                    </a:lnT>
+                    <a:lnB w="6350" cap="flat" cmpd="sng" algn="ctr">
+                      <a:solidFill>
+                        <a:srgbClr val="000000"/>
+                      </a:solidFill>
+                      <a:prstDash val="solid"/>
+                      <a:round/>
+                      <a:headEnd type="none" w="med" len="med"/>
+                      <a:tailEnd type="none" w="med" len="med"/>
+                    </a:lnB>
+                  </a:tcPr>
+                </a:tc>
+                <a:tc>
+                  <a:txBody>
+                    <a:bodyPr/>
+                    <a:lstStyle/>
+                    <a:p>
+                      <a:pPr algn="l" fontAlgn="b"/>
+                      <a:r>
+                        <a:rPr lang="en-US" sz="2400" b="0" i="0" u="none" strike="noStrike" dirty="0" smtClean="0">
+                          <a:solidFill>
+                            <a:srgbClr val="000000"/>
+                          </a:solidFill>
+                          <a:latin typeface="Calibri"/>
+                        </a:rPr>
+                        <a:t>2*L</a:t>
+                      </a:r>
+                      <a:endParaRPr lang="en-US" sz="2400" b="0" i="0" u="none" strike="noStrike" dirty="0">
+                        <a:solidFill>
+                          <a:srgbClr val="000000"/>
+                        </a:solidFill>
+                        <a:latin typeface="Calibri"/>
+                      </a:endParaRPr>
+                    </a:p>
+                  </a:txBody>
+                  <a:tcPr marL="9525" marR="9525" marT="9525" marB="0" anchor="b">
+                    <a:lnL w="6350" cap="flat" cmpd="sng" algn="ctr">
+                      <a:solidFill>
+                        <a:srgbClr val="000000"/>
+                      </a:solidFill>
+                      <a:prstDash val="solid"/>
+                      <a:round/>
+                      <a:headEnd type="none" w="med" len="med"/>
+                      <a:tailEnd type="none" w="med" len="med"/>
+                    </a:lnL>
+                    <a:lnR w="6350" cap="flat" cmpd="sng" algn="ctr">
+                      <a:solidFill>
+                        <a:srgbClr val="000000"/>
+                      </a:solidFill>
+                      <a:prstDash val="solid"/>
+                      <a:round/>
+                      <a:headEnd type="none" w="med" len="med"/>
+                      <a:tailEnd type="none" w="med" len="med"/>
+                    </a:lnR>
+                    <a:lnT w="6350" cap="flat" cmpd="sng" algn="ctr">
+                      <a:solidFill>
+                        <a:srgbClr val="000000"/>
+                      </a:solidFill>
+                      <a:prstDash val="solid"/>
+                      <a:round/>
+                      <a:headEnd type="none" w="med" len="med"/>
+                      <a:tailEnd type="none" w="med" len="med"/>
+                    </a:lnT>
+                    <a:lnB w="6350" cap="flat" cmpd="sng" algn="ctr">
+                      <a:solidFill>
+                        <a:srgbClr val="000000"/>
+                      </a:solidFill>
+                      <a:prstDash val="solid"/>
+                      <a:round/>
+                      <a:headEnd type="none" w="med" len="med"/>
+                      <a:tailEnd type="none" w="med" len="med"/>
+                    </a:lnB>
+                  </a:tcPr>
+                </a:tc>
+              </a:tr>
+              <a:tr h="108858">
+                <a:tc>
+                  <a:txBody>
+                    <a:bodyPr/>
+                    <a:lstStyle/>
+                    <a:p>
+                      <a:pPr algn="l" fontAlgn="b"/>
+                      <a:r>
+                        <a:rPr lang="en-US" sz="2400" b="0" i="0" u="none" strike="noStrike" dirty="0" smtClean="0">
+                          <a:solidFill>
+                            <a:srgbClr val="000000"/>
+                          </a:solidFill>
+                          <a:latin typeface="Calibri"/>
+                        </a:rPr>
+                        <a:t>2</a:t>
+                      </a:r>
+                      <a:endParaRPr lang="en-US" sz="2400" b="0" i="0" u="none" strike="noStrike" dirty="0">
+                        <a:solidFill>
+                          <a:srgbClr val="000000"/>
+                        </a:solidFill>
+                        <a:latin typeface="Calibri"/>
+                      </a:endParaRPr>
+                    </a:p>
+                  </a:txBody>
+                  <a:tcPr marL="9525" marR="9525" marT="9525" marB="0" anchor="b">
+                    <a:lnL w="6350" cap="flat" cmpd="sng" algn="ctr">
+                      <a:solidFill>
+                        <a:srgbClr val="000000"/>
+                      </a:solidFill>
+                      <a:prstDash val="solid"/>
+                      <a:round/>
+                      <a:headEnd type="none" w="med" len="med"/>
+                      <a:tailEnd type="none" w="med" len="med"/>
+                    </a:lnL>
+                    <a:lnR w="6350" cap="flat" cmpd="sng" algn="ctr">
+                      <a:solidFill>
+                        <a:srgbClr val="000000"/>
+                      </a:solidFill>
+                      <a:prstDash val="solid"/>
+                      <a:round/>
+                      <a:headEnd type="none" w="med" len="med"/>
+                      <a:tailEnd type="none" w="med" len="med"/>
+                    </a:lnR>
+                    <a:lnT w="6350" cap="flat" cmpd="sng" algn="ctr">
+                      <a:solidFill>
+                        <a:srgbClr val="000000"/>
+                      </a:solidFill>
+                      <a:prstDash val="solid"/>
+                      <a:round/>
+                      <a:headEnd type="none" w="med" len="med"/>
+                      <a:tailEnd type="none" w="med" len="med"/>
+                    </a:lnT>
+                    <a:lnB w="6350" cap="flat" cmpd="sng" algn="ctr">
+                      <a:solidFill>
+                        <a:srgbClr val="000000"/>
+                      </a:solidFill>
+                      <a:prstDash val="solid"/>
+                      <a:round/>
+                      <a:headEnd type="none" w="med" len="med"/>
+                      <a:tailEnd type="none" w="med" len="med"/>
+                    </a:lnB>
+                  </a:tcPr>
+                </a:tc>
+                <a:tc>
+                  <a:txBody>
+                    <a:bodyPr/>
+                    <a:lstStyle/>
+                    <a:p>
+                      <a:pPr algn="l" fontAlgn="b"/>
+                      <a:r>
+                        <a:rPr lang="en-US" sz="2400" b="0" i="0" u="none" strike="noStrike" dirty="0" smtClean="0">
+                          <a:solidFill>
+                            <a:srgbClr val="000000"/>
+                          </a:solidFill>
+                          <a:latin typeface="Calibri"/>
+                        </a:rPr>
+                        <a:t>2*L</a:t>
+                      </a:r>
+                      <a:endParaRPr lang="en-US" sz="2400" b="0" i="0" u="none" strike="noStrike" dirty="0">
+                        <a:solidFill>
+                          <a:srgbClr val="000000"/>
+                        </a:solidFill>
+                        <a:latin typeface="Calibri"/>
+                      </a:endParaRPr>
+                    </a:p>
+                  </a:txBody>
+                  <a:tcPr marL="9525" marR="9525" marT="9525" marB="0" anchor="b">
+                    <a:lnL w="6350" cap="flat" cmpd="sng" algn="ctr">
+                      <a:solidFill>
+                        <a:srgbClr val="000000"/>
+                      </a:solidFill>
+                      <a:prstDash val="solid"/>
+                      <a:round/>
+                      <a:headEnd type="none" w="med" len="med"/>
+                      <a:tailEnd type="none" w="med" len="med"/>
+                    </a:lnL>
+                    <a:lnR w="6350" cap="flat" cmpd="sng" algn="ctr">
+                      <a:solidFill>
+                        <a:srgbClr val="000000"/>
+                      </a:solidFill>
+                      <a:prstDash val="solid"/>
+                      <a:round/>
+                      <a:headEnd type="none" w="med" len="med"/>
+                      <a:tailEnd type="none" w="med" len="med"/>
+                    </a:lnR>
+                    <a:lnT w="6350" cap="flat" cmpd="sng" algn="ctr">
+                      <a:solidFill>
+                        <a:srgbClr val="000000"/>
+                      </a:solidFill>
+                      <a:prstDash val="solid"/>
+                      <a:round/>
+                      <a:headEnd type="none" w="med" len="med"/>
+                      <a:tailEnd type="none" w="med" len="med"/>
+                    </a:lnT>
+                    <a:lnB w="6350" cap="flat" cmpd="sng" algn="ctr">
+                      <a:solidFill>
+                        <a:srgbClr val="000000"/>
+                      </a:solidFill>
+                      <a:prstDash val="solid"/>
+                      <a:round/>
+                      <a:headEnd type="none" w="med" len="med"/>
+                      <a:tailEnd type="none" w="med" len="med"/>
+                    </a:lnB>
+                  </a:tcPr>
+                </a:tc>
+                <a:tc>
+                  <a:txBody>
+                    <a:bodyPr/>
+                    <a:lstStyle/>
+                    <a:p>
+                      <a:pPr algn="l" fontAlgn="b"/>
+                      <a:r>
+                        <a:rPr lang="en-US" sz="2400" b="0" i="0" u="none" strike="noStrike" dirty="0" smtClean="0">
+                          <a:solidFill>
+                            <a:srgbClr val="000000"/>
+                          </a:solidFill>
+                          <a:latin typeface="Calibri"/>
+                        </a:rPr>
+                        <a:t>3*L</a:t>
+                      </a:r>
+                      <a:endParaRPr lang="en-US" sz="2400" b="0" i="0" u="none" strike="noStrike" dirty="0">
+                        <a:solidFill>
+                          <a:srgbClr val="000000"/>
+                        </a:solidFill>
+                        <a:latin typeface="Calibri"/>
+                      </a:endParaRPr>
+                    </a:p>
+                  </a:txBody>
+                  <a:tcPr marL="9525" marR="9525" marT="9525" marB="0" anchor="b">
+                    <a:lnL w="6350" cap="flat" cmpd="sng" algn="ctr">
+                      <a:solidFill>
+                        <a:srgbClr val="000000"/>
+                      </a:solidFill>
+                      <a:prstDash val="solid"/>
+                      <a:round/>
+                      <a:headEnd type="none" w="med" len="med"/>
+                      <a:tailEnd type="none" w="med" len="med"/>
+                    </a:lnL>
+                    <a:lnR w="6350" cap="flat" cmpd="sng" algn="ctr">
+                      <a:solidFill>
+                        <a:srgbClr val="000000"/>
+                      </a:solidFill>
+                      <a:prstDash val="solid"/>
+                      <a:round/>
+                      <a:headEnd type="none" w="med" len="med"/>
+                      <a:tailEnd type="none" w="med" len="med"/>
+                    </a:lnR>
+                    <a:lnT w="6350" cap="flat" cmpd="sng" algn="ctr">
+                      <a:solidFill>
+                        <a:srgbClr val="000000"/>
+                      </a:solidFill>
+                      <a:prstDash val="solid"/>
+                      <a:round/>
+                      <a:headEnd type="none" w="med" len="med"/>
+                      <a:tailEnd type="none" w="med" len="med"/>
+                    </a:lnT>
+                    <a:lnB w="6350" cap="flat" cmpd="sng" algn="ctr">
+                      <a:solidFill>
+                        <a:srgbClr val="000000"/>
+                      </a:solidFill>
+                      <a:prstDash val="solid"/>
+                      <a:round/>
+                      <a:headEnd type="none" w="med" len="med"/>
+                      <a:tailEnd type="none" w="med" len="med"/>
+                    </a:lnB>
+                  </a:tcPr>
+                </a:tc>
+              </a:tr>
+              <a:tr h="272144">
+                <a:tc gridSpan="3">
+                  <a:txBody>
+                    <a:bodyPr/>
+                    <a:lstStyle/>
+                    <a:p>
+                      <a:pPr algn="ctr" fontAlgn="b"/>
+                      <a:r>
+                        <a:rPr lang="en-US" sz="2400" b="0" i="0" u="none" strike="noStrike" dirty="0">
+                          <a:solidFill>
+                            <a:srgbClr val="000000"/>
+                          </a:solidFill>
+                          <a:latin typeface="Calibri"/>
+                        </a:rPr>
+                        <a:t>…</a:t>
+                      </a:r>
+                    </a:p>
+                  </a:txBody>
+                  <a:tcPr marL="9525" marR="9525" marT="9525" marB="0" anchor="b">
+                    <a:lnL w="6350" cap="flat" cmpd="sng" algn="ctr">
+                      <a:solidFill>
+                        <a:srgbClr val="000000"/>
+                      </a:solidFill>
+                      <a:prstDash val="solid"/>
+                      <a:round/>
+                      <a:headEnd type="none" w="med" len="med"/>
+                      <a:tailEnd type="none" w="med" len="med"/>
+                    </a:lnL>
+                    <a:lnR w="6350" cap="flat" cmpd="sng" algn="ctr">
+                      <a:solidFill>
+                        <a:srgbClr val="000000"/>
+                      </a:solidFill>
+                      <a:prstDash val="solid"/>
+                      <a:round/>
+                      <a:headEnd type="none" w="med" len="med"/>
+                      <a:tailEnd type="none" w="med" len="med"/>
+                    </a:lnR>
+                    <a:lnT w="6350" cap="flat" cmpd="sng" algn="ctr">
+                      <a:solidFill>
+                        <a:srgbClr val="000000"/>
+                      </a:solidFill>
+                      <a:prstDash val="solid"/>
+                      <a:round/>
+                      <a:headEnd type="none" w="med" len="med"/>
+                      <a:tailEnd type="none" w="med" len="med"/>
+                    </a:lnT>
+                    <a:lnB w="6350" cap="flat" cmpd="sng" algn="ctr">
+                      <a:solidFill>
+                        <a:srgbClr val="000000"/>
+                      </a:solidFill>
+                      <a:prstDash val="solid"/>
+                      <a:round/>
+                      <a:headEnd type="none" w="med" len="med"/>
+                      <a:tailEnd type="none" w="med" len="med"/>
+                    </a:lnB>
+                  </a:tcPr>
+                </a:tc>
+                <a:tc hMerge="1">
+                  <a:txBody>
+                    <a:bodyPr/>
+                    <a:lstStyle/>
+                    <a:p>
+                      <a:endParaRPr lang="en-US"/>
+                    </a:p>
+                  </a:txBody>
+                  <a:tcPr/>
+                </a:tc>
+                <a:tc hMerge="1">
+                  <a:txBody>
+                    <a:bodyPr/>
+                    <a:lstStyle/>
+                    <a:p>
+                      <a:endParaRPr lang="en-US"/>
+                    </a:p>
+                  </a:txBody>
+                  <a:tcPr/>
+                </a:tc>
+              </a:tr>
+              <a:tr h="130630">
+                <a:tc>
+                  <a:txBody>
+                    <a:bodyPr/>
+                    <a:lstStyle/>
+                    <a:p>
+                      <a:pPr algn="l" fontAlgn="b"/>
+                      <a:r>
+                        <a:rPr lang="en-US" sz="2400" b="0" i="0" u="none" strike="noStrike" dirty="0" smtClean="0">
+                          <a:solidFill>
+                            <a:srgbClr val="000000"/>
+                          </a:solidFill>
+                          <a:latin typeface="Calibri"/>
+                        </a:rPr>
+                        <a:t>n</a:t>
+                      </a:r>
+                      <a:endParaRPr lang="en-US" sz="2400" b="0" i="0" u="none" strike="noStrike" dirty="0">
+                        <a:solidFill>
+                          <a:srgbClr val="000000"/>
+                        </a:solidFill>
+                        <a:latin typeface="Calibri"/>
+                      </a:endParaRPr>
+                    </a:p>
+                  </a:txBody>
+                  <a:tcPr marL="9525" marR="9525" marT="9525" marB="0" anchor="b">
+                    <a:lnL w="6350" cap="flat" cmpd="sng" algn="ctr">
+                      <a:solidFill>
+                        <a:srgbClr val="000000"/>
+                      </a:solidFill>
+                      <a:prstDash val="solid"/>
+                      <a:round/>
+                      <a:headEnd type="none" w="med" len="med"/>
+                      <a:tailEnd type="none" w="med" len="med"/>
+                    </a:lnL>
+                    <a:lnR w="6350" cap="flat" cmpd="sng" algn="ctr">
+                      <a:solidFill>
+                        <a:srgbClr val="000000"/>
+                      </a:solidFill>
+                      <a:prstDash val="solid"/>
+                      <a:round/>
+                      <a:headEnd type="none" w="med" len="med"/>
+                      <a:tailEnd type="none" w="med" len="med"/>
+                    </a:lnR>
+                    <a:lnT w="6350" cap="flat" cmpd="sng" algn="ctr">
+                      <a:solidFill>
+                        <a:srgbClr val="000000"/>
+                      </a:solidFill>
+                      <a:prstDash val="solid"/>
+                      <a:round/>
+                      <a:headEnd type="none" w="med" len="med"/>
+                      <a:tailEnd type="none" w="med" len="med"/>
+                    </a:lnT>
+                    <a:lnB w="6350" cap="flat" cmpd="sng" algn="ctr">
+                      <a:solidFill>
+                        <a:srgbClr val="000000"/>
+                      </a:solidFill>
+                      <a:prstDash val="solid"/>
+                      <a:round/>
+                      <a:headEnd type="none" w="med" len="med"/>
+                      <a:tailEnd type="none" w="med" len="med"/>
+                    </a:lnB>
+                  </a:tcPr>
+                </a:tc>
+                <a:tc>
+                  <a:txBody>
+                    <a:bodyPr/>
+                    <a:lstStyle/>
+                    <a:p>
+                      <a:pPr algn="l" fontAlgn="b"/>
+                      <a:r>
+                        <a:rPr lang="en-US" sz="2400" b="0" i="0" u="none" strike="noStrike" dirty="0" smtClean="0">
+                          <a:solidFill>
+                            <a:srgbClr val="000000"/>
+                          </a:solidFill>
+                          <a:latin typeface="Calibri"/>
+                        </a:rPr>
+                        <a:t>n*L</a:t>
+                      </a:r>
+                      <a:endParaRPr lang="en-US" sz="2400" b="0" i="0" u="none" strike="noStrike" dirty="0">
+                        <a:solidFill>
+                          <a:srgbClr val="000000"/>
+                        </a:solidFill>
+                        <a:latin typeface="Calibri"/>
+                      </a:endParaRPr>
+                    </a:p>
+                  </a:txBody>
+                  <a:tcPr marL="9525" marR="9525" marT="9525" marB="0" anchor="b">
+                    <a:lnL w="6350" cap="flat" cmpd="sng" algn="ctr">
+                      <a:solidFill>
+                        <a:srgbClr val="000000"/>
+                      </a:solidFill>
+                      <a:prstDash val="solid"/>
+                      <a:round/>
+                      <a:headEnd type="none" w="med" len="med"/>
+                      <a:tailEnd type="none" w="med" len="med"/>
+                    </a:lnL>
+                    <a:lnR w="6350" cap="flat" cmpd="sng" algn="ctr">
+                      <a:solidFill>
+                        <a:srgbClr val="000000"/>
+                      </a:solidFill>
+                      <a:prstDash val="solid"/>
+                      <a:round/>
+                      <a:headEnd type="none" w="med" len="med"/>
+                      <a:tailEnd type="none" w="med" len="med"/>
+                    </a:lnR>
+                    <a:lnT w="6350" cap="flat" cmpd="sng" algn="ctr">
+                      <a:solidFill>
+                        <a:srgbClr val="000000"/>
+                      </a:solidFill>
+                      <a:prstDash val="solid"/>
+                      <a:round/>
+                      <a:headEnd type="none" w="med" len="med"/>
+                      <a:tailEnd type="none" w="med" len="med"/>
+                    </a:lnT>
+                    <a:lnB w="6350" cap="flat" cmpd="sng" algn="ctr">
+                      <a:solidFill>
+                        <a:srgbClr val="000000"/>
+                      </a:solidFill>
+                      <a:prstDash val="solid"/>
+                      <a:round/>
+                      <a:headEnd type="none" w="med" len="med"/>
+                      <a:tailEnd type="none" w="med" len="med"/>
+                    </a:lnB>
+                  </a:tcPr>
+                </a:tc>
+                <a:tc>
+                  <a:txBody>
+                    <a:bodyPr/>
+                    <a:lstStyle/>
+                    <a:p>
+                      <a:pPr algn="l" fontAlgn="b"/>
+                      <a:r>
+                        <a:rPr lang="en-US" sz="2400" b="0" i="0" u="none" strike="noStrike" dirty="0" smtClean="0">
+                          <a:solidFill>
+                            <a:srgbClr val="000000"/>
+                          </a:solidFill>
+                          <a:latin typeface="Calibri"/>
+                        </a:rPr>
+                        <a:t>(n+1)*L</a:t>
+                      </a:r>
+                      <a:endParaRPr lang="en-US" sz="2400" b="0" i="0" u="none" strike="noStrike" dirty="0">
+                        <a:solidFill>
+                          <a:srgbClr val="000000"/>
+                        </a:solidFill>
+                        <a:latin typeface="Calibri"/>
+                      </a:endParaRPr>
+                    </a:p>
+                  </a:txBody>
+                  <a:tcPr marL="9525" marR="9525" marT="9525" marB="0" anchor="b">
+                    <a:lnL w="6350" cap="flat" cmpd="sng" algn="ctr">
+                      <a:solidFill>
+                        <a:srgbClr val="000000"/>
+                      </a:solidFill>
+                      <a:prstDash val="solid"/>
+                      <a:round/>
+                      <a:headEnd type="none" w="med" len="med"/>
+                      <a:tailEnd type="none" w="med" len="med"/>
+                    </a:lnL>
+                    <a:lnR w="6350" cap="flat" cmpd="sng" algn="ctr">
+                      <a:solidFill>
+                        <a:srgbClr val="000000"/>
+                      </a:solidFill>
+                      <a:prstDash val="solid"/>
+                      <a:round/>
+                      <a:headEnd type="none" w="med" len="med"/>
+                      <a:tailEnd type="none" w="med" len="med"/>
+                    </a:lnR>
+                    <a:lnT w="6350" cap="flat" cmpd="sng" algn="ctr">
+                      <a:solidFill>
+                        <a:srgbClr val="000000"/>
+                      </a:solidFill>
+                      <a:prstDash val="solid"/>
+                      <a:round/>
+                      <a:headEnd type="none" w="med" len="med"/>
+                      <a:tailEnd type="none" w="med" len="med"/>
+                    </a:lnT>
+                    <a:lnB w="6350" cap="flat" cmpd="sng" algn="ctr">
+                      <a:solidFill>
+                        <a:srgbClr val="000000"/>
+                      </a:solidFill>
+                      <a:prstDash val="solid"/>
+                      <a:round/>
+                      <a:headEnd type="none" w="med" len="med"/>
+                      <a:tailEnd type="none" w="med" len="med"/>
+                    </a:lnB>
+                  </a:tcPr>
+                </a:tc>
+              </a:tr>
+              <a:tr h="953861">
+                <a:tc gridSpan="2">
+                  <a:txBody>
+                    <a:bodyPr/>
+                    <a:lstStyle/>
+                    <a:p>
+                      <a:pPr algn="l" fontAlgn="b"/>
+                      <a:r>
+                        <a:rPr lang="en-US" sz="2400" b="0" i="0" u="none" strike="noStrike" dirty="0">
+                          <a:solidFill>
+                            <a:srgbClr val="000000"/>
+                          </a:solidFill>
+                          <a:latin typeface="Calibri"/>
+                        </a:rPr>
+                        <a:t>Total:</a:t>
+                      </a:r>
+                    </a:p>
+                  </a:txBody>
+                  <a:tcPr marL="9525" marR="9525" marT="9525" marB="0" anchor="b">
+                    <a:lnL w="6350" cap="flat" cmpd="sng" algn="ctr">
+                      <a:solidFill>
+                        <a:srgbClr val="000000"/>
+                      </a:solidFill>
+                      <a:prstDash val="solid"/>
+                      <a:round/>
+                      <a:headEnd type="none" w="med" len="med"/>
+                      <a:tailEnd type="none" w="med" len="med"/>
+                    </a:lnL>
+                    <a:lnR w="6350" cap="flat" cmpd="sng" algn="ctr">
+                      <a:solidFill>
+                        <a:srgbClr val="000000"/>
+                      </a:solidFill>
+                      <a:prstDash val="solid"/>
+                      <a:round/>
+                      <a:headEnd type="none" w="med" len="med"/>
+                      <a:tailEnd type="none" w="med" len="med"/>
+                    </a:lnR>
+                    <a:lnT w="6350" cap="flat" cmpd="sng" algn="ctr">
+                      <a:solidFill>
+                        <a:srgbClr val="000000"/>
+                      </a:solidFill>
+                      <a:prstDash val="solid"/>
+                      <a:round/>
+                      <a:headEnd type="none" w="med" len="med"/>
+                      <a:tailEnd type="none" w="med" len="med"/>
+                    </a:lnT>
+                    <a:lnB w="6350" cap="flat" cmpd="sng" algn="ctr">
+                      <a:solidFill>
+                        <a:srgbClr val="000000"/>
+                      </a:solidFill>
+                      <a:prstDash val="solid"/>
+                      <a:round/>
+                      <a:headEnd type="none" w="med" len="med"/>
+                      <a:tailEnd type="none" w="med" len="med"/>
+                    </a:lnB>
+                  </a:tcPr>
+                </a:tc>
+                <a:tc hMerge="1">
+                  <a:txBody>
+                    <a:bodyPr/>
+                    <a:lstStyle/>
+                    <a:p>
+                      <a:endParaRPr lang="en-US"/>
+                    </a:p>
+                  </a:txBody>
+                  <a:tcPr/>
+                </a:tc>
+                <a:tc>
+                  <a:txBody>
+                    <a:bodyPr/>
+                    <a:lstStyle/>
+                    <a:p>
+                      <a:pPr algn="l" fontAlgn="b"/>
+                      <a:endParaRPr lang="en-US" sz="2400" b="0" i="0" u="none" strike="noStrike" dirty="0">
+                        <a:solidFill>
+                          <a:srgbClr val="000000"/>
+                        </a:solidFill>
+                        <a:latin typeface="Calibri"/>
+                      </a:endParaRPr>
+                    </a:p>
+                  </a:txBody>
+                  <a:tcPr marL="9525" marR="9525" marT="9525" marB="0" anchor="b">
+                    <a:lnL w="6350" cap="flat" cmpd="sng" algn="ctr">
+                      <a:solidFill>
+                        <a:srgbClr val="000000"/>
+                      </a:solidFill>
+                      <a:prstDash val="solid"/>
+                      <a:round/>
+                      <a:headEnd type="none" w="med" len="med"/>
+                      <a:tailEnd type="none" w="med" len="med"/>
+                    </a:lnL>
+                    <a:lnR w="6350" cap="flat" cmpd="sng" algn="ctr">
+                      <a:solidFill>
+                        <a:srgbClr val="000000"/>
+                      </a:solidFill>
+                      <a:prstDash val="solid"/>
+                      <a:round/>
+                      <a:headEnd type="none" w="med" len="med"/>
+                      <a:tailEnd type="none" w="med" len="med"/>
+                    </a:lnR>
+                    <a:lnT w="6350" cap="flat" cmpd="sng" algn="ctr">
+                      <a:solidFill>
+                        <a:srgbClr val="000000"/>
+                      </a:solidFill>
+                      <a:prstDash val="solid"/>
+                      <a:round/>
+                      <a:headEnd type="none" w="med" len="med"/>
+                      <a:tailEnd type="none" w="med" len="med"/>
+                    </a:lnT>
+                    <a:lnB w="6350" cap="flat" cmpd="sng" algn="ctr">
+                      <a:solidFill>
+                        <a:srgbClr val="000000"/>
+                      </a:solidFill>
+                      <a:prstDash val="solid"/>
+                      <a:round/>
+                      <a:headEnd type="none" w="med" len="med"/>
+                      <a:tailEnd type="none" w="med" len="med"/>
+                    </a:lnB>
+                  </a:tcPr>
+                </a:tc>
+              </a:tr>
+            </a:tbl>
+          </a:graphicData>
+        </a:graphic>
+      </p:graphicFrame>
+      <p:graphicFrame>
+        <p:nvGraphicFramePr>
+          <p:cNvPr id="8" name="Object 7"/>
+          <p:cNvGraphicFramePr>
+            <a:graphicFrameLocks noChangeAspect="1"/>
+          </p:cNvGraphicFramePr>
+          <p:nvPr/>
+        </p:nvGraphicFramePr>
+        <p:xfrm>
+          <a:off x="3810000" y="5105400"/>
+          <a:ext cx="990601" cy="787401"/>
+        </p:xfrm>
+        <a:graphic>
+          <a:graphicData uri="http://schemas.openxmlformats.org/presentationml/2006/ole">
+            <p:oleObj spid="_x0000_s40961" name="Equação" r:id="rId4" imgW="495000" imgH="393480" progId="Equation.3">
+              <p:embed/>
+            </p:oleObj>
+          </a:graphicData>
+        </a:graphic>
+      </p:graphicFrame>
+    </p:spTree>
+  </p:cSld>
+  <p:clrMapOvr>
+    <a:masterClrMapping/>
+  </p:clrMapOvr>
+  <p:timing>
+    <p:tnLst>
+      <p:par>
+        <p:cTn id="1" dur="indefinite" restart="never" nodeType="tmRoot"/>
+      </p:par>
+    </p:tnLst>
+  </p:timing>
+</p:sld>
+</file>
+
+<file path=ppt/slides/slide9.xml><?xml version="1.0" encoding="utf-8"?>
+<p:sld xmlns:a="http://schemas.openxmlformats.org/drawingml/2006/main" xmlns:r="http://schemas.openxmlformats.org/officeDocument/2006/relationships" xmlns:p="http://schemas.openxmlformats.org/presentationml/2006/main">
+  <p:cSld>
+    <p:spTree>
+      <p:nvGrpSpPr>
+        <p:cNvPr id="1" name=""/>
+        <p:cNvGrpSpPr/>
+        <p:nvPr/>
+      </p:nvGrpSpPr>
+      <p:grpSpPr>
+        <a:xfrm>
+          <a:off x="0" y="0"/>
+          <a:ext cx="0" cy="0"/>
+          <a:chOff x="0" y="0"/>
+          <a:chExt cx="0" cy="0"/>
+        </a:xfrm>
+      </p:grpSpPr>
+      <p:sp>
+        <p:nvSpPr>
+          <p:cNvPr id="6" name="TextBox 5"/>
+          <p:cNvSpPr txBox="1"/>
+          <p:nvPr/>
+        </p:nvSpPr>
+        <p:spPr>
+          <a:xfrm>
+            <a:off x="228600" y="533400"/>
+            <a:ext cx="6781800" cy="1261884"/>
+          </a:xfrm>
+          <a:prstGeom prst="rect">
+            <a:avLst/>
+          </a:prstGeom>
+          <a:noFill/>
+        </p:spPr>
+        <p:txBody>
+          <a:bodyPr wrap="square" rtlCol="0">
+            <a:spAutoFit/>
+          </a:bodyPr>
+          <a:lstStyle/>
+          <a:p>
+            <a:r>
+              <a:rPr lang="en-US" sz="2800" b="1" dirty="0" smtClean="0">
+                <a:latin typeface="Consolas" pitchFamily="49" charset="0"/>
+                <a:cs typeface="Consolas" pitchFamily="49" charset="0"/>
+              </a:rPr>
+              <a:t>for</a:t>
+            </a:r>
+            <a:r>
+              <a:rPr lang="en-US" sz="2800" dirty="0" smtClean="0">
+                <a:latin typeface="Consolas" pitchFamily="49" charset="0"/>
+                <a:cs typeface="Consolas" pitchFamily="49" charset="0"/>
+              </a:rPr>
+              <a:t>(</a:t>
+            </a:r>
+            <a:r>
+              <a:rPr lang="en-US" sz="2800" b="1" dirty="0" err="1" smtClean="0">
+                <a:latin typeface="Consolas" pitchFamily="49" charset="0"/>
+                <a:cs typeface="Consolas" pitchFamily="49" charset="0"/>
+              </a:rPr>
+              <a:t>int</a:t>
+            </a:r>
+            <a:r>
+              <a:rPr lang="en-US" sz="2800" dirty="0" smtClean="0">
+                <a:latin typeface="Consolas" pitchFamily="49" charset="0"/>
+                <a:cs typeface="Consolas" pitchFamily="49" charset="0"/>
+              </a:rPr>
+              <a:t> </a:t>
+            </a:r>
+            <a:r>
+              <a:rPr lang="en-US" sz="2800" dirty="0" err="1" smtClean="0">
+                <a:latin typeface="Consolas" pitchFamily="49" charset="0"/>
+                <a:cs typeface="Consolas" pitchFamily="49" charset="0"/>
+              </a:rPr>
+              <a:t>i</a:t>
+            </a:r>
+            <a:r>
+              <a:rPr lang="en-US" sz="2800" dirty="0" smtClean="0">
+                <a:latin typeface="Consolas" pitchFamily="49" charset="0"/>
+                <a:cs typeface="Consolas" pitchFamily="49" charset="0"/>
+              </a:rPr>
+              <a:t> = 0; </a:t>
+            </a:r>
+            <a:r>
+              <a:rPr lang="en-US" sz="2800" dirty="0" err="1" smtClean="0">
+                <a:latin typeface="Consolas" pitchFamily="49" charset="0"/>
+                <a:cs typeface="Consolas" pitchFamily="49" charset="0"/>
+              </a:rPr>
+              <a:t>i</a:t>
+            </a:r>
+            <a:r>
+              <a:rPr lang="en-US" sz="2800" dirty="0" smtClean="0">
+                <a:latin typeface="Consolas" pitchFamily="49" charset="0"/>
+                <a:cs typeface="Consolas" pitchFamily="49" charset="0"/>
+              </a:rPr>
+              <a:t> &lt; </a:t>
+            </a:r>
+            <a:r>
+              <a:rPr lang="en-US" sz="4800" b="1" dirty="0" smtClean="0">
+                <a:latin typeface="Consolas" pitchFamily="49" charset="0"/>
+                <a:cs typeface="Consolas" pitchFamily="49" charset="0"/>
+              </a:rPr>
+              <a:t>n</a:t>
+            </a:r>
+            <a:r>
+              <a:rPr lang="en-US" sz="2800" dirty="0" smtClean="0">
+                <a:latin typeface="Consolas" pitchFamily="49" charset="0"/>
+                <a:cs typeface="Consolas" pitchFamily="49" charset="0"/>
+              </a:rPr>
+              <a:t>; </a:t>
+            </a:r>
+            <a:r>
+              <a:rPr lang="en-US" sz="2800" dirty="0" err="1" smtClean="0">
+                <a:latin typeface="Consolas" pitchFamily="49" charset="0"/>
+                <a:cs typeface="Consolas" pitchFamily="49" charset="0"/>
+              </a:rPr>
+              <a:t>i</a:t>
+            </a:r>
+            <a:r>
+              <a:rPr lang="en-US" sz="2800" dirty="0" smtClean="0">
+                <a:latin typeface="Consolas" pitchFamily="49" charset="0"/>
+                <a:cs typeface="Consolas" pitchFamily="49" charset="0"/>
+              </a:rPr>
+              <a:t>++)</a:t>
+            </a:r>
+          </a:p>
+          <a:p>
+            <a:r>
+              <a:rPr lang="en-US" sz="2800" dirty="0">
+                <a:latin typeface="Consolas" pitchFamily="49" charset="0"/>
+                <a:cs typeface="Consolas" pitchFamily="49" charset="0"/>
+              </a:rPr>
+              <a:t> </a:t>
+            </a:r>
+            <a:r>
+              <a:rPr lang="en-US" sz="2800" dirty="0" smtClean="0">
+                <a:latin typeface="Consolas" pitchFamily="49" charset="0"/>
+                <a:cs typeface="Consolas" pitchFamily="49" charset="0"/>
+              </a:rPr>
+              <a:t>   s += “whatever”;</a:t>
+            </a:r>
+            <a:endParaRPr lang="en-US" sz="2800" dirty="0">
+              <a:latin typeface="Consolas" pitchFamily="49" charset="0"/>
+              <a:cs typeface="Consolas" pitchFamily="49" charset="0"/>
+            </a:endParaRPr>
+          </a:p>
+        </p:txBody>
+      </p:sp>
+      <p:sp>
+        <p:nvSpPr>
+          <p:cNvPr id="4" name="TextBox 3"/>
+          <p:cNvSpPr txBox="1"/>
+          <p:nvPr/>
+        </p:nvSpPr>
+        <p:spPr>
+          <a:xfrm>
+            <a:off x="762000" y="2514600"/>
+            <a:ext cx="4343400" cy="1569660"/>
+          </a:xfrm>
+          <a:prstGeom prst="rect">
+            <a:avLst/>
+          </a:prstGeom>
+          <a:noFill/>
+        </p:spPr>
+        <p:txBody>
+          <a:bodyPr wrap="square" rtlCol="0">
+            <a:spAutoFit/>
+          </a:bodyPr>
+          <a:lstStyle/>
+          <a:p>
+            <a:r>
+              <a:rPr lang="en-US" sz="9600" i="1" dirty="0" smtClean="0">
+                <a:latin typeface="Times New Roman" pitchFamily="18" charset="0"/>
+                <a:cs typeface="Times New Roman" pitchFamily="18" charset="0"/>
+              </a:rPr>
+              <a:t>O(n²L)!</a:t>
+            </a:r>
+            <a:endParaRPr lang="en-US" sz="9600" i="1" dirty="0">
+              <a:latin typeface="Times New Roman" pitchFamily="18" charset="0"/>
+              <a:cs typeface="Times New Roman" pitchFamily="18" charset="0"/>
+            </a:endParaRPr>
+          </a:p>
+        </p:txBody>
+      </p:sp>
+      <p:pic>
+        <p:nvPicPr>
+          <p:cNvPr id="7" name="Picture 4" descr="spit-take-meme.jpg (256×163)"/>
+          <p:cNvPicPr>
+            <a:picLocks noChangeAspect="1" noChangeArrowheads="1"/>
+          </p:cNvPicPr>
+          <p:nvPr/>
+        </p:nvPicPr>
+        <p:blipFill>
+          <a:blip r:embed="rId2" cstate="print"/>
+          <a:srcRect/>
+          <a:stretch>
+            <a:fillRect/>
+          </a:stretch>
+        </p:blipFill>
+        <p:spPr bwMode="auto">
+          <a:xfrm>
+            <a:off x="5314368" y="4419600"/>
+            <a:ext cx="3829632" cy="2438400"/>
+          </a:xfrm>
+          <a:prstGeom prst="rect">
+            <a:avLst/>
+          </a:prstGeom>
+          <a:noFill/>
+        </p:spPr>
+      </p:pic>
+    </p:spTree>
+  </p:cSld>
+  <p:clrMapOvr>
+    <a:masterClrMapping/>
+  </p:clrMapOvr>
+  <p:timing>
+    <p:tnLst>
+      <p:par>
+        <p:cTn id="1" dur="indefinite" restart="never" nodeType="tmRoot"/>
+      </p:par>
+    </p:tnLst>
+  </p:timing>
 </p:sld>
 </file>
 

--- a/Presentation.pptx
+++ b/Presentation.pptx
@@ -5,18 +5,24 @@
     <p:sldMasterId id="2147483684" r:id="rId1"/>
   </p:sldMasterIdLst>
   <p:sldIdLst>
-    <p:sldId id="256" r:id="rId2"/>
-    <p:sldId id="257" r:id="rId3"/>
-    <p:sldId id="260" r:id="rId4"/>
-    <p:sldId id="261" r:id="rId5"/>
-    <p:sldId id="263" r:id="rId6"/>
-    <p:sldId id="258" r:id="rId7"/>
-    <p:sldId id="266" r:id="rId8"/>
-    <p:sldId id="267" r:id="rId9"/>
-    <p:sldId id="271" r:id="rId10"/>
-    <p:sldId id="259" r:id="rId11"/>
-    <p:sldId id="264" r:id="rId12"/>
-    <p:sldId id="265" r:id="rId13"/>
+    <p:sldId id="277" r:id="rId2"/>
+    <p:sldId id="256" r:id="rId3"/>
+    <p:sldId id="257" r:id="rId4"/>
+    <p:sldId id="260" r:id="rId5"/>
+    <p:sldId id="261" r:id="rId6"/>
+    <p:sldId id="263" r:id="rId7"/>
+    <p:sldId id="258" r:id="rId8"/>
+    <p:sldId id="266" r:id="rId9"/>
+    <p:sldId id="267" r:id="rId10"/>
+    <p:sldId id="272" r:id="rId11"/>
+    <p:sldId id="271" r:id="rId12"/>
+    <p:sldId id="259" r:id="rId13"/>
+    <p:sldId id="264" r:id="rId14"/>
+    <p:sldId id="265" r:id="rId15"/>
+    <p:sldId id="274" r:id="rId16"/>
+    <p:sldId id="273" r:id="rId17"/>
+    <p:sldId id="275" r:id="rId18"/>
+    <p:sldId id="276" r:id="rId19"/>
   </p:sldIdLst>
   <p:sldSz cx="9144000" cy="6858000" type="screen4x3"/>
   <p:notesSz cx="6858000" cy="9144000"/>
@@ -286,6 +292,124 @@
           <a:ea typeface="+mn-ea"/>
           <a:cs typeface="+mn-cs"/>
         </a:defRPr>
+      </a:pPr>
+      <a:endParaRPr lang="en-US"/>
+    </a:p>
+  </c:txPr>
+  <c:externalData r:id="rId1"/>
+</c:chartSpace>
+</file>
+
+<file path=ppt/charts/chart2.xml><?xml version="1.0" encoding="utf-8"?>
+<c:chartSpace xmlns:c="http://schemas.openxmlformats.org/drawingml/2006/chart" xmlns:a="http://schemas.openxmlformats.org/drawingml/2006/main" xmlns:r="http://schemas.openxmlformats.org/officeDocument/2006/relationships">
+  <c:lang val="en-US"/>
+  <c:chart>
+    <c:autoTitleDeleted val="1"/>
+    <c:view3D>
+      <c:rotX val="30"/>
+      <c:perspective val="30"/>
+    </c:view3D>
+    <c:plotArea>
+      <c:layout/>
+      <c:pie3DChart>
+        <c:varyColors val="1"/>
+        <c:ser>
+          <c:idx val="0"/>
+          <c:order val="0"/>
+          <c:tx>
+            <c:strRef>
+              <c:f>Sheet1!$B$1</c:f>
+              <c:strCache>
+                <c:ptCount val="1"/>
+                <c:pt idx="0">
+                  <c:v>Sales</c:v>
+                </c:pt>
+              </c:strCache>
+            </c:strRef>
+          </c:tx>
+          <c:spPr>
+            <a:solidFill>
+              <a:schemeClr val="accent2">
+                <a:lumMod val="75000"/>
+              </a:schemeClr>
+            </a:solidFill>
+          </c:spPr>
+          <c:explosion val="25"/>
+          <c:dPt>
+            <c:idx val="0"/>
+            <c:spPr>
+              <a:solidFill>
+                <a:schemeClr val="tx2">
+                  <a:lumMod val="75000"/>
+                </a:schemeClr>
+              </a:solidFill>
+            </c:spPr>
+          </c:dPt>
+          <c:dLbls>
+            <c:txPr>
+              <a:bodyPr/>
+              <a:lstStyle/>
+              <a:p>
+                <a:pPr>
+                  <a:defRPr>
+                    <a:solidFill>
+                      <a:schemeClr val="bg1"/>
+                    </a:solidFill>
+                  </a:defRPr>
+                </a:pPr>
+                <a:endParaRPr lang="en-US"/>
+              </a:p>
+            </c:txPr>
+            <c:showPercent val="1"/>
+            <c:showLeaderLines val="1"/>
+          </c:dLbls>
+          <c:cat>
+            <c:strRef>
+              <c:f>Sheet1!$A$2:$A$3</c:f>
+              <c:strCache>
+                <c:ptCount val="2"/>
+                <c:pt idx="0">
+                  <c:v>Alguma coisa</c:v>
+                </c:pt>
+                <c:pt idx="1">
+                  <c:v>Outra coisa</c:v>
+                </c:pt>
+              </c:strCache>
+            </c:strRef>
+          </c:cat>
+          <c:val>
+            <c:numRef>
+              <c:f>Sheet1!$B$2:$B$3</c:f>
+              <c:numCache>
+                <c:formatCode>General</c:formatCode>
+                <c:ptCount val="2"/>
+                <c:pt idx="0">
+                  <c:v>20</c:v>
+                </c:pt>
+                <c:pt idx="1">
+                  <c:v>80</c:v>
+                </c:pt>
+              </c:numCache>
+            </c:numRef>
+          </c:val>
+        </c:ser>
+        <c:dLbls>
+          <c:showPercent val="1"/>
+        </c:dLbls>
+      </c:pie3DChart>
+    </c:plotArea>
+    <c:legend>
+      <c:legendPos val="r"/>
+      <c:layout/>
+    </c:legend>
+    <c:plotVisOnly val="1"/>
+  </c:chart>
+  <c:txPr>
+    <a:bodyPr/>
+    <a:lstStyle/>
+    <a:p>
+      <a:pPr>
+        <a:defRPr sz="1800"/>
       </a:pPr>
       <a:endParaRPr lang="en-US"/>
     </a:p>
@@ -3222,9 +3346,1646 @@
           <a:chExt cx="0" cy="0"/>
         </a:xfrm>
       </p:grpSpPr>
+      <p:sp>
+        <p:nvSpPr>
+          <p:cNvPr id="4" name="TextBox 3"/>
+          <p:cNvSpPr txBox="1"/>
+          <p:nvPr/>
+        </p:nvSpPr>
+        <p:spPr>
+          <a:xfrm>
+            <a:off x="1295400" y="2057400"/>
+            <a:ext cx="5486400" cy="2031325"/>
+          </a:xfrm>
+          <a:prstGeom prst="rect">
+            <a:avLst/>
+          </a:prstGeom>
+          <a:noFill/>
+        </p:spPr>
+        <p:txBody>
+          <a:bodyPr wrap="square" rtlCol="0">
+            <a:spAutoFit/>
+          </a:bodyPr>
+          <a:lstStyle/>
+          <a:p>
+            <a:r>
+              <a:rPr lang="en-US" sz="5400" dirty="0" smtClean="0"/>
+              <a:t>Juan Lopes</a:t>
+            </a:r>
+            <a:br>
+              <a:rPr lang="en-US" sz="5400" dirty="0" smtClean="0"/>
+            </a:br>
+            <a:r>
+              <a:rPr lang="en-US" sz="3600" dirty="0" smtClean="0"/>
+              <a:t>github.com</a:t>
+            </a:r>
+            <a:br>
+              <a:rPr lang="en-US" sz="3600" dirty="0" smtClean="0"/>
+            </a:br>
+            <a:r>
+              <a:rPr lang="en-US" sz="3600" dirty="0" smtClean="0"/>
+              <a:t>twitter.com</a:t>
+            </a:r>
+            <a:endParaRPr lang="en-US" sz="3600" dirty="0"/>
+          </a:p>
+        </p:txBody>
+      </p:sp>
+      <p:sp>
+        <p:nvSpPr>
+          <p:cNvPr id="5" name="TextBox 4"/>
+          <p:cNvSpPr txBox="1"/>
+          <p:nvPr/>
+        </p:nvSpPr>
+        <p:spPr>
+          <a:xfrm>
+            <a:off x="3581400" y="2971800"/>
+            <a:ext cx="3886200" cy="1015663"/>
+          </a:xfrm>
+          <a:prstGeom prst="rect">
+            <a:avLst/>
+          </a:prstGeom>
+          <a:noFill/>
+        </p:spPr>
+        <p:txBody>
+          <a:bodyPr wrap="square" rtlCol="0">
+            <a:spAutoFit/>
+          </a:bodyPr>
+          <a:lstStyle/>
+          <a:p>
+            <a:r>
+              <a:rPr lang="en-US" sz="6000" dirty="0" smtClean="0"/>
+              <a:t>/</a:t>
+            </a:r>
+            <a:r>
+              <a:rPr lang="en-US" sz="6000" dirty="0" err="1" smtClean="0"/>
+              <a:t>juanplopes</a:t>
+            </a:r>
+            <a:endParaRPr lang="en-US" sz="6000" dirty="0"/>
+          </a:p>
+        </p:txBody>
+      </p:sp>
+    </p:spTree>
+  </p:cSld>
+  <p:clrMapOvr>
+    <a:masterClrMapping/>
+  </p:clrMapOvr>
+  <p:timing>
+    <p:tnLst>
+      <p:par>
+        <p:cTn id="1" dur="indefinite" restart="never" nodeType="tmRoot"/>
+      </p:par>
+    </p:tnLst>
+  </p:timing>
+</p:sld>
+</file>
+
+<file path=ppt/slides/slide10.xml><?xml version="1.0" encoding="utf-8"?>
+<p:sld xmlns:a="http://schemas.openxmlformats.org/drawingml/2006/main" xmlns:r="http://schemas.openxmlformats.org/officeDocument/2006/relationships" xmlns:p="http://schemas.openxmlformats.org/presentationml/2006/main">
+  <p:cSld>
+    <p:spTree>
+      <p:nvGrpSpPr>
+        <p:cNvPr id="1" name=""/>
+        <p:cNvGrpSpPr/>
+        <p:nvPr/>
+      </p:nvGrpSpPr>
+      <p:grpSpPr>
+        <a:xfrm>
+          <a:off x="0" y="0"/>
+          <a:ext cx="0" cy="0"/>
+          <a:chOff x="0" y="0"/>
+          <a:chExt cx="0" cy="0"/>
+        </a:xfrm>
+      </p:grpSpPr>
+      <p:sp>
+        <p:nvSpPr>
+          <p:cNvPr id="6" name="TextBox 5"/>
+          <p:cNvSpPr txBox="1"/>
+          <p:nvPr/>
+        </p:nvSpPr>
+        <p:spPr>
+          <a:xfrm>
+            <a:off x="228600" y="533400"/>
+            <a:ext cx="6781800" cy="1261884"/>
+          </a:xfrm>
+          <a:prstGeom prst="rect">
+            <a:avLst/>
+          </a:prstGeom>
+          <a:noFill/>
+        </p:spPr>
+        <p:txBody>
+          <a:bodyPr wrap="square" rtlCol="0">
+            <a:spAutoFit/>
+          </a:bodyPr>
+          <a:lstStyle/>
+          <a:p>
+            <a:r>
+              <a:rPr lang="en-US" sz="2800" b="1" dirty="0" smtClean="0">
+                <a:latin typeface="Consolas" pitchFamily="49" charset="0"/>
+                <a:cs typeface="Consolas" pitchFamily="49" charset="0"/>
+              </a:rPr>
+              <a:t>for</a:t>
+            </a:r>
+            <a:r>
+              <a:rPr lang="en-US" sz="2800" dirty="0" smtClean="0">
+                <a:latin typeface="Consolas" pitchFamily="49" charset="0"/>
+                <a:cs typeface="Consolas" pitchFamily="49" charset="0"/>
+              </a:rPr>
+              <a:t>(</a:t>
+            </a:r>
+            <a:r>
+              <a:rPr lang="en-US" sz="2800" b="1" dirty="0" err="1" smtClean="0">
+                <a:latin typeface="Consolas" pitchFamily="49" charset="0"/>
+                <a:cs typeface="Consolas" pitchFamily="49" charset="0"/>
+              </a:rPr>
+              <a:t>int</a:t>
+            </a:r>
+            <a:r>
+              <a:rPr lang="en-US" sz="2800" dirty="0" smtClean="0">
+                <a:latin typeface="Consolas" pitchFamily="49" charset="0"/>
+                <a:cs typeface="Consolas" pitchFamily="49" charset="0"/>
+              </a:rPr>
+              <a:t> </a:t>
+            </a:r>
+            <a:r>
+              <a:rPr lang="en-US" sz="2800" dirty="0" err="1" smtClean="0">
+                <a:latin typeface="Consolas" pitchFamily="49" charset="0"/>
+                <a:cs typeface="Consolas" pitchFamily="49" charset="0"/>
+              </a:rPr>
+              <a:t>i</a:t>
+            </a:r>
+            <a:r>
+              <a:rPr lang="en-US" sz="2800" dirty="0" smtClean="0">
+                <a:latin typeface="Consolas" pitchFamily="49" charset="0"/>
+                <a:cs typeface="Consolas" pitchFamily="49" charset="0"/>
+              </a:rPr>
+              <a:t> = 0; </a:t>
+            </a:r>
+            <a:r>
+              <a:rPr lang="en-US" sz="2800" dirty="0" err="1" smtClean="0">
+                <a:latin typeface="Consolas" pitchFamily="49" charset="0"/>
+                <a:cs typeface="Consolas" pitchFamily="49" charset="0"/>
+              </a:rPr>
+              <a:t>i</a:t>
+            </a:r>
+            <a:r>
+              <a:rPr lang="en-US" sz="2800" dirty="0" smtClean="0">
+                <a:latin typeface="Consolas" pitchFamily="49" charset="0"/>
+                <a:cs typeface="Consolas" pitchFamily="49" charset="0"/>
+              </a:rPr>
+              <a:t> &lt; </a:t>
+            </a:r>
+            <a:r>
+              <a:rPr lang="en-US" sz="4800" b="1" dirty="0" smtClean="0">
+                <a:latin typeface="Consolas" pitchFamily="49" charset="0"/>
+                <a:cs typeface="Consolas" pitchFamily="49" charset="0"/>
+              </a:rPr>
+              <a:t>n</a:t>
+            </a:r>
+            <a:r>
+              <a:rPr lang="en-US" sz="2800" dirty="0" smtClean="0">
+                <a:latin typeface="Consolas" pitchFamily="49" charset="0"/>
+                <a:cs typeface="Consolas" pitchFamily="49" charset="0"/>
+              </a:rPr>
+              <a:t>; </a:t>
+            </a:r>
+            <a:r>
+              <a:rPr lang="en-US" sz="2800" dirty="0" err="1" smtClean="0">
+                <a:latin typeface="Consolas" pitchFamily="49" charset="0"/>
+                <a:cs typeface="Consolas" pitchFamily="49" charset="0"/>
+              </a:rPr>
+              <a:t>i</a:t>
+            </a:r>
+            <a:r>
+              <a:rPr lang="en-US" sz="2800" dirty="0" smtClean="0">
+                <a:latin typeface="Consolas" pitchFamily="49" charset="0"/>
+                <a:cs typeface="Consolas" pitchFamily="49" charset="0"/>
+              </a:rPr>
+              <a:t>++)</a:t>
+            </a:r>
+          </a:p>
+          <a:p>
+            <a:r>
+              <a:rPr lang="en-US" sz="2800" dirty="0">
+                <a:latin typeface="Consolas" pitchFamily="49" charset="0"/>
+                <a:cs typeface="Consolas" pitchFamily="49" charset="0"/>
+              </a:rPr>
+              <a:t> </a:t>
+            </a:r>
+            <a:r>
+              <a:rPr lang="en-US" sz="2800" dirty="0" smtClean="0">
+                <a:latin typeface="Consolas" pitchFamily="49" charset="0"/>
+                <a:cs typeface="Consolas" pitchFamily="49" charset="0"/>
+              </a:rPr>
+              <a:t>   s += “whatever”;</a:t>
+            </a:r>
+            <a:endParaRPr lang="en-US" sz="2800" dirty="0">
+              <a:latin typeface="Consolas" pitchFamily="49" charset="0"/>
+              <a:cs typeface="Consolas" pitchFamily="49" charset="0"/>
+            </a:endParaRPr>
+          </a:p>
+        </p:txBody>
+      </p:sp>
       <p:pic>
         <p:nvPicPr>
-          <p:cNvPr id="11268" name="Picture 4" descr="complexity-map.jpg (346×312)"/>
+          <p:cNvPr id="5" name="Picture 2" descr="160x160.jpg (160×160)"/>
+          <p:cNvPicPr>
+            <a:picLocks noChangeAspect="1" noChangeArrowheads="1"/>
+          </p:cNvPicPr>
+          <p:nvPr/>
+        </p:nvPicPr>
+        <p:blipFill>
+          <a:blip r:embed="rId3" cstate="print"/>
+          <a:srcRect/>
+          <a:stretch>
+            <a:fillRect/>
+          </a:stretch>
+        </p:blipFill>
+        <p:spPr bwMode="auto">
+          <a:xfrm>
+            <a:off x="6629400" y="4343399"/>
+            <a:ext cx="2514600" cy="2514601"/>
+          </a:xfrm>
+          <a:prstGeom prst="rect">
+            <a:avLst/>
+          </a:prstGeom>
+          <a:noFill/>
+        </p:spPr>
+      </p:pic>
+      <p:graphicFrame>
+        <p:nvGraphicFramePr>
+          <p:cNvPr id="7" name="Table 6"/>
+          <p:cNvGraphicFramePr>
+            <a:graphicFrameLocks noGrp="1"/>
+          </p:cNvGraphicFramePr>
+          <p:nvPr/>
+        </p:nvGraphicFramePr>
+        <p:xfrm>
+          <a:off x="914400" y="2514600"/>
+          <a:ext cx="4343400" cy="3205571"/>
+        </p:xfrm>
+        <a:graphic>
+          <a:graphicData uri="http://schemas.openxmlformats.org/drawingml/2006/table">
+            <a:tbl>
+              <a:tblPr/>
+              <a:tblGrid>
+                <a:gridCol w="1137698"/>
+                <a:gridCol w="1546558"/>
+                <a:gridCol w="1659144"/>
+              </a:tblGrid>
+              <a:tr h="228600">
+                <a:tc>
+                  <a:txBody>
+                    <a:bodyPr/>
+                    <a:lstStyle/>
+                    <a:p>
+                      <a:pPr algn="l" fontAlgn="b"/>
+                      <a:r>
+                        <a:rPr lang="en-US" sz="2400" b="1" i="0" u="none" strike="noStrike" dirty="0" err="1">
+                          <a:solidFill>
+                            <a:srgbClr val="000000"/>
+                          </a:solidFill>
+                          <a:latin typeface="Calibri"/>
+                        </a:rPr>
+                        <a:t>i</a:t>
+                      </a:r>
+                      <a:endParaRPr lang="en-US" sz="2400" b="1" i="0" u="none" strike="noStrike" dirty="0">
+                        <a:solidFill>
+                          <a:srgbClr val="000000"/>
+                        </a:solidFill>
+                        <a:latin typeface="Calibri"/>
+                      </a:endParaRPr>
+                    </a:p>
+                  </a:txBody>
+                  <a:tcPr marL="9525" marR="9525" marT="9525" marB="0" anchor="b">
+                    <a:lnL w="6350" cap="flat" cmpd="sng" algn="ctr">
+                      <a:solidFill>
+                        <a:srgbClr val="000000"/>
+                      </a:solidFill>
+                      <a:prstDash val="solid"/>
+                      <a:round/>
+                      <a:headEnd type="none" w="med" len="med"/>
+                      <a:tailEnd type="none" w="med" len="med"/>
+                    </a:lnL>
+                    <a:lnR w="6350" cap="flat" cmpd="sng" algn="ctr">
+                      <a:solidFill>
+                        <a:srgbClr val="000000"/>
+                      </a:solidFill>
+                      <a:prstDash val="solid"/>
+                      <a:round/>
+                      <a:headEnd type="none" w="med" len="med"/>
+                      <a:tailEnd type="none" w="med" len="med"/>
+                    </a:lnR>
+                    <a:lnT w="6350" cap="flat" cmpd="sng" algn="ctr">
+                      <a:solidFill>
+                        <a:srgbClr val="000000"/>
+                      </a:solidFill>
+                      <a:prstDash val="solid"/>
+                      <a:round/>
+                      <a:headEnd type="none" w="med" len="med"/>
+                      <a:tailEnd type="none" w="med" len="med"/>
+                    </a:lnT>
+                    <a:lnB w="6350" cap="flat" cmpd="sng" algn="ctr">
+                      <a:solidFill>
+                        <a:srgbClr val="000000"/>
+                      </a:solidFill>
+                      <a:prstDash val="solid"/>
+                      <a:round/>
+                      <a:headEnd type="none" w="med" len="med"/>
+                      <a:tailEnd type="none" w="med" len="med"/>
+                    </a:lnB>
+                  </a:tcPr>
+                </a:tc>
+                <a:tc>
+                  <a:txBody>
+                    <a:bodyPr/>
+                    <a:lstStyle/>
+                    <a:p>
+                      <a:pPr algn="l" fontAlgn="b"/>
+                      <a:r>
+                        <a:rPr lang="en-US" sz="2400" b="1" i="0" u="none" strike="noStrike" dirty="0" err="1" smtClean="0">
+                          <a:solidFill>
+                            <a:srgbClr val="000000"/>
+                          </a:solidFill>
+                          <a:latin typeface="Calibri"/>
+                        </a:rPr>
+                        <a:t>len</a:t>
+                      </a:r>
+                      <a:r>
+                        <a:rPr lang="en-US" sz="2400" b="1" i="0" u="none" strike="noStrike" dirty="0" smtClean="0">
+                          <a:solidFill>
+                            <a:srgbClr val="000000"/>
+                          </a:solidFill>
+                          <a:latin typeface="Calibri"/>
+                        </a:rPr>
+                        <a:t>(s)</a:t>
+                      </a:r>
+                      <a:endParaRPr lang="en-US" sz="2400" b="1" i="0" u="none" strike="noStrike" dirty="0">
+                        <a:solidFill>
+                          <a:srgbClr val="000000"/>
+                        </a:solidFill>
+                        <a:latin typeface="Calibri"/>
+                      </a:endParaRPr>
+                    </a:p>
+                  </a:txBody>
+                  <a:tcPr marL="9525" marR="9525" marT="9525" marB="0" anchor="b">
+                    <a:lnL w="6350" cap="flat" cmpd="sng" algn="ctr">
+                      <a:solidFill>
+                        <a:srgbClr val="000000"/>
+                      </a:solidFill>
+                      <a:prstDash val="solid"/>
+                      <a:round/>
+                      <a:headEnd type="none" w="med" len="med"/>
+                      <a:tailEnd type="none" w="med" len="med"/>
+                    </a:lnL>
+                    <a:lnR w="6350" cap="flat" cmpd="sng" algn="ctr">
+                      <a:solidFill>
+                        <a:srgbClr val="000000"/>
+                      </a:solidFill>
+                      <a:prstDash val="solid"/>
+                      <a:round/>
+                      <a:headEnd type="none" w="med" len="med"/>
+                      <a:tailEnd type="none" w="med" len="med"/>
+                    </a:lnR>
+                    <a:lnT w="6350" cap="flat" cmpd="sng" algn="ctr">
+                      <a:solidFill>
+                        <a:srgbClr val="000000"/>
+                      </a:solidFill>
+                      <a:prstDash val="solid"/>
+                      <a:round/>
+                      <a:headEnd type="none" w="med" len="med"/>
+                      <a:tailEnd type="none" w="med" len="med"/>
+                    </a:lnT>
+                    <a:lnB w="6350" cap="flat" cmpd="sng" algn="ctr">
+                      <a:solidFill>
+                        <a:srgbClr val="000000"/>
+                      </a:solidFill>
+                      <a:prstDash val="solid"/>
+                      <a:round/>
+                      <a:headEnd type="none" w="med" len="med"/>
+                      <a:tailEnd type="none" w="med" len="med"/>
+                    </a:lnB>
+                  </a:tcPr>
+                </a:tc>
+                <a:tc>
+                  <a:txBody>
+                    <a:bodyPr/>
+                    <a:lstStyle/>
+                    <a:p>
+                      <a:pPr algn="l" fontAlgn="b"/>
+                      <a:r>
+                        <a:rPr lang="en-US" sz="2400" b="1" i="0" u="none" strike="noStrike" dirty="0" err="1">
+                          <a:solidFill>
+                            <a:srgbClr val="000000"/>
+                          </a:solidFill>
+                          <a:latin typeface="Calibri"/>
+                        </a:rPr>
+                        <a:t>custo</a:t>
+                      </a:r>
+                      <a:endParaRPr lang="en-US" sz="2400" b="1" i="0" u="none" strike="noStrike" dirty="0">
+                        <a:solidFill>
+                          <a:srgbClr val="000000"/>
+                        </a:solidFill>
+                        <a:latin typeface="Calibri"/>
+                      </a:endParaRPr>
+                    </a:p>
+                  </a:txBody>
+                  <a:tcPr marL="9525" marR="9525" marT="9525" marB="0" anchor="b">
+                    <a:lnL w="6350" cap="flat" cmpd="sng" algn="ctr">
+                      <a:solidFill>
+                        <a:srgbClr val="000000"/>
+                      </a:solidFill>
+                      <a:prstDash val="solid"/>
+                      <a:round/>
+                      <a:headEnd type="none" w="med" len="med"/>
+                      <a:tailEnd type="none" w="med" len="med"/>
+                    </a:lnL>
+                    <a:lnR w="6350" cap="flat" cmpd="sng" algn="ctr">
+                      <a:solidFill>
+                        <a:srgbClr val="000000"/>
+                      </a:solidFill>
+                      <a:prstDash val="solid"/>
+                      <a:round/>
+                      <a:headEnd type="none" w="med" len="med"/>
+                      <a:tailEnd type="none" w="med" len="med"/>
+                    </a:lnR>
+                    <a:lnT w="6350" cap="flat" cmpd="sng" algn="ctr">
+                      <a:solidFill>
+                        <a:srgbClr val="000000"/>
+                      </a:solidFill>
+                      <a:prstDash val="solid"/>
+                      <a:round/>
+                      <a:headEnd type="none" w="med" len="med"/>
+                      <a:tailEnd type="none" w="med" len="med"/>
+                    </a:lnT>
+                    <a:lnB w="6350" cap="flat" cmpd="sng" algn="ctr">
+                      <a:solidFill>
+                        <a:srgbClr val="000000"/>
+                      </a:solidFill>
+                      <a:prstDash val="solid"/>
+                      <a:round/>
+                      <a:headEnd type="none" w="med" len="med"/>
+                      <a:tailEnd type="none" w="med" len="med"/>
+                    </a:lnB>
+                  </a:tcPr>
+                </a:tc>
+              </a:tr>
+              <a:tr h="0">
+                <a:tc>
+                  <a:txBody>
+                    <a:bodyPr/>
+                    <a:lstStyle/>
+                    <a:p>
+                      <a:pPr algn="l" fontAlgn="b"/>
+                      <a:r>
+                        <a:rPr lang="en-US" sz="2400" b="0" i="0" u="none" strike="noStrike" dirty="0" smtClean="0">
+                          <a:solidFill>
+                            <a:srgbClr val="000000"/>
+                          </a:solidFill>
+                          <a:latin typeface="Calibri"/>
+                        </a:rPr>
+                        <a:t>0</a:t>
+                      </a:r>
+                      <a:endParaRPr lang="en-US" sz="2400" b="0" i="0" u="none" strike="noStrike" dirty="0">
+                        <a:solidFill>
+                          <a:srgbClr val="000000"/>
+                        </a:solidFill>
+                        <a:latin typeface="Calibri"/>
+                      </a:endParaRPr>
+                    </a:p>
+                  </a:txBody>
+                  <a:tcPr marL="9525" marR="9525" marT="9525" marB="0" anchor="b">
+                    <a:lnL w="6350" cap="flat" cmpd="sng" algn="ctr">
+                      <a:solidFill>
+                        <a:srgbClr val="000000"/>
+                      </a:solidFill>
+                      <a:prstDash val="solid"/>
+                      <a:round/>
+                      <a:headEnd type="none" w="med" len="med"/>
+                      <a:tailEnd type="none" w="med" len="med"/>
+                    </a:lnL>
+                    <a:lnR w="6350" cap="flat" cmpd="sng" algn="ctr">
+                      <a:solidFill>
+                        <a:srgbClr val="000000"/>
+                      </a:solidFill>
+                      <a:prstDash val="solid"/>
+                      <a:round/>
+                      <a:headEnd type="none" w="med" len="med"/>
+                      <a:tailEnd type="none" w="med" len="med"/>
+                    </a:lnR>
+                    <a:lnT w="6350" cap="flat" cmpd="sng" algn="ctr">
+                      <a:solidFill>
+                        <a:srgbClr val="000000"/>
+                      </a:solidFill>
+                      <a:prstDash val="solid"/>
+                      <a:round/>
+                      <a:headEnd type="none" w="med" len="med"/>
+                      <a:tailEnd type="none" w="med" len="med"/>
+                    </a:lnT>
+                    <a:lnB w="6350" cap="flat" cmpd="sng" algn="ctr">
+                      <a:solidFill>
+                        <a:srgbClr val="000000"/>
+                      </a:solidFill>
+                      <a:prstDash val="solid"/>
+                      <a:round/>
+                      <a:headEnd type="none" w="med" len="med"/>
+                      <a:tailEnd type="none" w="med" len="med"/>
+                    </a:lnB>
+                  </a:tcPr>
+                </a:tc>
+                <a:tc>
+                  <a:txBody>
+                    <a:bodyPr/>
+                    <a:lstStyle/>
+                    <a:p>
+                      <a:pPr algn="l" fontAlgn="b"/>
+                      <a:r>
+                        <a:rPr lang="en-US" sz="2400" b="0" i="0" u="none" strike="noStrike">
+                          <a:solidFill>
+                            <a:srgbClr val="000000"/>
+                          </a:solidFill>
+                          <a:latin typeface="Calibri"/>
+                        </a:rPr>
+                        <a:t>0</a:t>
+                      </a:r>
+                    </a:p>
+                  </a:txBody>
+                  <a:tcPr marL="9525" marR="9525" marT="9525" marB="0" anchor="b">
+                    <a:lnL w="6350" cap="flat" cmpd="sng" algn="ctr">
+                      <a:solidFill>
+                        <a:srgbClr val="000000"/>
+                      </a:solidFill>
+                      <a:prstDash val="solid"/>
+                      <a:round/>
+                      <a:headEnd type="none" w="med" len="med"/>
+                      <a:tailEnd type="none" w="med" len="med"/>
+                    </a:lnL>
+                    <a:lnR w="6350" cap="flat" cmpd="sng" algn="ctr">
+                      <a:solidFill>
+                        <a:srgbClr val="000000"/>
+                      </a:solidFill>
+                      <a:prstDash val="solid"/>
+                      <a:round/>
+                      <a:headEnd type="none" w="med" len="med"/>
+                      <a:tailEnd type="none" w="med" len="med"/>
+                    </a:lnR>
+                    <a:lnT w="6350" cap="flat" cmpd="sng" algn="ctr">
+                      <a:solidFill>
+                        <a:srgbClr val="000000"/>
+                      </a:solidFill>
+                      <a:prstDash val="solid"/>
+                      <a:round/>
+                      <a:headEnd type="none" w="med" len="med"/>
+                      <a:tailEnd type="none" w="med" len="med"/>
+                    </a:lnT>
+                    <a:lnB w="6350" cap="flat" cmpd="sng" algn="ctr">
+                      <a:solidFill>
+                        <a:srgbClr val="000000"/>
+                      </a:solidFill>
+                      <a:prstDash val="solid"/>
+                      <a:round/>
+                      <a:headEnd type="none" w="med" len="med"/>
+                      <a:tailEnd type="none" w="med" len="med"/>
+                    </a:lnB>
+                  </a:tcPr>
+                </a:tc>
+                <a:tc>
+                  <a:txBody>
+                    <a:bodyPr/>
+                    <a:lstStyle/>
+                    <a:p>
+                      <a:pPr algn="l" fontAlgn="b"/>
+                      <a:r>
+                        <a:rPr lang="en-US" sz="2400" b="0" i="0" u="none" strike="noStrike">
+                          <a:solidFill>
+                            <a:srgbClr val="000000"/>
+                          </a:solidFill>
+                          <a:latin typeface="Calibri"/>
+                        </a:rPr>
+                        <a:t>L</a:t>
+                      </a:r>
+                    </a:p>
+                  </a:txBody>
+                  <a:tcPr marL="9525" marR="9525" marT="9525" marB="0" anchor="b">
+                    <a:lnL w="6350" cap="flat" cmpd="sng" algn="ctr">
+                      <a:solidFill>
+                        <a:srgbClr val="000000"/>
+                      </a:solidFill>
+                      <a:prstDash val="solid"/>
+                      <a:round/>
+                      <a:headEnd type="none" w="med" len="med"/>
+                      <a:tailEnd type="none" w="med" len="med"/>
+                    </a:lnL>
+                    <a:lnR w="6350" cap="flat" cmpd="sng" algn="ctr">
+                      <a:solidFill>
+                        <a:srgbClr val="000000"/>
+                      </a:solidFill>
+                      <a:prstDash val="solid"/>
+                      <a:round/>
+                      <a:headEnd type="none" w="med" len="med"/>
+                      <a:tailEnd type="none" w="med" len="med"/>
+                    </a:lnR>
+                    <a:lnT w="6350" cap="flat" cmpd="sng" algn="ctr">
+                      <a:solidFill>
+                        <a:srgbClr val="000000"/>
+                      </a:solidFill>
+                      <a:prstDash val="solid"/>
+                      <a:round/>
+                      <a:headEnd type="none" w="med" len="med"/>
+                      <a:tailEnd type="none" w="med" len="med"/>
+                    </a:lnT>
+                    <a:lnB w="6350" cap="flat" cmpd="sng" algn="ctr">
+                      <a:solidFill>
+                        <a:srgbClr val="000000"/>
+                      </a:solidFill>
+                      <a:prstDash val="solid"/>
+                      <a:round/>
+                      <a:headEnd type="none" w="med" len="med"/>
+                      <a:tailEnd type="none" w="med" len="med"/>
+                    </a:lnB>
+                  </a:tcPr>
+                </a:tc>
+              </a:tr>
+              <a:tr h="0">
+                <a:tc>
+                  <a:txBody>
+                    <a:bodyPr/>
+                    <a:lstStyle/>
+                    <a:p>
+                      <a:pPr algn="l" fontAlgn="b"/>
+                      <a:r>
+                        <a:rPr lang="en-US" sz="2400" b="0" i="0" u="none" strike="noStrike" dirty="0" smtClean="0">
+                          <a:solidFill>
+                            <a:srgbClr val="000000"/>
+                          </a:solidFill>
+                          <a:latin typeface="Calibri"/>
+                        </a:rPr>
+                        <a:t>1</a:t>
+                      </a:r>
+                      <a:endParaRPr lang="en-US" sz="2400" b="0" i="0" u="none" strike="noStrike" dirty="0">
+                        <a:solidFill>
+                          <a:srgbClr val="000000"/>
+                        </a:solidFill>
+                        <a:latin typeface="Calibri"/>
+                      </a:endParaRPr>
+                    </a:p>
+                  </a:txBody>
+                  <a:tcPr marL="9525" marR="9525" marT="9525" marB="0" anchor="b">
+                    <a:lnL w="6350" cap="flat" cmpd="sng" algn="ctr">
+                      <a:solidFill>
+                        <a:srgbClr val="000000"/>
+                      </a:solidFill>
+                      <a:prstDash val="solid"/>
+                      <a:round/>
+                      <a:headEnd type="none" w="med" len="med"/>
+                      <a:tailEnd type="none" w="med" len="med"/>
+                    </a:lnL>
+                    <a:lnR w="6350" cap="flat" cmpd="sng" algn="ctr">
+                      <a:solidFill>
+                        <a:srgbClr val="000000"/>
+                      </a:solidFill>
+                      <a:prstDash val="solid"/>
+                      <a:round/>
+                      <a:headEnd type="none" w="med" len="med"/>
+                      <a:tailEnd type="none" w="med" len="med"/>
+                    </a:lnR>
+                    <a:lnT w="6350" cap="flat" cmpd="sng" algn="ctr">
+                      <a:solidFill>
+                        <a:srgbClr val="000000"/>
+                      </a:solidFill>
+                      <a:prstDash val="solid"/>
+                      <a:round/>
+                      <a:headEnd type="none" w="med" len="med"/>
+                      <a:tailEnd type="none" w="med" len="med"/>
+                    </a:lnT>
+                    <a:lnB w="6350" cap="flat" cmpd="sng" algn="ctr">
+                      <a:solidFill>
+                        <a:srgbClr val="000000"/>
+                      </a:solidFill>
+                      <a:prstDash val="solid"/>
+                      <a:round/>
+                      <a:headEnd type="none" w="med" len="med"/>
+                      <a:tailEnd type="none" w="med" len="med"/>
+                    </a:lnB>
+                  </a:tcPr>
+                </a:tc>
+                <a:tc>
+                  <a:txBody>
+                    <a:bodyPr/>
+                    <a:lstStyle/>
+                    <a:p>
+                      <a:pPr algn="l" fontAlgn="b"/>
+                      <a:r>
+                        <a:rPr lang="en-US" sz="2400" b="0" i="0" u="none" strike="noStrike" dirty="0">
+                          <a:solidFill>
+                            <a:srgbClr val="000000"/>
+                          </a:solidFill>
+                          <a:latin typeface="Calibri"/>
+                        </a:rPr>
+                        <a:t>L</a:t>
+                      </a:r>
+                    </a:p>
+                  </a:txBody>
+                  <a:tcPr marL="9525" marR="9525" marT="9525" marB="0" anchor="b">
+                    <a:lnL w="6350" cap="flat" cmpd="sng" algn="ctr">
+                      <a:solidFill>
+                        <a:srgbClr val="000000"/>
+                      </a:solidFill>
+                      <a:prstDash val="solid"/>
+                      <a:round/>
+                      <a:headEnd type="none" w="med" len="med"/>
+                      <a:tailEnd type="none" w="med" len="med"/>
+                    </a:lnL>
+                    <a:lnR w="6350" cap="flat" cmpd="sng" algn="ctr">
+                      <a:solidFill>
+                        <a:srgbClr val="000000"/>
+                      </a:solidFill>
+                      <a:prstDash val="solid"/>
+                      <a:round/>
+                      <a:headEnd type="none" w="med" len="med"/>
+                      <a:tailEnd type="none" w="med" len="med"/>
+                    </a:lnR>
+                    <a:lnT w="6350" cap="flat" cmpd="sng" algn="ctr">
+                      <a:solidFill>
+                        <a:srgbClr val="000000"/>
+                      </a:solidFill>
+                      <a:prstDash val="solid"/>
+                      <a:round/>
+                      <a:headEnd type="none" w="med" len="med"/>
+                      <a:tailEnd type="none" w="med" len="med"/>
+                    </a:lnT>
+                    <a:lnB w="6350" cap="flat" cmpd="sng" algn="ctr">
+                      <a:solidFill>
+                        <a:srgbClr val="000000"/>
+                      </a:solidFill>
+                      <a:prstDash val="solid"/>
+                      <a:round/>
+                      <a:headEnd type="none" w="med" len="med"/>
+                      <a:tailEnd type="none" w="med" len="med"/>
+                    </a:lnB>
+                  </a:tcPr>
+                </a:tc>
+                <a:tc>
+                  <a:txBody>
+                    <a:bodyPr/>
+                    <a:lstStyle/>
+                    <a:p>
+                      <a:pPr algn="l" fontAlgn="b"/>
+                      <a:r>
+                        <a:rPr lang="en-US" sz="2400" b="0" i="0" u="none" strike="noStrike" dirty="0" smtClean="0">
+                          <a:solidFill>
+                            <a:srgbClr val="000000"/>
+                          </a:solidFill>
+                          <a:latin typeface="Calibri"/>
+                        </a:rPr>
+                        <a:t>2*L</a:t>
+                      </a:r>
+                      <a:endParaRPr lang="en-US" sz="2400" b="0" i="0" u="none" strike="noStrike" dirty="0">
+                        <a:solidFill>
+                          <a:srgbClr val="000000"/>
+                        </a:solidFill>
+                        <a:latin typeface="Calibri"/>
+                      </a:endParaRPr>
+                    </a:p>
+                  </a:txBody>
+                  <a:tcPr marL="9525" marR="9525" marT="9525" marB="0" anchor="b">
+                    <a:lnL w="6350" cap="flat" cmpd="sng" algn="ctr">
+                      <a:solidFill>
+                        <a:srgbClr val="000000"/>
+                      </a:solidFill>
+                      <a:prstDash val="solid"/>
+                      <a:round/>
+                      <a:headEnd type="none" w="med" len="med"/>
+                      <a:tailEnd type="none" w="med" len="med"/>
+                    </a:lnL>
+                    <a:lnR w="6350" cap="flat" cmpd="sng" algn="ctr">
+                      <a:solidFill>
+                        <a:srgbClr val="000000"/>
+                      </a:solidFill>
+                      <a:prstDash val="solid"/>
+                      <a:round/>
+                      <a:headEnd type="none" w="med" len="med"/>
+                      <a:tailEnd type="none" w="med" len="med"/>
+                    </a:lnR>
+                    <a:lnT w="6350" cap="flat" cmpd="sng" algn="ctr">
+                      <a:solidFill>
+                        <a:srgbClr val="000000"/>
+                      </a:solidFill>
+                      <a:prstDash val="solid"/>
+                      <a:round/>
+                      <a:headEnd type="none" w="med" len="med"/>
+                      <a:tailEnd type="none" w="med" len="med"/>
+                    </a:lnT>
+                    <a:lnB w="6350" cap="flat" cmpd="sng" algn="ctr">
+                      <a:solidFill>
+                        <a:srgbClr val="000000"/>
+                      </a:solidFill>
+                      <a:prstDash val="solid"/>
+                      <a:round/>
+                      <a:headEnd type="none" w="med" len="med"/>
+                      <a:tailEnd type="none" w="med" len="med"/>
+                    </a:lnB>
+                  </a:tcPr>
+                </a:tc>
+              </a:tr>
+              <a:tr h="108858">
+                <a:tc>
+                  <a:txBody>
+                    <a:bodyPr/>
+                    <a:lstStyle/>
+                    <a:p>
+                      <a:pPr algn="l" fontAlgn="b"/>
+                      <a:r>
+                        <a:rPr lang="en-US" sz="2400" b="0" i="0" u="none" strike="noStrike" dirty="0" smtClean="0">
+                          <a:solidFill>
+                            <a:srgbClr val="000000"/>
+                          </a:solidFill>
+                          <a:latin typeface="Calibri"/>
+                        </a:rPr>
+                        <a:t>2</a:t>
+                      </a:r>
+                      <a:endParaRPr lang="en-US" sz="2400" b="0" i="0" u="none" strike="noStrike" dirty="0">
+                        <a:solidFill>
+                          <a:srgbClr val="000000"/>
+                        </a:solidFill>
+                        <a:latin typeface="Calibri"/>
+                      </a:endParaRPr>
+                    </a:p>
+                  </a:txBody>
+                  <a:tcPr marL="9525" marR="9525" marT="9525" marB="0" anchor="b">
+                    <a:lnL w="6350" cap="flat" cmpd="sng" algn="ctr">
+                      <a:solidFill>
+                        <a:srgbClr val="000000"/>
+                      </a:solidFill>
+                      <a:prstDash val="solid"/>
+                      <a:round/>
+                      <a:headEnd type="none" w="med" len="med"/>
+                      <a:tailEnd type="none" w="med" len="med"/>
+                    </a:lnL>
+                    <a:lnR w="6350" cap="flat" cmpd="sng" algn="ctr">
+                      <a:solidFill>
+                        <a:srgbClr val="000000"/>
+                      </a:solidFill>
+                      <a:prstDash val="solid"/>
+                      <a:round/>
+                      <a:headEnd type="none" w="med" len="med"/>
+                      <a:tailEnd type="none" w="med" len="med"/>
+                    </a:lnR>
+                    <a:lnT w="6350" cap="flat" cmpd="sng" algn="ctr">
+                      <a:solidFill>
+                        <a:srgbClr val="000000"/>
+                      </a:solidFill>
+                      <a:prstDash val="solid"/>
+                      <a:round/>
+                      <a:headEnd type="none" w="med" len="med"/>
+                      <a:tailEnd type="none" w="med" len="med"/>
+                    </a:lnT>
+                    <a:lnB w="6350" cap="flat" cmpd="sng" algn="ctr">
+                      <a:solidFill>
+                        <a:srgbClr val="000000"/>
+                      </a:solidFill>
+                      <a:prstDash val="solid"/>
+                      <a:round/>
+                      <a:headEnd type="none" w="med" len="med"/>
+                      <a:tailEnd type="none" w="med" len="med"/>
+                    </a:lnB>
+                  </a:tcPr>
+                </a:tc>
+                <a:tc>
+                  <a:txBody>
+                    <a:bodyPr/>
+                    <a:lstStyle/>
+                    <a:p>
+                      <a:pPr algn="l" fontAlgn="b"/>
+                      <a:r>
+                        <a:rPr lang="en-US" sz="2400" b="0" i="0" u="none" strike="noStrike" dirty="0" smtClean="0">
+                          <a:solidFill>
+                            <a:srgbClr val="000000"/>
+                          </a:solidFill>
+                          <a:latin typeface="Calibri"/>
+                        </a:rPr>
+                        <a:t>2*L</a:t>
+                      </a:r>
+                      <a:endParaRPr lang="en-US" sz="2400" b="0" i="0" u="none" strike="noStrike" dirty="0">
+                        <a:solidFill>
+                          <a:srgbClr val="000000"/>
+                        </a:solidFill>
+                        <a:latin typeface="Calibri"/>
+                      </a:endParaRPr>
+                    </a:p>
+                  </a:txBody>
+                  <a:tcPr marL="9525" marR="9525" marT="9525" marB="0" anchor="b">
+                    <a:lnL w="6350" cap="flat" cmpd="sng" algn="ctr">
+                      <a:solidFill>
+                        <a:srgbClr val="000000"/>
+                      </a:solidFill>
+                      <a:prstDash val="solid"/>
+                      <a:round/>
+                      <a:headEnd type="none" w="med" len="med"/>
+                      <a:tailEnd type="none" w="med" len="med"/>
+                    </a:lnL>
+                    <a:lnR w="6350" cap="flat" cmpd="sng" algn="ctr">
+                      <a:solidFill>
+                        <a:srgbClr val="000000"/>
+                      </a:solidFill>
+                      <a:prstDash val="solid"/>
+                      <a:round/>
+                      <a:headEnd type="none" w="med" len="med"/>
+                      <a:tailEnd type="none" w="med" len="med"/>
+                    </a:lnR>
+                    <a:lnT w="6350" cap="flat" cmpd="sng" algn="ctr">
+                      <a:solidFill>
+                        <a:srgbClr val="000000"/>
+                      </a:solidFill>
+                      <a:prstDash val="solid"/>
+                      <a:round/>
+                      <a:headEnd type="none" w="med" len="med"/>
+                      <a:tailEnd type="none" w="med" len="med"/>
+                    </a:lnT>
+                    <a:lnB w="6350" cap="flat" cmpd="sng" algn="ctr">
+                      <a:solidFill>
+                        <a:srgbClr val="000000"/>
+                      </a:solidFill>
+                      <a:prstDash val="solid"/>
+                      <a:round/>
+                      <a:headEnd type="none" w="med" len="med"/>
+                      <a:tailEnd type="none" w="med" len="med"/>
+                    </a:lnB>
+                  </a:tcPr>
+                </a:tc>
+                <a:tc>
+                  <a:txBody>
+                    <a:bodyPr/>
+                    <a:lstStyle/>
+                    <a:p>
+                      <a:pPr algn="l" fontAlgn="b"/>
+                      <a:r>
+                        <a:rPr lang="en-US" sz="2400" b="0" i="0" u="none" strike="noStrike" dirty="0" smtClean="0">
+                          <a:solidFill>
+                            <a:srgbClr val="000000"/>
+                          </a:solidFill>
+                          <a:latin typeface="Calibri"/>
+                        </a:rPr>
+                        <a:t>3*L</a:t>
+                      </a:r>
+                      <a:endParaRPr lang="en-US" sz="2400" b="0" i="0" u="none" strike="noStrike" dirty="0">
+                        <a:solidFill>
+                          <a:srgbClr val="000000"/>
+                        </a:solidFill>
+                        <a:latin typeface="Calibri"/>
+                      </a:endParaRPr>
+                    </a:p>
+                  </a:txBody>
+                  <a:tcPr marL="9525" marR="9525" marT="9525" marB="0" anchor="b">
+                    <a:lnL w="6350" cap="flat" cmpd="sng" algn="ctr">
+                      <a:solidFill>
+                        <a:srgbClr val="000000"/>
+                      </a:solidFill>
+                      <a:prstDash val="solid"/>
+                      <a:round/>
+                      <a:headEnd type="none" w="med" len="med"/>
+                      <a:tailEnd type="none" w="med" len="med"/>
+                    </a:lnL>
+                    <a:lnR w="6350" cap="flat" cmpd="sng" algn="ctr">
+                      <a:solidFill>
+                        <a:srgbClr val="000000"/>
+                      </a:solidFill>
+                      <a:prstDash val="solid"/>
+                      <a:round/>
+                      <a:headEnd type="none" w="med" len="med"/>
+                      <a:tailEnd type="none" w="med" len="med"/>
+                    </a:lnR>
+                    <a:lnT w="6350" cap="flat" cmpd="sng" algn="ctr">
+                      <a:solidFill>
+                        <a:srgbClr val="000000"/>
+                      </a:solidFill>
+                      <a:prstDash val="solid"/>
+                      <a:round/>
+                      <a:headEnd type="none" w="med" len="med"/>
+                      <a:tailEnd type="none" w="med" len="med"/>
+                    </a:lnT>
+                    <a:lnB w="6350" cap="flat" cmpd="sng" algn="ctr">
+                      <a:solidFill>
+                        <a:srgbClr val="000000"/>
+                      </a:solidFill>
+                      <a:prstDash val="solid"/>
+                      <a:round/>
+                      <a:headEnd type="none" w="med" len="med"/>
+                      <a:tailEnd type="none" w="med" len="med"/>
+                    </a:lnB>
+                  </a:tcPr>
+                </a:tc>
+              </a:tr>
+              <a:tr h="272144">
+                <a:tc gridSpan="3">
+                  <a:txBody>
+                    <a:bodyPr/>
+                    <a:lstStyle/>
+                    <a:p>
+                      <a:pPr algn="ctr" fontAlgn="b"/>
+                      <a:r>
+                        <a:rPr lang="en-US" sz="2400" b="0" i="0" u="none" strike="noStrike" dirty="0">
+                          <a:solidFill>
+                            <a:srgbClr val="000000"/>
+                          </a:solidFill>
+                          <a:latin typeface="Calibri"/>
+                        </a:rPr>
+                        <a:t>…</a:t>
+                      </a:r>
+                    </a:p>
+                  </a:txBody>
+                  <a:tcPr marL="9525" marR="9525" marT="9525" marB="0" anchor="b">
+                    <a:lnL w="6350" cap="flat" cmpd="sng" algn="ctr">
+                      <a:solidFill>
+                        <a:srgbClr val="000000"/>
+                      </a:solidFill>
+                      <a:prstDash val="solid"/>
+                      <a:round/>
+                      <a:headEnd type="none" w="med" len="med"/>
+                      <a:tailEnd type="none" w="med" len="med"/>
+                    </a:lnL>
+                    <a:lnR w="6350" cap="flat" cmpd="sng" algn="ctr">
+                      <a:solidFill>
+                        <a:srgbClr val="000000"/>
+                      </a:solidFill>
+                      <a:prstDash val="solid"/>
+                      <a:round/>
+                      <a:headEnd type="none" w="med" len="med"/>
+                      <a:tailEnd type="none" w="med" len="med"/>
+                    </a:lnR>
+                    <a:lnT w="6350" cap="flat" cmpd="sng" algn="ctr">
+                      <a:solidFill>
+                        <a:srgbClr val="000000"/>
+                      </a:solidFill>
+                      <a:prstDash val="solid"/>
+                      <a:round/>
+                      <a:headEnd type="none" w="med" len="med"/>
+                      <a:tailEnd type="none" w="med" len="med"/>
+                    </a:lnT>
+                    <a:lnB w="6350" cap="flat" cmpd="sng" algn="ctr">
+                      <a:solidFill>
+                        <a:srgbClr val="000000"/>
+                      </a:solidFill>
+                      <a:prstDash val="solid"/>
+                      <a:round/>
+                      <a:headEnd type="none" w="med" len="med"/>
+                      <a:tailEnd type="none" w="med" len="med"/>
+                    </a:lnB>
+                  </a:tcPr>
+                </a:tc>
+                <a:tc hMerge="1">
+                  <a:txBody>
+                    <a:bodyPr/>
+                    <a:lstStyle/>
+                    <a:p>
+                      <a:endParaRPr lang="en-US"/>
+                    </a:p>
+                  </a:txBody>
+                  <a:tcPr/>
+                </a:tc>
+                <a:tc hMerge="1">
+                  <a:txBody>
+                    <a:bodyPr/>
+                    <a:lstStyle/>
+                    <a:p>
+                      <a:endParaRPr lang="en-US"/>
+                    </a:p>
+                  </a:txBody>
+                  <a:tcPr/>
+                </a:tc>
+              </a:tr>
+              <a:tr h="130630">
+                <a:tc>
+                  <a:txBody>
+                    <a:bodyPr/>
+                    <a:lstStyle/>
+                    <a:p>
+                      <a:pPr algn="l" fontAlgn="b"/>
+                      <a:r>
+                        <a:rPr lang="en-US" sz="2400" b="0" i="0" u="none" strike="noStrike" dirty="0" smtClean="0">
+                          <a:solidFill>
+                            <a:srgbClr val="000000"/>
+                          </a:solidFill>
+                          <a:latin typeface="Calibri"/>
+                        </a:rPr>
+                        <a:t>n</a:t>
+                      </a:r>
+                      <a:endParaRPr lang="en-US" sz="2400" b="0" i="0" u="none" strike="noStrike" dirty="0">
+                        <a:solidFill>
+                          <a:srgbClr val="000000"/>
+                        </a:solidFill>
+                        <a:latin typeface="Calibri"/>
+                      </a:endParaRPr>
+                    </a:p>
+                  </a:txBody>
+                  <a:tcPr marL="9525" marR="9525" marT="9525" marB="0" anchor="b">
+                    <a:lnL w="6350" cap="flat" cmpd="sng" algn="ctr">
+                      <a:solidFill>
+                        <a:srgbClr val="000000"/>
+                      </a:solidFill>
+                      <a:prstDash val="solid"/>
+                      <a:round/>
+                      <a:headEnd type="none" w="med" len="med"/>
+                      <a:tailEnd type="none" w="med" len="med"/>
+                    </a:lnL>
+                    <a:lnR w="6350" cap="flat" cmpd="sng" algn="ctr">
+                      <a:solidFill>
+                        <a:srgbClr val="000000"/>
+                      </a:solidFill>
+                      <a:prstDash val="solid"/>
+                      <a:round/>
+                      <a:headEnd type="none" w="med" len="med"/>
+                      <a:tailEnd type="none" w="med" len="med"/>
+                    </a:lnR>
+                    <a:lnT w="6350" cap="flat" cmpd="sng" algn="ctr">
+                      <a:solidFill>
+                        <a:srgbClr val="000000"/>
+                      </a:solidFill>
+                      <a:prstDash val="solid"/>
+                      <a:round/>
+                      <a:headEnd type="none" w="med" len="med"/>
+                      <a:tailEnd type="none" w="med" len="med"/>
+                    </a:lnT>
+                    <a:lnB w="6350" cap="flat" cmpd="sng" algn="ctr">
+                      <a:solidFill>
+                        <a:srgbClr val="000000"/>
+                      </a:solidFill>
+                      <a:prstDash val="solid"/>
+                      <a:round/>
+                      <a:headEnd type="none" w="med" len="med"/>
+                      <a:tailEnd type="none" w="med" len="med"/>
+                    </a:lnB>
+                  </a:tcPr>
+                </a:tc>
+                <a:tc>
+                  <a:txBody>
+                    <a:bodyPr/>
+                    <a:lstStyle/>
+                    <a:p>
+                      <a:pPr algn="l" fontAlgn="b"/>
+                      <a:r>
+                        <a:rPr lang="en-US" sz="2400" b="0" i="0" u="none" strike="noStrike" dirty="0" smtClean="0">
+                          <a:solidFill>
+                            <a:srgbClr val="000000"/>
+                          </a:solidFill>
+                          <a:latin typeface="Calibri"/>
+                        </a:rPr>
+                        <a:t>n*L</a:t>
+                      </a:r>
+                      <a:endParaRPr lang="en-US" sz="2400" b="0" i="0" u="none" strike="noStrike" dirty="0">
+                        <a:solidFill>
+                          <a:srgbClr val="000000"/>
+                        </a:solidFill>
+                        <a:latin typeface="Calibri"/>
+                      </a:endParaRPr>
+                    </a:p>
+                  </a:txBody>
+                  <a:tcPr marL="9525" marR="9525" marT="9525" marB="0" anchor="b">
+                    <a:lnL w="6350" cap="flat" cmpd="sng" algn="ctr">
+                      <a:solidFill>
+                        <a:srgbClr val="000000"/>
+                      </a:solidFill>
+                      <a:prstDash val="solid"/>
+                      <a:round/>
+                      <a:headEnd type="none" w="med" len="med"/>
+                      <a:tailEnd type="none" w="med" len="med"/>
+                    </a:lnL>
+                    <a:lnR w="6350" cap="flat" cmpd="sng" algn="ctr">
+                      <a:solidFill>
+                        <a:srgbClr val="000000"/>
+                      </a:solidFill>
+                      <a:prstDash val="solid"/>
+                      <a:round/>
+                      <a:headEnd type="none" w="med" len="med"/>
+                      <a:tailEnd type="none" w="med" len="med"/>
+                    </a:lnR>
+                    <a:lnT w="6350" cap="flat" cmpd="sng" algn="ctr">
+                      <a:solidFill>
+                        <a:srgbClr val="000000"/>
+                      </a:solidFill>
+                      <a:prstDash val="solid"/>
+                      <a:round/>
+                      <a:headEnd type="none" w="med" len="med"/>
+                      <a:tailEnd type="none" w="med" len="med"/>
+                    </a:lnT>
+                    <a:lnB w="6350" cap="flat" cmpd="sng" algn="ctr">
+                      <a:solidFill>
+                        <a:srgbClr val="000000"/>
+                      </a:solidFill>
+                      <a:prstDash val="solid"/>
+                      <a:round/>
+                      <a:headEnd type="none" w="med" len="med"/>
+                      <a:tailEnd type="none" w="med" len="med"/>
+                    </a:lnB>
+                  </a:tcPr>
+                </a:tc>
+                <a:tc>
+                  <a:txBody>
+                    <a:bodyPr/>
+                    <a:lstStyle/>
+                    <a:p>
+                      <a:pPr algn="l" fontAlgn="b"/>
+                      <a:r>
+                        <a:rPr lang="en-US" sz="2400" b="0" i="0" u="none" strike="noStrike" dirty="0" smtClean="0">
+                          <a:solidFill>
+                            <a:srgbClr val="000000"/>
+                          </a:solidFill>
+                          <a:latin typeface="Calibri"/>
+                        </a:rPr>
+                        <a:t>(n+1)*L</a:t>
+                      </a:r>
+                      <a:endParaRPr lang="en-US" sz="2400" b="0" i="0" u="none" strike="noStrike" dirty="0">
+                        <a:solidFill>
+                          <a:srgbClr val="000000"/>
+                        </a:solidFill>
+                        <a:latin typeface="Calibri"/>
+                      </a:endParaRPr>
+                    </a:p>
+                  </a:txBody>
+                  <a:tcPr marL="9525" marR="9525" marT="9525" marB="0" anchor="b">
+                    <a:lnL w="6350" cap="flat" cmpd="sng" algn="ctr">
+                      <a:solidFill>
+                        <a:srgbClr val="000000"/>
+                      </a:solidFill>
+                      <a:prstDash val="solid"/>
+                      <a:round/>
+                      <a:headEnd type="none" w="med" len="med"/>
+                      <a:tailEnd type="none" w="med" len="med"/>
+                    </a:lnL>
+                    <a:lnR w="6350" cap="flat" cmpd="sng" algn="ctr">
+                      <a:solidFill>
+                        <a:srgbClr val="000000"/>
+                      </a:solidFill>
+                      <a:prstDash val="solid"/>
+                      <a:round/>
+                      <a:headEnd type="none" w="med" len="med"/>
+                      <a:tailEnd type="none" w="med" len="med"/>
+                    </a:lnR>
+                    <a:lnT w="6350" cap="flat" cmpd="sng" algn="ctr">
+                      <a:solidFill>
+                        <a:srgbClr val="000000"/>
+                      </a:solidFill>
+                      <a:prstDash val="solid"/>
+                      <a:round/>
+                      <a:headEnd type="none" w="med" len="med"/>
+                      <a:tailEnd type="none" w="med" len="med"/>
+                    </a:lnT>
+                    <a:lnB w="6350" cap="flat" cmpd="sng" algn="ctr">
+                      <a:solidFill>
+                        <a:srgbClr val="000000"/>
+                      </a:solidFill>
+                      <a:prstDash val="solid"/>
+                      <a:round/>
+                      <a:headEnd type="none" w="med" len="med"/>
+                      <a:tailEnd type="none" w="med" len="med"/>
+                    </a:lnB>
+                  </a:tcPr>
+                </a:tc>
+              </a:tr>
+              <a:tr h="953861">
+                <a:tc gridSpan="2">
+                  <a:txBody>
+                    <a:bodyPr/>
+                    <a:lstStyle/>
+                    <a:p>
+                      <a:pPr algn="l" fontAlgn="b"/>
+                      <a:r>
+                        <a:rPr lang="en-US" sz="2400" b="0" i="0" u="none" strike="noStrike" dirty="0">
+                          <a:solidFill>
+                            <a:srgbClr val="000000"/>
+                          </a:solidFill>
+                          <a:latin typeface="Calibri"/>
+                        </a:rPr>
+                        <a:t>Total:</a:t>
+                      </a:r>
+                    </a:p>
+                  </a:txBody>
+                  <a:tcPr marL="9525" marR="9525" marT="9525" marB="0" anchor="b">
+                    <a:lnL w="6350" cap="flat" cmpd="sng" algn="ctr">
+                      <a:solidFill>
+                        <a:srgbClr val="000000"/>
+                      </a:solidFill>
+                      <a:prstDash val="solid"/>
+                      <a:round/>
+                      <a:headEnd type="none" w="med" len="med"/>
+                      <a:tailEnd type="none" w="med" len="med"/>
+                    </a:lnL>
+                    <a:lnR w="6350" cap="flat" cmpd="sng" algn="ctr">
+                      <a:solidFill>
+                        <a:srgbClr val="000000"/>
+                      </a:solidFill>
+                      <a:prstDash val="solid"/>
+                      <a:round/>
+                      <a:headEnd type="none" w="med" len="med"/>
+                      <a:tailEnd type="none" w="med" len="med"/>
+                    </a:lnR>
+                    <a:lnT w="6350" cap="flat" cmpd="sng" algn="ctr">
+                      <a:solidFill>
+                        <a:srgbClr val="000000"/>
+                      </a:solidFill>
+                      <a:prstDash val="solid"/>
+                      <a:round/>
+                      <a:headEnd type="none" w="med" len="med"/>
+                      <a:tailEnd type="none" w="med" len="med"/>
+                    </a:lnT>
+                    <a:lnB w="6350" cap="flat" cmpd="sng" algn="ctr">
+                      <a:solidFill>
+                        <a:srgbClr val="000000"/>
+                      </a:solidFill>
+                      <a:prstDash val="solid"/>
+                      <a:round/>
+                      <a:headEnd type="none" w="med" len="med"/>
+                      <a:tailEnd type="none" w="med" len="med"/>
+                    </a:lnB>
+                  </a:tcPr>
+                </a:tc>
+                <a:tc hMerge="1">
+                  <a:txBody>
+                    <a:bodyPr/>
+                    <a:lstStyle/>
+                    <a:p>
+                      <a:endParaRPr lang="en-US"/>
+                    </a:p>
+                  </a:txBody>
+                  <a:tcPr/>
+                </a:tc>
+                <a:tc>
+                  <a:txBody>
+                    <a:bodyPr/>
+                    <a:lstStyle/>
+                    <a:p>
+                      <a:pPr algn="l" fontAlgn="b"/>
+                      <a:endParaRPr lang="en-US" sz="2400" b="0" i="0" u="none" strike="noStrike" dirty="0">
+                        <a:solidFill>
+                          <a:srgbClr val="000000"/>
+                        </a:solidFill>
+                        <a:latin typeface="Calibri"/>
+                      </a:endParaRPr>
+                    </a:p>
+                  </a:txBody>
+                  <a:tcPr marL="9525" marR="9525" marT="9525" marB="0" anchor="b">
+                    <a:lnL w="6350" cap="flat" cmpd="sng" algn="ctr">
+                      <a:solidFill>
+                        <a:srgbClr val="000000"/>
+                      </a:solidFill>
+                      <a:prstDash val="solid"/>
+                      <a:round/>
+                      <a:headEnd type="none" w="med" len="med"/>
+                      <a:tailEnd type="none" w="med" len="med"/>
+                    </a:lnL>
+                    <a:lnR w="6350" cap="flat" cmpd="sng" algn="ctr">
+                      <a:solidFill>
+                        <a:srgbClr val="000000"/>
+                      </a:solidFill>
+                      <a:prstDash val="solid"/>
+                      <a:round/>
+                      <a:headEnd type="none" w="med" len="med"/>
+                      <a:tailEnd type="none" w="med" len="med"/>
+                    </a:lnR>
+                    <a:lnT w="6350" cap="flat" cmpd="sng" algn="ctr">
+                      <a:solidFill>
+                        <a:srgbClr val="000000"/>
+                      </a:solidFill>
+                      <a:prstDash val="solid"/>
+                      <a:round/>
+                      <a:headEnd type="none" w="med" len="med"/>
+                      <a:tailEnd type="none" w="med" len="med"/>
+                    </a:lnT>
+                    <a:lnB w="6350" cap="flat" cmpd="sng" algn="ctr">
+                      <a:solidFill>
+                        <a:srgbClr val="000000"/>
+                      </a:solidFill>
+                      <a:prstDash val="solid"/>
+                      <a:round/>
+                      <a:headEnd type="none" w="med" len="med"/>
+                      <a:tailEnd type="none" w="med" len="med"/>
+                    </a:lnB>
+                  </a:tcPr>
+                </a:tc>
+              </a:tr>
+            </a:tbl>
+          </a:graphicData>
+        </a:graphic>
+      </p:graphicFrame>
+      <p:graphicFrame>
+        <p:nvGraphicFramePr>
+          <p:cNvPr id="8" name="Object 7"/>
+          <p:cNvGraphicFramePr>
+            <a:graphicFrameLocks noChangeAspect="1"/>
+          </p:cNvGraphicFramePr>
+          <p:nvPr/>
+        </p:nvGraphicFramePr>
+        <p:xfrm>
+          <a:off x="3771900" y="4876800"/>
+          <a:ext cx="1066800" cy="787400"/>
+        </p:xfrm>
+        <a:graphic>
+          <a:graphicData uri="http://schemas.openxmlformats.org/presentationml/2006/ole">
+            <p:oleObj spid="_x0000_s44034" name="Equação" r:id="rId4" imgW="533160" imgH="393480" progId="Equation.3">
+              <p:embed/>
+            </p:oleObj>
+          </a:graphicData>
+        </a:graphic>
+      </p:graphicFrame>
+    </p:spTree>
+  </p:cSld>
+  <p:clrMapOvr>
+    <a:masterClrMapping/>
+  </p:clrMapOvr>
+  <p:timing>
+    <p:tnLst>
+      <p:par>
+        <p:cTn id="1" dur="indefinite" restart="never" nodeType="tmRoot"/>
+      </p:par>
+    </p:tnLst>
+  </p:timing>
+</p:sld>
+</file>
+
+<file path=ppt/slides/slide11.xml><?xml version="1.0" encoding="utf-8"?>
+<p:sld xmlns:a="http://schemas.openxmlformats.org/drawingml/2006/main" xmlns:r="http://schemas.openxmlformats.org/officeDocument/2006/relationships" xmlns:p="http://schemas.openxmlformats.org/presentationml/2006/main">
+  <p:cSld>
+    <p:spTree>
+      <p:nvGrpSpPr>
+        <p:cNvPr id="1" name=""/>
+        <p:cNvGrpSpPr/>
+        <p:nvPr/>
+      </p:nvGrpSpPr>
+      <p:grpSpPr>
+        <a:xfrm>
+          <a:off x="0" y="0"/>
+          <a:ext cx="0" cy="0"/>
+          <a:chOff x="0" y="0"/>
+          <a:chExt cx="0" cy="0"/>
+        </a:xfrm>
+      </p:grpSpPr>
+      <p:sp>
+        <p:nvSpPr>
+          <p:cNvPr id="6" name="TextBox 5"/>
+          <p:cNvSpPr txBox="1"/>
+          <p:nvPr/>
+        </p:nvSpPr>
+        <p:spPr>
+          <a:xfrm>
+            <a:off x="228600" y="533400"/>
+            <a:ext cx="6781800" cy="1261884"/>
+          </a:xfrm>
+          <a:prstGeom prst="rect">
+            <a:avLst/>
+          </a:prstGeom>
+          <a:noFill/>
+        </p:spPr>
+        <p:txBody>
+          <a:bodyPr wrap="square" rtlCol="0">
+            <a:spAutoFit/>
+          </a:bodyPr>
+          <a:lstStyle/>
+          <a:p>
+            <a:r>
+              <a:rPr lang="en-US" sz="2800" b="1" dirty="0" smtClean="0">
+                <a:latin typeface="Consolas" pitchFamily="49" charset="0"/>
+                <a:cs typeface="Consolas" pitchFamily="49" charset="0"/>
+              </a:rPr>
+              <a:t>for</a:t>
+            </a:r>
+            <a:r>
+              <a:rPr lang="en-US" sz="2800" dirty="0" smtClean="0">
+                <a:latin typeface="Consolas" pitchFamily="49" charset="0"/>
+                <a:cs typeface="Consolas" pitchFamily="49" charset="0"/>
+              </a:rPr>
+              <a:t>(</a:t>
+            </a:r>
+            <a:r>
+              <a:rPr lang="en-US" sz="2800" b="1" dirty="0" err="1" smtClean="0">
+                <a:latin typeface="Consolas" pitchFamily="49" charset="0"/>
+                <a:cs typeface="Consolas" pitchFamily="49" charset="0"/>
+              </a:rPr>
+              <a:t>int</a:t>
+            </a:r>
+            <a:r>
+              <a:rPr lang="en-US" sz="2800" dirty="0" smtClean="0">
+                <a:latin typeface="Consolas" pitchFamily="49" charset="0"/>
+                <a:cs typeface="Consolas" pitchFamily="49" charset="0"/>
+              </a:rPr>
+              <a:t> </a:t>
+            </a:r>
+            <a:r>
+              <a:rPr lang="en-US" sz="2800" dirty="0" err="1" smtClean="0">
+                <a:latin typeface="Consolas" pitchFamily="49" charset="0"/>
+                <a:cs typeface="Consolas" pitchFamily="49" charset="0"/>
+              </a:rPr>
+              <a:t>i</a:t>
+            </a:r>
+            <a:r>
+              <a:rPr lang="en-US" sz="2800" dirty="0" smtClean="0">
+                <a:latin typeface="Consolas" pitchFamily="49" charset="0"/>
+                <a:cs typeface="Consolas" pitchFamily="49" charset="0"/>
+              </a:rPr>
+              <a:t> = 0; </a:t>
+            </a:r>
+            <a:r>
+              <a:rPr lang="en-US" sz="2800" dirty="0" err="1" smtClean="0">
+                <a:latin typeface="Consolas" pitchFamily="49" charset="0"/>
+                <a:cs typeface="Consolas" pitchFamily="49" charset="0"/>
+              </a:rPr>
+              <a:t>i</a:t>
+            </a:r>
+            <a:r>
+              <a:rPr lang="en-US" sz="2800" dirty="0" smtClean="0">
+                <a:latin typeface="Consolas" pitchFamily="49" charset="0"/>
+                <a:cs typeface="Consolas" pitchFamily="49" charset="0"/>
+              </a:rPr>
+              <a:t> &lt; </a:t>
+            </a:r>
+            <a:r>
+              <a:rPr lang="en-US" sz="4800" b="1" dirty="0" smtClean="0">
+                <a:latin typeface="Consolas" pitchFamily="49" charset="0"/>
+                <a:cs typeface="Consolas" pitchFamily="49" charset="0"/>
+              </a:rPr>
+              <a:t>n</a:t>
+            </a:r>
+            <a:r>
+              <a:rPr lang="en-US" sz="2800" dirty="0" smtClean="0">
+                <a:latin typeface="Consolas" pitchFamily="49" charset="0"/>
+                <a:cs typeface="Consolas" pitchFamily="49" charset="0"/>
+              </a:rPr>
+              <a:t>; </a:t>
+            </a:r>
+            <a:r>
+              <a:rPr lang="en-US" sz="2800" dirty="0" err="1" smtClean="0">
+                <a:latin typeface="Consolas" pitchFamily="49" charset="0"/>
+                <a:cs typeface="Consolas" pitchFamily="49" charset="0"/>
+              </a:rPr>
+              <a:t>i</a:t>
+            </a:r>
+            <a:r>
+              <a:rPr lang="en-US" sz="2800" dirty="0" smtClean="0">
+                <a:latin typeface="Consolas" pitchFamily="49" charset="0"/>
+                <a:cs typeface="Consolas" pitchFamily="49" charset="0"/>
+              </a:rPr>
+              <a:t>++)</a:t>
+            </a:r>
+          </a:p>
+          <a:p>
+            <a:r>
+              <a:rPr lang="en-US" sz="2800" dirty="0">
+                <a:latin typeface="Consolas" pitchFamily="49" charset="0"/>
+                <a:cs typeface="Consolas" pitchFamily="49" charset="0"/>
+              </a:rPr>
+              <a:t> </a:t>
+            </a:r>
+            <a:r>
+              <a:rPr lang="en-US" sz="2800" dirty="0" smtClean="0">
+                <a:latin typeface="Consolas" pitchFamily="49" charset="0"/>
+                <a:cs typeface="Consolas" pitchFamily="49" charset="0"/>
+              </a:rPr>
+              <a:t>   s += “whatever”;</a:t>
+            </a:r>
+            <a:endParaRPr lang="en-US" sz="2800" dirty="0">
+              <a:latin typeface="Consolas" pitchFamily="49" charset="0"/>
+              <a:cs typeface="Consolas" pitchFamily="49" charset="0"/>
+            </a:endParaRPr>
+          </a:p>
+        </p:txBody>
+      </p:sp>
+      <p:sp>
+        <p:nvSpPr>
+          <p:cNvPr id="4" name="TextBox 3"/>
+          <p:cNvSpPr txBox="1"/>
+          <p:nvPr/>
+        </p:nvSpPr>
+        <p:spPr>
+          <a:xfrm>
+            <a:off x="762000" y="2514600"/>
+            <a:ext cx="4343400" cy="1569660"/>
+          </a:xfrm>
+          <a:prstGeom prst="rect">
+            <a:avLst/>
+          </a:prstGeom>
+          <a:noFill/>
+        </p:spPr>
+        <p:txBody>
+          <a:bodyPr wrap="square" rtlCol="0">
+            <a:spAutoFit/>
+          </a:bodyPr>
+          <a:lstStyle/>
+          <a:p>
+            <a:r>
+              <a:rPr lang="en-US" sz="9600" i="1" dirty="0" smtClean="0">
+                <a:latin typeface="Times New Roman" pitchFamily="18" charset="0"/>
+                <a:cs typeface="Times New Roman" pitchFamily="18" charset="0"/>
+              </a:rPr>
+              <a:t>O(n²L)!</a:t>
+            </a:r>
+            <a:endParaRPr lang="en-US" sz="9600" i="1" dirty="0">
+              <a:latin typeface="Times New Roman" pitchFamily="18" charset="0"/>
+              <a:cs typeface="Times New Roman" pitchFamily="18" charset="0"/>
+            </a:endParaRPr>
+          </a:p>
+        </p:txBody>
+      </p:sp>
+      <p:pic>
+        <p:nvPicPr>
+          <p:cNvPr id="7" name="Picture 4" descr="spit-take-meme.jpg (256×163)"/>
           <p:cNvPicPr>
             <a:picLocks noChangeAspect="1" noChangeArrowheads="1"/>
           </p:cNvPicPr>
@@ -3239,8 +5000,8 @@
         </p:blipFill>
         <p:spPr bwMode="auto">
           <a:xfrm>
-            <a:off x="1371600" y="609600"/>
-            <a:ext cx="6172200" cy="5565685"/>
+            <a:off x="5314368" y="4419600"/>
+            <a:ext cx="3829632" cy="2438400"/>
           </a:xfrm>
           <a:prstGeom prst="rect">
             <a:avLst/>
@@ -3263,7 +5024,7 @@
 </p:sld>
 </file>
 
-<file path=ppt/slides/slide10.xml><?xml version="1.0" encoding="utf-8"?>
+<file path=ppt/slides/slide12.xml><?xml version="1.0" encoding="utf-8"?>
 <p:sld xmlns:a="http://schemas.openxmlformats.org/drawingml/2006/main" xmlns:r="http://schemas.openxmlformats.org/officeDocument/2006/relationships" xmlns:p="http://schemas.openxmlformats.org/presentationml/2006/main">
   <p:cSld>
     <p:spTree>
@@ -3297,7 +5058,7 @@
         </p:blipFill>
         <p:spPr bwMode="auto">
           <a:xfrm>
-            <a:off x="914400" y="838200"/>
+            <a:off x="914400" y="685800"/>
             <a:ext cx="7351118" cy="4648200"/>
           </a:xfrm>
           <a:prstGeom prst="rect">
@@ -3321,7 +5082,7 @@
 </p:sld>
 </file>
 
-<file path=ppt/slides/slide11.xml><?xml version="1.0" encoding="utf-8"?>
+<file path=ppt/slides/slide13.xml><?xml version="1.0" encoding="utf-8"?>
 <p:sld xmlns:a="http://schemas.openxmlformats.org/drawingml/2006/main" xmlns:r="http://schemas.openxmlformats.org/officeDocument/2006/relationships" xmlns:p="http://schemas.openxmlformats.org/presentationml/2006/main">
   <p:cSld>
     <p:spTree>
@@ -3379,7 +5140,7 @@
 </p:sld>
 </file>
 
-<file path=ppt/slides/slide12.xml><?xml version="1.0" encoding="utf-8"?>
+<file path=ppt/slides/slide14.xml><?xml version="1.0" encoding="utf-8"?>
 <p:sld xmlns:a="http://schemas.openxmlformats.org/drawingml/2006/main" xmlns:r="http://schemas.openxmlformats.org/officeDocument/2006/relationships" xmlns:p="http://schemas.openxmlformats.org/presentationml/2006/main">
   <p:cSld>
     <p:bg>
@@ -3421,27 +5182,24 @@
         </p:blipFill>
         <p:spPr bwMode="auto">
           <a:xfrm>
-            <a:off x="990600" y="1905000"/>
+            <a:off x="990600" y="2438400"/>
             <a:ext cx="2171700" cy="2895600"/>
           </a:xfrm>
-          <a:prstGeom prst="round2DiagRect">
+          <a:prstGeom prst="roundRect">
             <a:avLst>
-              <a:gd name="adj1" fmla="val 16667"/>
-              <a:gd name="adj2" fmla="val 0"/>
+              <a:gd name="adj" fmla="val 8594"/>
             </a:avLst>
           </a:prstGeom>
-          <a:ln w="88900" cap="sq">
-            <a:solidFill>
-              <a:srgbClr val="FFFFFF"/>
-            </a:solidFill>
-            <a:miter lim="800000"/>
+          <a:solidFill>
+            <a:srgbClr val="FFFFFF">
+              <a:shade val="85000"/>
+            </a:srgbClr>
+          </a:solidFill>
+          <a:ln>
+            <a:noFill/>
           </a:ln>
           <a:effectLst>
-            <a:outerShdw blurRad="254000" algn="tl" rotWithShape="0">
-              <a:srgbClr val="000000">
-                <a:alpha val="43000"/>
-              </a:srgbClr>
-            </a:outerShdw>
+            <a:reflection blurRad="12700" stA="38000" endPos="28000" dist="5000" dir="5400000" sy="-100000" algn="bl" rotWithShape="0"/>
           </a:effectLst>
         </p:spPr>
       </p:pic>
@@ -3462,27 +5220,24 @@
         </p:blipFill>
         <p:spPr bwMode="auto">
           <a:xfrm>
-            <a:off x="6019800" y="1981200"/>
+            <a:off x="6019800" y="2514600"/>
             <a:ext cx="2209799" cy="2886268"/>
           </a:xfrm>
-          <a:prstGeom prst="round2DiagRect">
+          <a:prstGeom prst="roundRect">
             <a:avLst>
-              <a:gd name="adj1" fmla="val 16667"/>
-              <a:gd name="adj2" fmla="val 0"/>
+              <a:gd name="adj" fmla="val 8594"/>
             </a:avLst>
           </a:prstGeom>
-          <a:ln w="88900" cap="sq">
-            <a:solidFill>
-              <a:srgbClr val="FFFFFF"/>
-            </a:solidFill>
-            <a:miter lim="800000"/>
+          <a:solidFill>
+            <a:srgbClr val="FFFFFF">
+              <a:shade val="85000"/>
+            </a:srgbClr>
+          </a:solidFill>
+          <a:ln>
+            <a:noFill/>
           </a:ln>
           <a:effectLst>
-            <a:outerShdw blurRad="254000" algn="tl" rotWithShape="0">
-              <a:srgbClr val="000000">
-                <a:alpha val="43000"/>
-              </a:srgbClr>
-            </a:outerShdw>
+            <a:reflection blurRad="12700" stA="38000" endPos="28000" dist="5000" dir="5400000" sy="-100000" algn="bl" rotWithShape="0"/>
           </a:effectLst>
         </p:spPr>
       </p:pic>
@@ -3503,7 +5258,7 @@
         </p:blipFill>
         <p:spPr bwMode="auto">
           <a:xfrm>
-            <a:off x="3581400" y="2590800"/>
+            <a:off x="3581400" y="3124200"/>
             <a:ext cx="2124075" cy="1724025"/>
           </a:xfrm>
           <a:prstGeom prst="rect">
@@ -3526,7 +5281,7 @@
         </p:nvSpPr>
         <p:spPr>
           <a:xfrm>
-            <a:off x="762000" y="4876800"/>
+            <a:off x="762000" y="5410200"/>
             <a:ext cx="3048000" cy="523220"/>
           </a:xfrm>
           <a:prstGeom prst="rect">
@@ -3534,7 +5289,7 @@
           </a:prstGeom>
           <a:noFill/>
           <a:effectLst>
-            <a:outerShdw blurRad="50800" dist="38100" dir="2700000" algn="tl" rotWithShape="0">
+            <a:outerShdw blurRad="50800" dist="38100" dir="5400000" algn="t" rotWithShape="0">
               <a:prstClr val="black">
                 <a:alpha val="40000"/>
               </a:prstClr>
@@ -3624,7 +5379,7 @@
         </p:nvSpPr>
         <p:spPr>
           <a:xfrm>
-            <a:off x="6019800" y="4953000"/>
+            <a:off x="6019800" y="5486400"/>
             <a:ext cx="2362200" cy="523220"/>
           </a:xfrm>
           <a:prstGeom prst="rect">
@@ -3632,7 +5387,7 @@
           </a:prstGeom>
           <a:noFill/>
           <a:effectLst>
-            <a:outerShdw blurRad="50800" dist="38100" dir="2700000" algn="tl" rotWithShape="0">
+            <a:outerShdw blurRad="50800" dist="38100" dir="5400000" algn="t" rotWithShape="0">
               <a:prstClr val="black">
                 <a:alpha val="40000"/>
               </a:prstClr>
@@ -3699,7 +5454,7 @@
         </p:nvSpPr>
         <p:spPr>
           <a:xfrm>
-            <a:off x="685800" y="685800"/>
+            <a:off x="685800" y="1371600"/>
             <a:ext cx="2895600" cy="954107"/>
           </a:xfrm>
           <a:prstGeom prst="rect">
@@ -3879,7 +5634,7 @@
                 </a:gradFill>
                 <a:latin typeface="Cooper Black" pitchFamily="18" charset="0"/>
               </a:rPr>
-              <a:t>O(n log</a:t>
+              <a:t>O(n² log</a:t>
             </a:r>
             <a:r>
               <a:rPr lang="en-US" sz="2800" baseline="-25000" dirty="0" smtClean="0">
@@ -3958,7 +5713,7 @@
         </p:nvSpPr>
         <p:spPr>
           <a:xfrm>
-            <a:off x="6019800" y="762000"/>
+            <a:off x="6019800" y="1447800"/>
             <a:ext cx="2209800" cy="954107"/>
           </a:xfrm>
           <a:prstGeom prst="rect">
@@ -4117,6 +5872,834 @@
           </a:p>
         </p:txBody>
       </p:sp>
+      <p:sp>
+        <p:nvSpPr>
+          <p:cNvPr id="14" name="TextBox 13"/>
+          <p:cNvSpPr txBox="1"/>
+          <p:nvPr/>
+        </p:nvSpPr>
+        <p:spPr>
+          <a:xfrm>
+            <a:off x="609600" y="152400"/>
+            <a:ext cx="8153400" cy="461665"/>
+          </a:xfrm>
+          <a:prstGeom prst="rect">
+            <a:avLst/>
+          </a:prstGeom>
+          <a:noFill/>
+          <a:effectLst>
+            <a:outerShdw blurRad="50800" dist="38100" dir="5400000" algn="t" rotWithShape="0">
+              <a:prstClr val="black">
+                <a:alpha val="40000"/>
+              </a:prstClr>
+            </a:outerShdw>
+          </a:effectLst>
+        </p:spPr>
+        <p:txBody>
+          <a:bodyPr wrap="square" rtlCol="0">
+            <a:spAutoFit/>
+          </a:bodyPr>
+          <a:lstStyle/>
+          <a:p>
+            <a:pPr algn="ctr"/>
+            <a:r>
+              <a:rPr lang="en-US" sz="2400" dirty="0" err="1" smtClean="0">
+                <a:gradFill>
+                  <a:gsLst>
+                    <a:gs pos="0">
+                      <a:srgbClr val="FFF200"/>
+                    </a:gs>
+                    <a:gs pos="45000">
+                      <a:srgbClr val="FF7A00"/>
+                    </a:gs>
+                    <a:gs pos="70000">
+                      <a:srgbClr val="FF0300"/>
+                    </a:gs>
+                    <a:gs pos="100000">
+                      <a:srgbClr val="4D0808"/>
+                    </a:gs>
+                  </a:gsLst>
+                  <a:lin ang="5100000" scaled="0"/>
+                </a:gradFill>
+                <a:latin typeface="Cooper Black" pitchFamily="18" charset="0"/>
+              </a:rPr>
+              <a:t>Menor</a:t>
+            </a:r>
+            <a:r>
+              <a:rPr lang="en-US" sz="2400" dirty="0" smtClean="0">
+                <a:gradFill>
+                  <a:gsLst>
+                    <a:gs pos="0">
+                      <a:srgbClr val="FFF200"/>
+                    </a:gs>
+                    <a:gs pos="45000">
+                      <a:srgbClr val="FF7A00"/>
+                    </a:gs>
+                    <a:gs pos="70000">
+                      <a:srgbClr val="FF0300"/>
+                    </a:gs>
+                    <a:gs pos="100000">
+                      <a:srgbClr val="4D0808"/>
+                    </a:gs>
+                  </a:gsLst>
+                  <a:lin ang="5100000" scaled="0"/>
+                </a:gradFill>
+                <a:latin typeface="Cooper Black" pitchFamily="18" charset="0"/>
+              </a:rPr>
+              <a:t> </a:t>
+            </a:r>
+            <a:r>
+              <a:rPr lang="en-US" sz="2400" dirty="0" err="1" smtClean="0">
+                <a:gradFill>
+                  <a:gsLst>
+                    <a:gs pos="0">
+                      <a:srgbClr val="FFF200"/>
+                    </a:gs>
+                    <a:gs pos="45000">
+                      <a:srgbClr val="FF7A00"/>
+                    </a:gs>
+                    <a:gs pos="70000">
+                      <a:srgbClr val="FF0300"/>
+                    </a:gs>
+                    <a:gs pos="100000">
+                      <a:srgbClr val="4D0808"/>
+                    </a:gs>
+                  </a:gsLst>
+                  <a:lin ang="5100000" scaled="0"/>
+                </a:gradFill>
+                <a:latin typeface="Cooper Black" pitchFamily="18" charset="0"/>
+              </a:rPr>
+              <a:t>caminho</a:t>
+            </a:r>
+            <a:r>
+              <a:rPr lang="en-US" sz="2400" dirty="0" smtClean="0">
+                <a:gradFill>
+                  <a:gsLst>
+                    <a:gs pos="0">
+                      <a:srgbClr val="FFF200"/>
+                    </a:gs>
+                    <a:gs pos="45000">
+                      <a:srgbClr val="FF7A00"/>
+                    </a:gs>
+                    <a:gs pos="70000">
+                      <a:srgbClr val="FF0300"/>
+                    </a:gs>
+                    <a:gs pos="100000">
+                      <a:srgbClr val="4D0808"/>
+                    </a:gs>
+                  </a:gsLst>
+                  <a:lin ang="5100000" scaled="0"/>
+                </a:gradFill>
+                <a:latin typeface="Cooper Black" pitchFamily="18" charset="0"/>
+              </a:rPr>
+              <a:t> com </a:t>
+            </a:r>
+            <a:r>
+              <a:rPr lang="en-US" sz="2400" dirty="0" err="1" smtClean="0">
+                <a:gradFill>
+                  <a:gsLst>
+                    <a:gs pos="0">
+                      <a:srgbClr val="FFF200"/>
+                    </a:gs>
+                    <a:gs pos="45000">
+                      <a:srgbClr val="FF7A00"/>
+                    </a:gs>
+                    <a:gs pos="70000">
+                      <a:srgbClr val="FF0300"/>
+                    </a:gs>
+                    <a:gs pos="100000">
+                      <a:srgbClr val="4D0808"/>
+                    </a:gs>
+                  </a:gsLst>
+                  <a:lin ang="5100000" scaled="0"/>
+                </a:gradFill>
+                <a:latin typeface="Cooper Black" pitchFamily="18" charset="0"/>
+              </a:rPr>
+              <a:t>multiplas</a:t>
+            </a:r>
+            <a:r>
+              <a:rPr lang="en-US" sz="2400" dirty="0" smtClean="0">
+                <a:gradFill>
+                  <a:gsLst>
+                    <a:gs pos="0">
+                      <a:srgbClr val="FFF200"/>
+                    </a:gs>
+                    <a:gs pos="45000">
+                      <a:srgbClr val="FF7A00"/>
+                    </a:gs>
+                    <a:gs pos="70000">
+                      <a:srgbClr val="FF0300"/>
+                    </a:gs>
+                    <a:gs pos="100000">
+                      <a:srgbClr val="4D0808"/>
+                    </a:gs>
+                  </a:gsLst>
+                  <a:lin ang="5100000" scaled="0"/>
+                </a:gradFill>
+                <a:latin typeface="Cooper Black" pitchFamily="18" charset="0"/>
+              </a:rPr>
+              <a:t> </a:t>
+            </a:r>
+            <a:r>
+              <a:rPr lang="en-US" sz="2400" dirty="0" err="1" smtClean="0">
+                <a:gradFill>
+                  <a:gsLst>
+                    <a:gs pos="0">
+                      <a:srgbClr val="FFF200"/>
+                    </a:gs>
+                    <a:gs pos="45000">
+                      <a:srgbClr val="FF7A00"/>
+                    </a:gs>
+                    <a:gs pos="70000">
+                      <a:srgbClr val="FF0300"/>
+                    </a:gs>
+                    <a:gs pos="100000">
+                      <a:srgbClr val="4D0808"/>
+                    </a:gs>
+                  </a:gsLst>
+                  <a:lin ang="5100000" scaled="0"/>
+                </a:gradFill>
+                <a:latin typeface="Cooper Black" pitchFamily="18" charset="0"/>
+              </a:rPr>
+              <a:t>origens</a:t>
+            </a:r>
+            <a:r>
+              <a:rPr lang="en-US" sz="2400" dirty="0" smtClean="0">
+                <a:gradFill>
+                  <a:gsLst>
+                    <a:gs pos="0">
+                      <a:srgbClr val="FFF200"/>
+                    </a:gs>
+                    <a:gs pos="45000">
+                      <a:srgbClr val="FF7A00"/>
+                    </a:gs>
+                    <a:gs pos="70000">
+                      <a:srgbClr val="FF0300"/>
+                    </a:gs>
+                    <a:gs pos="100000">
+                      <a:srgbClr val="4D0808"/>
+                    </a:gs>
+                  </a:gsLst>
+                  <a:lin ang="5100000" scaled="0"/>
+                </a:gradFill>
+                <a:latin typeface="Cooper Black" pitchFamily="18" charset="0"/>
+              </a:rPr>
+              <a:t> </a:t>
+            </a:r>
+            <a:r>
+              <a:rPr lang="en-US" sz="2400" dirty="0" err="1" smtClean="0">
+                <a:gradFill>
+                  <a:gsLst>
+                    <a:gs pos="0">
+                      <a:srgbClr val="FFF200"/>
+                    </a:gs>
+                    <a:gs pos="45000">
+                      <a:srgbClr val="FF7A00"/>
+                    </a:gs>
+                    <a:gs pos="70000">
+                      <a:srgbClr val="FF0300"/>
+                    </a:gs>
+                    <a:gs pos="100000">
+                      <a:srgbClr val="4D0808"/>
+                    </a:gs>
+                  </a:gsLst>
+                  <a:lin ang="5100000" scaled="0"/>
+                </a:gradFill>
+                <a:latin typeface="Cooper Black" pitchFamily="18" charset="0"/>
+              </a:rPr>
+              <a:t>em</a:t>
+            </a:r>
+            <a:r>
+              <a:rPr lang="en-US" sz="2400" dirty="0" smtClean="0">
+                <a:gradFill>
+                  <a:gsLst>
+                    <a:gs pos="0">
+                      <a:srgbClr val="FFF200"/>
+                    </a:gs>
+                    <a:gs pos="45000">
+                      <a:srgbClr val="FF7A00"/>
+                    </a:gs>
+                    <a:gs pos="70000">
+                      <a:srgbClr val="FF0300"/>
+                    </a:gs>
+                    <a:gs pos="100000">
+                      <a:srgbClr val="4D0808"/>
+                    </a:gs>
+                  </a:gsLst>
+                  <a:lin ang="5100000" scaled="0"/>
+                </a:gradFill>
+                <a:latin typeface="Cooper Black" pitchFamily="18" charset="0"/>
+              </a:rPr>
+              <a:t> </a:t>
+            </a:r>
+            <a:r>
+              <a:rPr lang="en-US" sz="2400" dirty="0" err="1" smtClean="0">
+                <a:gradFill>
+                  <a:gsLst>
+                    <a:gs pos="0">
+                      <a:srgbClr val="FFF200"/>
+                    </a:gs>
+                    <a:gs pos="45000">
+                      <a:srgbClr val="FF7A00"/>
+                    </a:gs>
+                    <a:gs pos="70000">
+                      <a:srgbClr val="FF0300"/>
+                    </a:gs>
+                    <a:gs pos="100000">
+                      <a:srgbClr val="4D0808"/>
+                    </a:gs>
+                  </a:gsLst>
+                  <a:lin ang="5100000" scaled="0"/>
+                </a:gradFill>
+                <a:latin typeface="Cooper Black" pitchFamily="18" charset="0"/>
+              </a:rPr>
+              <a:t>grafos</a:t>
+            </a:r>
+            <a:r>
+              <a:rPr lang="en-US" sz="2400" dirty="0" smtClean="0">
+                <a:gradFill>
+                  <a:gsLst>
+                    <a:gs pos="0">
+                      <a:srgbClr val="FFF200"/>
+                    </a:gs>
+                    <a:gs pos="45000">
+                      <a:srgbClr val="FF7A00"/>
+                    </a:gs>
+                    <a:gs pos="70000">
+                      <a:srgbClr val="FF0300"/>
+                    </a:gs>
+                    <a:gs pos="100000">
+                      <a:srgbClr val="4D0808"/>
+                    </a:gs>
+                  </a:gsLst>
+                  <a:lin ang="5100000" scaled="0"/>
+                </a:gradFill>
+                <a:latin typeface="Cooper Black" pitchFamily="18" charset="0"/>
+              </a:rPr>
+              <a:t> </a:t>
+            </a:r>
+            <a:endParaRPr lang="en-US" sz="2400" dirty="0">
+              <a:gradFill>
+                <a:gsLst>
+                  <a:gs pos="0">
+                    <a:srgbClr val="FFF200"/>
+                  </a:gs>
+                  <a:gs pos="45000">
+                    <a:srgbClr val="FF7A00"/>
+                  </a:gs>
+                  <a:gs pos="70000">
+                    <a:srgbClr val="FF0300"/>
+                  </a:gs>
+                  <a:gs pos="100000">
+                    <a:srgbClr val="4D0808"/>
+                  </a:gs>
+                </a:gsLst>
+                <a:lin ang="5100000" scaled="0"/>
+              </a:gradFill>
+              <a:latin typeface="Cooper Black" pitchFamily="18" charset="0"/>
+            </a:endParaRPr>
+          </a:p>
+        </p:txBody>
+      </p:sp>
+    </p:spTree>
+  </p:cSld>
+  <p:clrMapOvr>
+    <a:masterClrMapping/>
+  </p:clrMapOvr>
+  <p:timing>
+    <p:tnLst>
+      <p:par>
+        <p:cTn id="1" dur="indefinite" restart="never" nodeType="tmRoot"/>
+      </p:par>
+    </p:tnLst>
+  </p:timing>
+</p:sld>
+</file>
+
+<file path=ppt/slides/slide15.xml><?xml version="1.0" encoding="utf-8"?>
+<p:sld xmlns:a="http://schemas.openxmlformats.org/drawingml/2006/main" xmlns:r="http://schemas.openxmlformats.org/officeDocument/2006/relationships" xmlns:p="http://schemas.openxmlformats.org/presentationml/2006/main">
+  <p:cSld>
+    <p:spTree>
+      <p:nvGrpSpPr>
+        <p:cNvPr id="1" name=""/>
+        <p:cNvGrpSpPr/>
+        <p:nvPr/>
+      </p:nvGrpSpPr>
+      <p:grpSpPr>
+        <a:xfrm>
+          <a:off x="0" y="0"/>
+          <a:ext cx="0" cy="0"/>
+          <a:chOff x="0" y="0"/>
+          <a:chExt cx="0" cy="0"/>
+        </a:xfrm>
+      </p:grpSpPr>
+      <p:sp>
+        <p:nvSpPr>
+          <p:cNvPr id="4" name="Rectangle 3"/>
+          <p:cNvSpPr/>
+          <p:nvPr/>
+        </p:nvSpPr>
+        <p:spPr>
+          <a:xfrm>
+            <a:off x="457200" y="2743200"/>
+            <a:ext cx="8153400" cy="2985433"/>
+          </a:xfrm>
+          <a:prstGeom prst="rect">
+            <a:avLst/>
+          </a:prstGeom>
+        </p:spPr>
+        <p:txBody>
+          <a:bodyPr wrap="square">
+            <a:spAutoFit/>
+          </a:bodyPr>
+          <a:lstStyle/>
+          <a:p>
+            <a:pPr algn="ctr"/>
+            <a:r>
+              <a:rPr lang="en-US" sz="2000" dirty="0" smtClean="0"/>
+              <a:t>“</a:t>
+            </a:r>
+            <a:r>
+              <a:rPr lang="en-US" sz="2000" dirty="0" smtClean="0">
+                <a:solidFill>
+                  <a:schemeClr val="tx1">
+                    <a:lumMod val="65000"/>
+                    <a:lumOff val="35000"/>
+                  </a:schemeClr>
+                </a:solidFill>
+              </a:rPr>
+              <a:t>Programmers </a:t>
+            </a:r>
+            <a:r>
+              <a:rPr lang="en-US" sz="2000" dirty="0">
+                <a:solidFill>
+                  <a:schemeClr val="tx1">
+                    <a:lumMod val="65000"/>
+                    <a:lumOff val="35000"/>
+                  </a:schemeClr>
+                </a:solidFill>
+              </a:rPr>
+              <a:t>waste enormous amounts of time thinking about, or worrying about, the speed of noncritical parts of their programs, and these attempts at efficiency actually have a strong negative impact when debugging and maintenance are considered. </a:t>
+            </a:r>
+            <a:r>
+              <a:rPr lang="en-US" sz="2000" dirty="0" smtClean="0"/>
+              <a:t/>
+            </a:r>
+            <a:br>
+              <a:rPr lang="en-US" sz="2000" dirty="0" smtClean="0"/>
+            </a:br>
+            <a:r>
+              <a:rPr lang="en-US" sz="2800" dirty="0" smtClean="0"/>
+              <a:t>We</a:t>
+            </a:r>
+            <a:r>
+              <a:rPr lang="en-US" sz="2800" dirty="0"/>
+              <a:t> </a:t>
+            </a:r>
+            <a:r>
+              <a:rPr lang="en-US" sz="2800" i="1" dirty="0"/>
+              <a:t>should</a:t>
+            </a:r>
+            <a:r>
+              <a:rPr lang="en-US" sz="2800" dirty="0"/>
+              <a:t> forget about small efficiencies, say about 97% of the time: </a:t>
+            </a:r>
+            <a:r>
+              <a:rPr lang="en-US" sz="2000" dirty="0" smtClean="0"/>
+              <a:t/>
+            </a:r>
+            <a:br>
+              <a:rPr lang="en-US" sz="2000" dirty="0" smtClean="0"/>
+            </a:br>
+            <a:r>
+              <a:rPr lang="en-US" sz="3200" b="1" dirty="0" smtClean="0"/>
+              <a:t>premature </a:t>
+            </a:r>
+            <a:r>
+              <a:rPr lang="en-US" sz="3200" b="1" dirty="0"/>
+              <a:t>optimization is the root of all evil.</a:t>
+            </a:r>
+            <a:r>
+              <a:rPr lang="en-US" sz="2000" dirty="0"/>
+              <a:t> </a:t>
+            </a:r>
+            <a:r>
+              <a:rPr lang="en-US" sz="2000" dirty="0" smtClean="0"/>
+              <a:t/>
+            </a:r>
+            <a:br>
+              <a:rPr lang="en-US" sz="2000" dirty="0" smtClean="0"/>
+            </a:br>
+            <a:r>
+              <a:rPr lang="en-US" sz="2000" dirty="0" smtClean="0"/>
+              <a:t>Yet </a:t>
+            </a:r>
+            <a:r>
+              <a:rPr lang="en-US" sz="2000" dirty="0"/>
+              <a:t>we should not pass up our opportunities in that critical 3</a:t>
+            </a:r>
+            <a:r>
+              <a:rPr lang="en-US" sz="2000" dirty="0" smtClean="0"/>
+              <a:t>%.”</a:t>
+            </a:r>
+            <a:endParaRPr lang="en-US" sz="2000" dirty="0"/>
+          </a:p>
+        </p:txBody>
+      </p:sp>
+      <p:pic>
+        <p:nvPicPr>
+          <p:cNvPr id="46082" name="Picture 2" descr="knuth.gif (210×243)"/>
+          <p:cNvPicPr>
+            <a:picLocks noChangeAspect="1" noChangeArrowheads="1"/>
+          </p:cNvPicPr>
+          <p:nvPr/>
+        </p:nvPicPr>
+        <p:blipFill>
+          <a:blip r:embed="rId2" cstate="print"/>
+          <a:srcRect/>
+          <a:stretch>
+            <a:fillRect/>
+          </a:stretch>
+        </p:blipFill>
+        <p:spPr bwMode="auto">
+          <a:xfrm>
+            <a:off x="609600" y="304800"/>
+            <a:ext cx="1600200" cy="1851660"/>
+          </a:xfrm>
+          <a:prstGeom prst="roundRect">
+            <a:avLst>
+              <a:gd name="adj" fmla="val 8594"/>
+            </a:avLst>
+          </a:prstGeom>
+          <a:solidFill>
+            <a:srgbClr val="FFFFFF">
+              <a:shade val="85000"/>
+            </a:srgbClr>
+          </a:solidFill>
+          <a:ln>
+            <a:noFill/>
+          </a:ln>
+          <a:effectLst>
+            <a:reflection blurRad="12700" stA="38000" endPos="28000" dist="5000" dir="5400000" sy="-100000" algn="bl" rotWithShape="0"/>
+          </a:effectLst>
+        </p:spPr>
+      </p:pic>
+      <p:sp>
+        <p:nvSpPr>
+          <p:cNvPr id="6" name="TextBox 5"/>
+          <p:cNvSpPr txBox="1"/>
+          <p:nvPr/>
+        </p:nvSpPr>
+        <p:spPr>
+          <a:xfrm>
+            <a:off x="2514600" y="457200"/>
+            <a:ext cx="2819400" cy="1600438"/>
+          </a:xfrm>
+          <a:prstGeom prst="rect">
+            <a:avLst/>
+          </a:prstGeom>
+          <a:noFill/>
+        </p:spPr>
+        <p:txBody>
+          <a:bodyPr wrap="square" rtlCol="0">
+            <a:spAutoFit/>
+          </a:bodyPr>
+          <a:lstStyle/>
+          <a:p>
+            <a:r>
+              <a:rPr lang="en-US" sz="3200" dirty="0">
+                <a:latin typeface="Baskerville Old Face" pitchFamily="18" charset="0"/>
+              </a:rPr>
+              <a:t>D</a:t>
+            </a:r>
+            <a:r>
+              <a:rPr lang="en-US" sz="3200" dirty="0" smtClean="0">
+                <a:latin typeface="Baskerville Old Face" pitchFamily="18" charset="0"/>
+              </a:rPr>
+              <a:t>r. Donald E. </a:t>
+            </a:r>
+            <a:br>
+              <a:rPr lang="en-US" sz="3200" dirty="0" smtClean="0">
+                <a:latin typeface="Baskerville Old Face" pitchFamily="18" charset="0"/>
+              </a:rPr>
+            </a:br>
+            <a:r>
+              <a:rPr lang="en-US" sz="6600" dirty="0" smtClean="0">
+                <a:latin typeface="Baskerville Old Face" pitchFamily="18" charset="0"/>
+              </a:rPr>
+              <a:t>Knuth</a:t>
+            </a:r>
+            <a:endParaRPr lang="en-US" sz="6600" dirty="0">
+              <a:latin typeface="Baskerville Old Face" pitchFamily="18" charset="0"/>
+            </a:endParaRPr>
+          </a:p>
+        </p:txBody>
+      </p:sp>
+    </p:spTree>
+  </p:cSld>
+  <p:clrMapOvr>
+    <a:masterClrMapping/>
+  </p:clrMapOvr>
+  <p:timing>
+    <p:tnLst>
+      <p:par>
+        <p:cTn id="1" dur="indefinite" restart="never" nodeType="tmRoot"/>
+      </p:par>
+    </p:tnLst>
+  </p:timing>
+</p:sld>
+</file>
+
+<file path=ppt/slides/slide16.xml><?xml version="1.0" encoding="utf-8"?>
+<p:sld xmlns:a="http://schemas.openxmlformats.org/drawingml/2006/main" xmlns:r="http://schemas.openxmlformats.org/officeDocument/2006/relationships" xmlns:p="http://schemas.openxmlformats.org/presentationml/2006/main">
+  <p:cSld>
+    <p:spTree>
+      <p:nvGrpSpPr>
+        <p:cNvPr id="1" name=""/>
+        <p:cNvGrpSpPr/>
+        <p:nvPr/>
+      </p:nvGrpSpPr>
+      <p:grpSpPr>
+        <a:xfrm>
+          <a:off x="0" y="0"/>
+          <a:ext cx="0" cy="0"/>
+          <a:chOff x="0" y="0"/>
+          <a:chExt cx="0" cy="0"/>
+        </a:xfrm>
+      </p:grpSpPr>
+      <p:pic>
+        <p:nvPicPr>
+          <p:cNvPr id="45058" name="Picture 2" descr="Vilfredo_Pareto.jpg (152×230)"/>
+          <p:cNvPicPr>
+            <a:picLocks noChangeAspect="1" noChangeArrowheads="1"/>
+          </p:cNvPicPr>
+          <p:nvPr/>
+        </p:nvPicPr>
+        <p:blipFill>
+          <a:blip r:embed="rId2" cstate="print"/>
+          <a:srcRect/>
+          <a:stretch>
+            <a:fillRect/>
+          </a:stretch>
+        </p:blipFill>
+        <p:spPr bwMode="auto">
+          <a:xfrm>
+            <a:off x="609600" y="152400"/>
+            <a:ext cx="1447800" cy="2190750"/>
+          </a:xfrm>
+          <a:prstGeom prst="roundRect">
+            <a:avLst>
+              <a:gd name="adj" fmla="val 8594"/>
+            </a:avLst>
+          </a:prstGeom>
+          <a:solidFill>
+            <a:srgbClr val="FFFFFF">
+              <a:shade val="85000"/>
+            </a:srgbClr>
+          </a:solidFill>
+          <a:ln>
+            <a:noFill/>
+          </a:ln>
+          <a:effectLst>
+            <a:reflection blurRad="12700" stA="38000" endPos="28000" dist="5000" dir="5400000" sy="-100000" algn="bl" rotWithShape="0"/>
+          </a:effectLst>
+        </p:spPr>
+      </p:pic>
+      <p:sp>
+        <p:nvSpPr>
+          <p:cNvPr id="5" name="TextBox 4"/>
+          <p:cNvSpPr txBox="1"/>
+          <p:nvPr/>
+        </p:nvSpPr>
+        <p:spPr>
+          <a:xfrm>
+            <a:off x="2514600" y="457200"/>
+            <a:ext cx="5715000" cy="1600438"/>
+          </a:xfrm>
+          <a:prstGeom prst="rect">
+            <a:avLst/>
+          </a:prstGeom>
+          <a:noFill/>
+        </p:spPr>
+        <p:txBody>
+          <a:bodyPr wrap="square" rtlCol="0">
+            <a:spAutoFit/>
+          </a:bodyPr>
+          <a:lstStyle/>
+          <a:p>
+            <a:r>
+              <a:rPr lang="en-US" sz="3200" dirty="0" err="1" smtClean="0">
+                <a:latin typeface="Baskerville Old Face" pitchFamily="18" charset="0"/>
+              </a:rPr>
+              <a:t>Vilfredo</a:t>
+            </a:r>
+            <a:r>
+              <a:rPr lang="en-US" sz="3200" dirty="0" smtClean="0">
+                <a:latin typeface="Baskerville Old Face" pitchFamily="18" charset="0"/>
+              </a:rPr>
+              <a:t/>
+            </a:r>
+            <a:br>
+              <a:rPr lang="en-US" sz="3200" dirty="0" smtClean="0">
+                <a:latin typeface="Baskerville Old Face" pitchFamily="18" charset="0"/>
+              </a:rPr>
+            </a:br>
+            <a:r>
+              <a:rPr lang="en-US" sz="6600" dirty="0" smtClean="0">
+                <a:latin typeface="Baskerville Old Face" pitchFamily="18" charset="0"/>
+              </a:rPr>
+              <a:t>Pareto</a:t>
+            </a:r>
+            <a:endParaRPr lang="en-US" sz="6600" dirty="0">
+              <a:latin typeface="Baskerville Old Face" pitchFamily="18" charset="0"/>
+            </a:endParaRPr>
+          </a:p>
+        </p:txBody>
+      </p:sp>
+      <p:graphicFrame>
+        <p:nvGraphicFramePr>
+          <p:cNvPr id="7" name="Chart 6"/>
+          <p:cNvGraphicFramePr/>
+          <p:nvPr/>
+        </p:nvGraphicFramePr>
+        <p:xfrm>
+          <a:off x="1295400" y="2286000"/>
+          <a:ext cx="6781800" cy="4775200"/>
+        </p:xfrm>
+        <a:graphic>
+          <a:graphicData uri="http://schemas.openxmlformats.org/drawingml/2006/chart">
+            <c:chart xmlns:c="http://schemas.openxmlformats.org/drawingml/2006/chart" xmlns:r="http://schemas.openxmlformats.org/officeDocument/2006/relationships" r:id="rId3"/>
+          </a:graphicData>
+        </a:graphic>
+      </p:graphicFrame>
+    </p:spTree>
+  </p:cSld>
+  <p:clrMapOvr>
+    <a:masterClrMapping/>
+  </p:clrMapOvr>
+  <p:timing>
+    <p:tnLst>
+      <p:par>
+        <p:cTn id="1" dur="indefinite" restart="never" nodeType="tmRoot"/>
+      </p:par>
+    </p:tnLst>
+  </p:timing>
+</p:sld>
+</file>
+
+<file path=ppt/slides/slide17.xml><?xml version="1.0" encoding="utf-8"?>
+<p:sld xmlns:a="http://schemas.openxmlformats.org/drawingml/2006/main" xmlns:r="http://schemas.openxmlformats.org/officeDocument/2006/relationships" xmlns:p="http://schemas.openxmlformats.org/presentationml/2006/main">
+  <p:cSld>
+    <p:spTree>
+      <p:nvGrpSpPr>
+        <p:cNvPr id="1" name=""/>
+        <p:cNvGrpSpPr/>
+        <p:nvPr/>
+      </p:nvGrpSpPr>
+      <p:grpSpPr>
+        <a:xfrm>
+          <a:off x="0" y="0"/>
+          <a:ext cx="0" cy="0"/>
+          <a:chOff x="0" y="0"/>
+          <a:chExt cx="0" cy="0"/>
+        </a:xfrm>
+      </p:grpSpPr>
+      <p:pic>
+        <p:nvPicPr>
+          <p:cNvPr id="47109" name="Picture 5"/>
+          <p:cNvPicPr>
+            <a:picLocks noChangeAspect="1" noChangeArrowheads="1"/>
+          </p:cNvPicPr>
+          <p:nvPr/>
+        </p:nvPicPr>
+        <p:blipFill>
+          <a:blip r:embed="rId2" cstate="print"/>
+          <a:srcRect/>
+          <a:stretch>
+            <a:fillRect/>
+          </a:stretch>
+        </p:blipFill>
+        <p:spPr bwMode="auto">
+          <a:xfrm>
+            <a:off x="190500" y="171450"/>
+            <a:ext cx="8763000" cy="6515100"/>
+          </a:xfrm>
+          <a:prstGeom prst="rect">
+            <a:avLst/>
+          </a:prstGeom>
+          <a:noFill/>
+          <a:ln w="9525">
+            <a:noFill/>
+            <a:miter lim="800000"/>
+            <a:headEnd/>
+            <a:tailEnd/>
+          </a:ln>
+        </p:spPr>
+      </p:pic>
+    </p:spTree>
+  </p:cSld>
+  <p:clrMapOvr>
+    <a:masterClrMapping/>
+  </p:clrMapOvr>
+  <p:timing>
+    <p:tnLst>
+      <p:par>
+        <p:cTn id="1" dur="indefinite" restart="never" nodeType="tmRoot"/>
+      </p:par>
+    </p:tnLst>
+  </p:timing>
+</p:sld>
+</file>
+
+<file path=ppt/slides/slide18.xml><?xml version="1.0" encoding="utf-8"?>
+<p:sld xmlns:a="http://schemas.openxmlformats.org/drawingml/2006/main" xmlns:r="http://schemas.openxmlformats.org/officeDocument/2006/relationships" xmlns:p="http://schemas.openxmlformats.org/presentationml/2006/main">
+  <p:cSld>
+    <p:spTree>
+      <p:nvGrpSpPr>
+        <p:cNvPr id="1" name=""/>
+        <p:cNvGrpSpPr/>
+        <p:nvPr/>
+      </p:nvGrpSpPr>
+      <p:grpSpPr>
+        <a:xfrm>
+          <a:off x="0" y="0"/>
+          <a:ext cx="0" cy="0"/>
+          <a:chOff x="0" y="0"/>
+          <a:chExt cx="0" cy="0"/>
+        </a:xfrm>
+      </p:grpSpPr>
+      <p:pic>
+        <p:nvPicPr>
+          <p:cNvPr id="48130" name="Picture 2"/>
+          <p:cNvPicPr>
+            <a:picLocks noChangeAspect="1" noChangeArrowheads="1"/>
+          </p:cNvPicPr>
+          <p:nvPr/>
+        </p:nvPicPr>
+        <p:blipFill>
+          <a:blip r:embed="rId2" cstate="print"/>
+          <a:srcRect/>
+          <a:stretch>
+            <a:fillRect/>
+          </a:stretch>
+        </p:blipFill>
+        <p:spPr bwMode="auto">
+          <a:xfrm>
+            <a:off x="152400" y="1905000"/>
+            <a:ext cx="8839200" cy="2416182"/>
+          </a:xfrm>
+          <a:prstGeom prst="rect">
+            <a:avLst/>
+          </a:prstGeom>
+          <a:noFill/>
+          <a:ln w="9525">
+            <a:noFill/>
+            <a:miter lim="800000"/>
+            <a:headEnd/>
+            <a:tailEnd/>
+          </a:ln>
+        </p:spPr>
+      </p:pic>
     </p:spTree>
   </p:cSld>
   <p:clrMapOvr>
@@ -4151,6 +6734,64 @@
       </p:grpSpPr>
       <p:pic>
         <p:nvPicPr>
+          <p:cNvPr id="11268" name="Picture 4" descr="complexity-map.jpg (346×312)"/>
+          <p:cNvPicPr>
+            <a:picLocks noChangeAspect="1" noChangeArrowheads="1"/>
+          </p:cNvPicPr>
+          <p:nvPr/>
+        </p:nvPicPr>
+        <p:blipFill>
+          <a:blip r:embed="rId2" cstate="print"/>
+          <a:srcRect/>
+          <a:stretch>
+            <a:fillRect/>
+          </a:stretch>
+        </p:blipFill>
+        <p:spPr bwMode="auto">
+          <a:xfrm>
+            <a:off x="1371600" y="609600"/>
+            <a:ext cx="6172200" cy="5565685"/>
+          </a:xfrm>
+          <a:prstGeom prst="rect">
+            <a:avLst/>
+          </a:prstGeom>
+          <a:noFill/>
+        </p:spPr>
+      </p:pic>
+    </p:spTree>
+  </p:cSld>
+  <p:clrMapOvr>
+    <a:masterClrMapping/>
+  </p:clrMapOvr>
+  <p:timing>
+    <p:tnLst>
+      <p:par>
+        <p:cTn id="1" dur="indefinite" restart="never" nodeType="tmRoot"/>
+      </p:par>
+    </p:tnLst>
+  </p:timing>
+</p:sld>
+</file>
+
+<file path=ppt/slides/slide3.xml><?xml version="1.0" encoding="utf-8"?>
+<p:sld xmlns:a="http://schemas.openxmlformats.org/drawingml/2006/main" xmlns:r="http://schemas.openxmlformats.org/officeDocument/2006/relationships" xmlns:p="http://schemas.openxmlformats.org/presentationml/2006/main">
+  <p:cSld>
+    <p:spTree>
+      <p:nvGrpSpPr>
+        <p:cNvPr id="1" name=""/>
+        <p:cNvGrpSpPr/>
+        <p:nvPr/>
+      </p:nvGrpSpPr>
+      <p:grpSpPr>
+        <a:xfrm>
+          <a:off x="0" y="0"/>
+          <a:ext cx="0" cy="0"/>
+          <a:chOff x="0" y="0"/>
+          <a:chExt cx="0" cy="0"/>
+        </a:xfrm>
+      </p:grpSpPr>
+      <p:pic>
+        <p:nvPicPr>
           <p:cNvPr id="14339" name="Picture 3"/>
           <p:cNvPicPr>
             <a:picLocks noChangeAspect="1" noChangeArrowheads="1"/>
@@ -4165,8 +6806,8 @@
         </p:blipFill>
         <p:spPr bwMode="auto">
           <a:xfrm>
-            <a:off x="1066800" y="685800"/>
-            <a:ext cx="6818472" cy="5257800"/>
+            <a:off x="1752600" y="1143000"/>
+            <a:ext cx="5731469" cy="4419600"/>
           </a:xfrm>
           <a:prstGeom prst="rect">
             <a:avLst/>
@@ -4192,7 +6833,7 @@
 </p:sld>
 </file>
 
-<file path=ppt/slides/slide3.xml><?xml version="1.0" encoding="utf-8"?>
+<file path=ppt/slides/slide4.xml><?xml version="1.0" encoding="utf-8"?>
 <p:sld xmlns:a="http://schemas.openxmlformats.org/drawingml/2006/main" xmlns:r="http://schemas.openxmlformats.org/officeDocument/2006/relationships" xmlns:p="http://schemas.openxmlformats.org/presentationml/2006/main">
   <p:cSld>
     <p:spTree>
@@ -4285,7 +6926,7 @@
                 <a:latin typeface="Consolas" pitchFamily="49" charset="0"/>
                 <a:cs typeface="Consolas" pitchFamily="49" charset="0"/>
               </a:rPr>
-              <a:t> &lt; 10000000; </a:t>
+              <a:t> &lt; 30000; </a:t>
             </a:r>
             <a:r>
               <a:rPr lang="en-US" sz="2800" dirty="0" err="1" smtClean="0">
@@ -4355,10 +6996,17 @@
   <p:clrMapOvr>
     <a:masterClrMapping/>
   </p:clrMapOvr>
+  <p:timing>
+    <p:tnLst>
+      <p:par>
+        <p:cTn id="1" dur="indefinite" restart="never" nodeType="tmRoot"/>
+      </p:par>
+    </p:tnLst>
+  </p:timing>
 </p:sld>
 </file>
 
-<file path=ppt/slides/slide4.xml><?xml version="1.0" encoding="utf-8"?>
+<file path=ppt/slides/slide5.xml><?xml version="1.0" encoding="utf-8"?>
 <p:sld xmlns:a="http://schemas.openxmlformats.org/drawingml/2006/main" xmlns:r="http://schemas.openxmlformats.org/officeDocument/2006/relationships" xmlns:p="http://schemas.openxmlformats.org/presentationml/2006/main">
   <p:cSld>
     <p:spTree>
@@ -4506,7 +7154,7 @@
                 <a:latin typeface="Consolas" pitchFamily="49" charset="0"/>
                 <a:cs typeface="Consolas" pitchFamily="49" charset="0"/>
               </a:rPr>
-              <a:t> &lt; 10000000; </a:t>
+              <a:t> &lt; 30000; </a:t>
             </a:r>
             <a:r>
               <a:rPr lang="en-US" sz="2800" dirty="0" err="1" smtClean="0">
@@ -4626,10 +7274,17 @@
   <p:clrMapOvr>
     <a:masterClrMapping/>
   </p:clrMapOvr>
+  <p:timing>
+    <p:tnLst>
+      <p:par>
+        <p:cTn id="1" dur="indefinite" restart="never" nodeType="tmRoot"/>
+      </p:par>
+    </p:tnLst>
+  </p:timing>
 </p:sld>
 </file>
 
-<file path=ppt/slides/slide5.xml><?xml version="1.0" encoding="utf-8"?>
+<file path=ppt/slides/slide6.xml><?xml version="1.0" encoding="utf-8"?>
 <p:sld xmlns:a="http://schemas.openxmlformats.org/drawingml/2006/main" xmlns:r="http://schemas.openxmlformats.org/officeDocument/2006/relationships" xmlns:p="http://schemas.openxmlformats.org/presentationml/2006/main">
   <p:cSld>
     <p:spTree>
@@ -4814,10 +7469,17 @@
   <p:clrMapOvr>
     <a:masterClrMapping/>
   </p:clrMapOvr>
+  <p:timing>
+    <p:tnLst>
+      <p:par>
+        <p:cTn id="1" dur="indefinite" restart="never" nodeType="tmRoot"/>
+      </p:par>
+    </p:tnLst>
+  </p:timing>
 </p:sld>
 </file>
 
-<file path=ppt/slides/slide6.xml><?xml version="1.0" encoding="utf-8"?>
+<file path=ppt/slides/slide7.xml><?xml version="1.0" encoding="utf-8"?>
 <p:sld xmlns:a="http://schemas.openxmlformats.org/drawingml/2006/main" xmlns:r="http://schemas.openxmlformats.org/officeDocument/2006/relationships" xmlns:p="http://schemas.openxmlformats.org/presentationml/2006/main">
   <p:cSld>
     <p:spTree>
@@ -4953,10 +7615,17 @@
   <p:clrMapOvr>
     <a:masterClrMapping/>
   </p:clrMapOvr>
+  <p:timing>
+    <p:tnLst>
+      <p:par>
+        <p:cTn id="1" dur="indefinite" restart="never" nodeType="tmRoot"/>
+      </p:par>
+    </p:tnLst>
+  </p:timing>
 </p:sld>
 </file>
 
-<file path=ppt/slides/slide7.xml><?xml version="1.0" encoding="utf-8"?>
+<file path=ppt/slides/slide8.xml><?xml version="1.0" encoding="utf-8"?>
 <p:sld xmlns:a="http://schemas.openxmlformats.org/drawingml/2006/main" xmlns:r="http://schemas.openxmlformats.org/officeDocument/2006/relationships" xmlns:p="http://schemas.openxmlformats.org/presentationml/2006/main">
   <p:cSld>
     <p:spTree>
@@ -6054,1404 +8723,6 @@
 </p:sld>
 </file>
 
-<file path=ppt/slides/slide8.xml><?xml version="1.0" encoding="utf-8"?>
-<p:sld xmlns:a="http://schemas.openxmlformats.org/drawingml/2006/main" xmlns:r="http://schemas.openxmlformats.org/officeDocument/2006/relationships" xmlns:p="http://schemas.openxmlformats.org/presentationml/2006/main">
-  <p:cSld>
-    <p:spTree>
-      <p:nvGrpSpPr>
-        <p:cNvPr id="1" name=""/>
-        <p:cNvGrpSpPr/>
-        <p:nvPr/>
-      </p:nvGrpSpPr>
-      <p:grpSpPr>
-        <a:xfrm>
-          <a:off x="0" y="0"/>
-          <a:ext cx="0" cy="0"/>
-          <a:chOff x="0" y="0"/>
-          <a:chExt cx="0" cy="0"/>
-        </a:xfrm>
-      </p:grpSpPr>
-      <p:sp>
-        <p:nvSpPr>
-          <p:cNvPr id="6" name="TextBox 5"/>
-          <p:cNvSpPr txBox="1"/>
-          <p:nvPr/>
-        </p:nvSpPr>
-        <p:spPr>
-          <a:xfrm>
-            <a:off x="228600" y="533400"/>
-            <a:ext cx="6781800" cy="1261884"/>
-          </a:xfrm>
-          <a:prstGeom prst="rect">
-            <a:avLst/>
-          </a:prstGeom>
-          <a:noFill/>
-        </p:spPr>
-        <p:txBody>
-          <a:bodyPr wrap="square" rtlCol="0">
-            <a:spAutoFit/>
-          </a:bodyPr>
-          <a:lstStyle/>
-          <a:p>
-            <a:r>
-              <a:rPr lang="en-US" sz="2800" b="1" dirty="0" smtClean="0">
-                <a:latin typeface="Consolas" pitchFamily="49" charset="0"/>
-                <a:cs typeface="Consolas" pitchFamily="49" charset="0"/>
-              </a:rPr>
-              <a:t>for</a:t>
-            </a:r>
-            <a:r>
-              <a:rPr lang="en-US" sz="2800" dirty="0" smtClean="0">
-                <a:latin typeface="Consolas" pitchFamily="49" charset="0"/>
-                <a:cs typeface="Consolas" pitchFamily="49" charset="0"/>
-              </a:rPr>
-              <a:t>(</a:t>
-            </a:r>
-            <a:r>
-              <a:rPr lang="en-US" sz="2800" b="1" dirty="0" err="1" smtClean="0">
-                <a:latin typeface="Consolas" pitchFamily="49" charset="0"/>
-                <a:cs typeface="Consolas" pitchFamily="49" charset="0"/>
-              </a:rPr>
-              <a:t>int</a:t>
-            </a:r>
-            <a:r>
-              <a:rPr lang="en-US" sz="2800" dirty="0" smtClean="0">
-                <a:latin typeface="Consolas" pitchFamily="49" charset="0"/>
-                <a:cs typeface="Consolas" pitchFamily="49" charset="0"/>
-              </a:rPr>
-              <a:t> </a:t>
-            </a:r>
-            <a:r>
-              <a:rPr lang="en-US" sz="2800" dirty="0" err="1" smtClean="0">
-                <a:latin typeface="Consolas" pitchFamily="49" charset="0"/>
-                <a:cs typeface="Consolas" pitchFamily="49" charset="0"/>
-              </a:rPr>
-              <a:t>i</a:t>
-            </a:r>
-            <a:r>
-              <a:rPr lang="en-US" sz="2800" dirty="0" smtClean="0">
-                <a:latin typeface="Consolas" pitchFamily="49" charset="0"/>
-                <a:cs typeface="Consolas" pitchFamily="49" charset="0"/>
-              </a:rPr>
-              <a:t> = 0; </a:t>
-            </a:r>
-            <a:r>
-              <a:rPr lang="en-US" sz="2800" dirty="0" err="1" smtClean="0">
-                <a:latin typeface="Consolas" pitchFamily="49" charset="0"/>
-                <a:cs typeface="Consolas" pitchFamily="49" charset="0"/>
-              </a:rPr>
-              <a:t>i</a:t>
-            </a:r>
-            <a:r>
-              <a:rPr lang="en-US" sz="2800" dirty="0" smtClean="0">
-                <a:latin typeface="Consolas" pitchFamily="49" charset="0"/>
-                <a:cs typeface="Consolas" pitchFamily="49" charset="0"/>
-              </a:rPr>
-              <a:t> &lt; </a:t>
-            </a:r>
-            <a:r>
-              <a:rPr lang="en-US" sz="4800" b="1" dirty="0" smtClean="0">
-                <a:latin typeface="Consolas" pitchFamily="49" charset="0"/>
-                <a:cs typeface="Consolas" pitchFamily="49" charset="0"/>
-              </a:rPr>
-              <a:t>n</a:t>
-            </a:r>
-            <a:r>
-              <a:rPr lang="en-US" sz="2800" dirty="0" smtClean="0">
-                <a:latin typeface="Consolas" pitchFamily="49" charset="0"/>
-                <a:cs typeface="Consolas" pitchFamily="49" charset="0"/>
-              </a:rPr>
-              <a:t>; </a:t>
-            </a:r>
-            <a:r>
-              <a:rPr lang="en-US" sz="2800" dirty="0" err="1" smtClean="0">
-                <a:latin typeface="Consolas" pitchFamily="49" charset="0"/>
-                <a:cs typeface="Consolas" pitchFamily="49" charset="0"/>
-              </a:rPr>
-              <a:t>i</a:t>
-            </a:r>
-            <a:r>
-              <a:rPr lang="en-US" sz="2800" dirty="0" smtClean="0">
-                <a:latin typeface="Consolas" pitchFamily="49" charset="0"/>
-                <a:cs typeface="Consolas" pitchFamily="49" charset="0"/>
-              </a:rPr>
-              <a:t>++)</a:t>
-            </a:r>
-          </a:p>
-          <a:p>
-            <a:r>
-              <a:rPr lang="en-US" sz="2800" dirty="0">
-                <a:latin typeface="Consolas" pitchFamily="49" charset="0"/>
-                <a:cs typeface="Consolas" pitchFamily="49" charset="0"/>
-              </a:rPr>
-              <a:t> </a:t>
-            </a:r>
-            <a:r>
-              <a:rPr lang="en-US" sz="2800" dirty="0" smtClean="0">
-                <a:latin typeface="Consolas" pitchFamily="49" charset="0"/>
-                <a:cs typeface="Consolas" pitchFamily="49" charset="0"/>
-              </a:rPr>
-              <a:t>   s += “whatever”;</a:t>
-            </a:r>
-            <a:endParaRPr lang="en-US" sz="2800" dirty="0">
-              <a:latin typeface="Consolas" pitchFamily="49" charset="0"/>
-              <a:cs typeface="Consolas" pitchFamily="49" charset="0"/>
-            </a:endParaRPr>
-          </a:p>
-        </p:txBody>
-      </p:sp>
-      <p:sp>
-        <p:nvSpPr>
-          <p:cNvPr id="4" name="TextBox 3"/>
-          <p:cNvSpPr txBox="1"/>
-          <p:nvPr/>
-        </p:nvSpPr>
-        <p:spPr>
-          <a:xfrm>
-            <a:off x="5791200" y="609600"/>
-            <a:ext cx="3124200" cy="1323439"/>
-          </a:xfrm>
-          <a:prstGeom prst="rect">
-            <a:avLst/>
-          </a:prstGeom>
-          <a:noFill/>
-        </p:spPr>
-        <p:txBody>
-          <a:bodyPr wrap="square" rtlCol="0">
-            <a:spAutoFit/>
-          </a:bodyPr>
-          <a:lstStyle/>
-          <a:p>
-            <a:r>
-              <a:rPr lang="en-US" sz="8000" i="1" dirty="0" smtClean="0">
-                <a:latin typeface="Times New Roman" pitchFamily="18" charset="0"/>
-                <a:cs typeface="Times New Roman" pitchFamily="18" charset="0"/>
-              </a:rPr>
-              <a:t>O(n)?</a:t>
-            </a:r>
-            <a:endParaRPr lang="en-US" sz="8000" i="1" dirty="0">
-              <a:latin typeface="Times New Roman" pitchFamily="18" charset="0"/>
-              <a:cs typeface="Times New Roman" pitchFamily="18" charset="0"/>
-            </a:endParaRPr>
-          </a:p>
-        </p:txBody>
-      </p:sp>
-      <p:pic>
-        <p:nvPicPr>
-          <p:cNvPr id="5" name="Picture 2" descr="160x160.jpg (160×160)"/>
-          <p:cNvPicPr>
-            <a:picLocks noChangeAspect="1" noChangeArrowheads="1"/>
-          </p:cNvPicPr>
-          <p:nvPr/>
-        </p:nvPicPr>
-        <p:blipFill>
-          <a:blip r:embed="rId3" cstate="print"/>
-          <a:srcRect/>
-          <a:stretch>
-            <a:fillRect/>
-          </a:stretch>
-        </p:blipFill>
-        <p:spPr bwMode="auto">
-          <a:xfrm>
-            <a:off x="6629400" y="4343399"/>
-            <a:ext cx="2514600" cy="2514601"/>
-          </a:xfrm>
-          <a:prstGeom prst="rect">
-            <a:avLst/>
-          </a:prstGeom>
-          <a:noFill/>
-        </p:spPr>
-      </p:pic>
-      <p:graphicFrame>
-        <p:nvGraphicFramePr>
-          <p:cNvPr id="7" name="Table 6"/>
-          <p:cNvGraphicFramePr>
-            <a:graphicFrameLocks noGrp="1"/>
-          </p:cNvGraphicFramePr>
-          <p:nvPr/>
-        </p:nvGraphicFramePr>
-        <p:xfrm>
-          <a:off x="914400" y="2514600"/>
-          <a:ext cx="4343400" cy="3429000"/>
-        </p:xfrm>
-        <a:graphic>
-          <a:graphicData uri="http://schemas.openxmlformats.org/drawingml/2006/table">
-            <a:tbl>
-              <a:tblPr/>
-              <a:tblGrid>
-                <a:gridCol w="1137698"/>
-                <a:gridCol w="1546558"/>
-                <a:gridCol w="1659144"/>
-              </a:tblGrid>
-              <a:tr h="598714">
-                <a:tc>
-                  <a:txBody>
-                    <a:bodyPr/>
-                    <a:lstStyle/>
-                    <a:p>
-                      <a:pPr algn="l" fontAlgn="b"/>
-                      <a:r>
-                        <a:rPr lang="en-US" sz="2400" b="1" i="0" u="none" strike="noStrike" dirty="0" err="1">
-                          <a:solidFill>
-                            <a:srgbClr val="000000"/>
-                          </a:solidFill>
-                          <a:latin typeface="Calibri"/>
-                        </a:rPr>
-                        <a:t>i</a:t>
-                      </a:r>
-                      <a:endParaRPr lang="en-US" sz="2400" b="1" i="0" u="none" strike="noStrike" dirty="0">
-                        <a:solidFill>
-                          <a:srgbClr val="000000"/>
-                        </a:solidFill>
-                        <a:latin typeface="Calibri"/>
-                      </a:endParaRPr>
-                    </a:p>
-                  </a:txBody>
-                  <a:tcPr marL="9525" marR="9525" marT="9525" marB="0" anchor="b">
-                    <a:lnL w="6350" cap="flat" cmpd="sng" algn="ctr">
-                      <a:solidFill>
-                        <a:srgbClr val="000000"/>
-                      </a:solidFill>
-                      <a:prstDash val="solid"/>
-                      <a:round/>
-                      <a:headEnd type="none" w="med" len="med"/>
-                      <a:tailEnd type="none" w="med" len="med"/>
-                    </a:lnL>
-                    <a:lnR w="6350" cap="flat" cmpd="sng" algn="ctr">
-                      <a:solidFill>
-                        <a:srgbClr val="000000"/>
-                      </a:solidFill>
-                      <a:prstDash val="solid"/>
-                      <a:round/>
-                      <a:headEnd type="none" w="med" len="med"/>
-                      <a:tailEnd type="none" w="med" len="med"/>
-                    </a:lnR>
-                    <a:lnT w="6350" cap="flat" cmpd="sng" algn="ctr">
-                      <a:solidFill>
-                        <a:srgbClr val="000000"/>
-                      </a:solidFill>
-                      <a:prstDash val="solid"/>
-                      <a:round/>
-                      <a:headEnd type="none" w="med" len="med"/>
-                      <a:tailEnd type="none" w="med" len="med"/>
-                    </a:lnT>
-                    <a:lnB w="6350" cap="flat" cmpd="sng" algn="ctr">
-                      <a:solidFill>
-                        <a:srgbClr val="000000"/>
-                      </a:solidFill>
-                      <a:prstDash val="solid"/>
-                      <a:round/>
-                      <a:headEnd type="none" w="med" len="med"/>
-                      <a:tailEnd type="none" w="med" len="med"/>
-                    </a:lnB>
-                  </a:tcPr>
-                </a:tc>
-                <a:tc>
-                  <a:txBody>
-                    <a:bodyPr/>
-                    <a:lstStyle/>
-                    <a:p>
-                      <a:pPr algn="l" fontAlgn="b"/>
-                      <a:r>
-                        <a:rPr lang="en-US" sz="2400" b="1" i="0" u="none" strike="noStrike" dirty="0" err="1" smtClean="0">
-                          <a:solidFill>
-                            <a:srgbClr val="000000"/>
-                          </a:solidFill>
-                          <a:latin typeface="Calibri"/>
-                        </a:rPr>
-                        <a:t>len</a:t>
-                      </a:r>
-                      <a:r>
-                        <a:rPr lang="en-US" sz="2400" b="1" i="0" u="none" strike="noStrike" dirty="0" smtClean="0">
-                          <a:solidFill>
-                            <a:srgbClr val="000000"/>
-                          </a:solidFill>
-                          <a:latin typeface="Calibri"/>
-                        </a:rPr>
-                        <a:t>(s)</a:t>
-                      </a:r>
-                      <a:endParaRPr lang="en-US" sz="2400" b="1" i="0" u="none" strike="noStrike" dirty="0">
-                        <a:solidFill>
-                          <a:srgbClr val="000000"/>
-                        </a:solidFill>
-                        <a:latin typeface="Calibri"/>
-                      </a:endParaRPr>
-                    </a:p>
-                  </a:txBody>
-                  <a:tcPr marL="9525" marR="9525" marT="9525" marB="0" anchor="b">
-                    <a:lnL w="6350" cap="flat" cmpd="sng" algn="ctr">
-                      <a:solidFill>
-                        <a:srgbClr val="000000"/>
-                      </a:solidFill>
-                      <a:prstDash val="solid"/>
-                      <a:round/>
-                      <a:headEnd type="none" w="med" len="med"/>
-                      <a:tailEnd type="none" w="med" len="med"/>
-                    </a:lnL>
-                    <a:lnR w="6350" cap="flat" cmpd="sng" algn="ctr">
-                      <a:solidFill>
-                        <a:srgbClr val="000000"/>
-                      </a:solidFill>
-                      <a:prstDash val="solid"/>
-                      <a:round/>
-                      <a:headEnd type="none" w="med" len="med"/>
-                      <a:tailEnd type="none" w="med" len="med"/>
-                    </a:lnR>
-                    <a:lnT w="6350" cap="flat" cmpd="sng" algn="ctr">
-                      <a:solidFill>
-                        <a:srgbClr val="000000"/>
-                      </a:solidFill>
-                      <a:prstDash val="solid"/>
-                      <a:round/>
-                      <a:headEnd type="none" w="med" len="med"/>
-                      <a:tailEnd type="none" w="med" len="med"/>
-                    </a:lnT>
-                    <a:lnB w="6350" cap="flat" cmpd="sng" algn="ctr">
-                      <a:solidFill>
-                        <a:srgbClr val="000000"/>
-                      </a:solidFill>
-                      <a:prstDash val="solid"/>
-                      <a:round/>
-                      <a:headEnd type="none" w="med" len="med"/>
-                      <a:tailEnd type="none" w="med" len="med"/>
-                    </a:lnB>
-                  </a:tcPr>
-                </a:tc>
-                <a:tc>
-                  <a:txBody>
-                    <a:bodyPr/>
-                    <a:lstStyle/>
-                    <a:p>
-                      <a:pPr algn="l" fontAlgn="b"/>
-                      <a:r>
-                        <a:rPr lang="en-US" sz="2400" b="1" i="0" u="none" strike="noStrike" dirty="0" err="1">
-                          <a:solidFill>
-                            <a:srgbClr val="000000"/>
-                          </a:solidFill>
-                          <a:latin typeface="Calibri"/>
-                        </a:rPr>
-                        <a:t>custo</a:t>
-                      </a:r>
-                      <a:endParaRPr lang="en-US" sz="2400" b="1" i="0" u="none" strike="noStrike" dirty="0">
-                        <a:solidFill>
-                          <a:srgbClr val="000000"/>
-                        </a:solidFill>
-                        <a:latin typeface="Calibri"/>
-                      </a:endParaRPr>
-                    </a:p>
-                  </a:txBody>
-                  <a:tcPr marL="9525" marR="9525" marT="9525" marB="0" anchor="b">
-                    <a:lnL w="6350" cap="flat" cmpd="sng" algn="ctr">
-                      <a:solidFill>
-                        <a:srgbClr val="000000"/>
-                      </a:solidFill>
-                      <a:prstDash val="solid"/>
-                      <a:round/>
-                      <a:headEnd type="none" w="med" len="med"/>
-                      <a:tailEnd type="none" w="med" len="med"/>
-                    </a:lnL>
-                    <a:lnR w="6350" cap="flat" cmpd="sng" algn="ctr">
-                      <a:solidFill>
-                        <a:srgbClr val="000000"/>
-                      </a:solidFill>
-                      <a:prstDash val="solid"/>
-                      <a:round/>
-                      <a:headEnd type="none" w="med" len="med"/>
-                      <a:tailEnd type="none" w="med" len="med"/>
-                    </a:lnR>
-                    <a:lnT w="6350" cap="flat" cmpd="sng" algn="ctr">
-                      <a:solidFill>
-                        <a:srgbClr val="000000"/>
-                      </a:solidFill>
-                      <a:prstDash val="solid"/>
-                      <a:round/>
-                      <a:headEnd type="none" w="med" len="med"/>
-                      <a:tailEnd type="none" w="med" len="med"/>
-                    </a:lnT>
-                    <a:lnB w="6350" cap="flat" cmpd="sng" algn="ctr">
-                      <a:solidFill>
-                        <a:srgbClr val="000000"/>
-                      </a:solidFill>
-                      <a:prstDash val="solid"/>
-                      <a:round/>
-                      <a:headEnd type="none" w="med" len="med"/>
-                      <a:tailEnd type="none" w="med" len="med"/>
-                    </a:lnB>
-                  </a:tcPr>
-                </a:tc>
-              </a:tr>
-              <a:tr h="0">
-                <a:tc>
-                  <a:txBody>
-                    <a:bodyPr/>
-                    <a:lstStyle/>
-                    <a:p>
-                      <a:pPr algn="l" fontAlgn="b"/>
-                      <a:r>
-                        <a:rPr lang="en-US" sz="2400" b="0" i="0" u="none" strike="noStrike" dirty="0" smtClean="0">
-                          <a:solidFill>
-                            <a:srgbClr val="000000"/>
-                          </a:solidFill>
-                          <a:latin typeface="Calibri"/>
-                        </a:rPr>
-                        <a:t>0</a:t>
-                      </a:r>
-                      <a:endParaRPr lang="en-US" sz="2400" b="0" i="0" u="none" strike="noStrike" dirty="0">
-                        <a:solidFill>
-                          <a:srgbClr val="000000"/>
-                        </a:solidFill>
-                        <a:latin typeface="Calibri"/>
-                      </a:endParaRPr>
-                    </a:p>
-                  </a:txBody>
-                  <a:tcPr marL="9525" marR="9525" marT="9525" marB="0" anchor="b">
-                    <a:lnL w="6350" cap="flat" cmpd="sng" algn="ctr">
-                      <a:solidFill>
-                        <a:srgbClr val="000000"/>
-                      </a:solidFill>
-                      <a:prstDash val="solid"/>
-                      <a:round/>
-                      <a:headEnd type="none" w="med" len="med"/>
-                      <a:tailEnd type="none" w="med" len="med"/>
-                    </a:lnL>
-                    <a:lnR w="6350" cap="flat" cmpd="sng" algn="ctr">
-                      <a:solidFill>
-                        <a:srgbClr val="000000"/>
-                      </a:solidFill>
-                      <a:prstDash val="solid"/>
-                      <a:round/>
-                      <a:headEnd type="none" w="med" len="med"/>
-                      <a:tailEnd type="none" w="med" len="med"/>
-                    </a:lnR>
-                    <a:lnT w="6350" cap="flat" cmpd="sng" algn="ctr">
-                      <a:solidFill>
-                        <a:srgbClr val="000000"/>
-                      </a:solidFill>
-                      <a:prstDash val="solid"/>
-                      <a:round/>
-                      <a:headEnd type="none" w="med" len="med"/>
-                      <a:tailEnd type="none" w="med" len="med"/>
-                    </a:lnT>
-                    <a:lnB w="6350" cap="flat" cmpd="sng" algn="ctr">
-                      <a:solidFill>
-                        <a:srgbClr val="000000"/>
-                      </a:solidFill>
-                      <a:prstDash val="solid"/>
-                      <a:round/>
-                      <a:headEnd type="none" w="med" len="med"/>
-                      <a:tailEnd type="none" w="med" len="med"/>
-                    </a:lnB>
-                  </a:tcPr>
-                </a:tc>
-                <a:tc>
-                  <a:txBody>
-                    <a:bodyPr/>
-                    <a:lstStyle/>
-                    <a:p>
-                      <a:pPr algn="l" fontAlgn="b"/>
-                      <a:r>
-                        <a:rPr lang="en-US" sz="2400" b="0" i="0" u="none" strike="noStrike">
-                          <a:solidFill>
-                            <a:srgbClr val="000000"/>
-                          </a:solidFill>
-                          <a:latin typeface="Calibri"/>
-                        </a:rPr>
-                        <a:t>0</a:t>
-                      </a:r>
-                    </a:p>
-                  </a:txBody>
-                  <a:tcPr marL="9525" marR="9525" marT="9525" marB="0" anchor="b">
-                    <a:lnL w="6350" cap="flat" cmpd="sng" algn="ctr">
-                      <a:solidFill>
-                        <a:srgbClr val="000000"/>
-                      </a:solidFill>
-                      <a:prstDash val="solid"/>
-                      <a:round/>
-                      <a:headEnd type="none" w="med" len="med"/>
-                      <a:tailEnd type="none" w="med" len="med"/>
-                    </a:lnL>
-                    <a:lnR w="6350" cap="flat" cmpd="sng" algn="ctr">
-                      <a:solidFill>
-                        <a:srgbClr val="000000"/>
-                      </a:solidFill>
-                      <a:prstDash val="solid"/>
-                      <a:round/>
-                      <a:headEnd type="none" w="med" len="med"/>
-                      <a:tailEnd type="none" w="med" len="med"/>
-                    </a:lnR>
-                    <a:lnT w="6350" cap="flat" cmpd="sng" algn="ctr">
-                      <a:solidFill>
-                        <a:srgbClr val="000000"/>
-                      </a:solidFill>
-                      <a:prstDash val="solid"/>
-                      <a:round/>
-                      <a:headEnd type="none" w="med" len="med"/>
-                      <a:tailEnd type="none" w="med" len="med"/>
-                    </a:lnT>
-                    <a:lnB w="6350" cap="flat" cmpd="sng" algn="ctr">
-                      <a:solidFill>
-                        <a:srgbClr val="000000"/>
-                      </a:solidFill>
-                      <a:prstDash val="solid"/>
-                      <a:round/>
-                      <a:headEnd type="none" w="med" len="med"/>
-                      <a:tailEnd type="none" w="med" len="med"/>
-                    </a:lnB>
-                  </a:tcPr>
-                </a:tc>
-                <a:tc>
-                  <a:txBody>
-                    <a:bodyPr/>
-                    <a:lstStyle/>
-                    <a:p>
-                      <a:pPr algn="l" fontAlgn="b"/>
-                      <a:r>
-                        <a:rPr lang="en-US" sz="2400" b="0" i="0" u="none" strike="noStrike">
-                          <a:solidFill>
-                            <a:srgbClr val="000000"/>
-                          </a:solidFill>
-                          <a:latin typeface="Calibri"/>
-                        </a:rPr>
-                        <a:t>L</a:t>
-                      </a:r>
-                    </a:p>
-                  </a:txBody>
-                  <a:tcPr marL="9525" marR="9525" marT="9525" marB="0" anchor="b">
-                    <a:lnL w="6350" cap="flat" cmpd="sng" algn="ctr">
-                      <a:solidFill>
-                        <a:srgbClr val="000000"/>
-                      </a:solidFill>
-                      <a:prstDash val="solid"/>
-                      <a:round/>
-                      <a:headEnd type="none" w="med" len="med"/>
-                      <a:tailEnd type="none" w="med" len="med"/>
-                    </a:lnL>
-                    <a:lnR w="6350" cap="flat" cmpd="sng" algn="ctr">
-                      <a:solidFill>
-                        <a:srgbClr val="000000"/>
-                      </a:solidFill>
-                      <a:prstDash val="solid"/>
-                      <a:round/>
-                      <a:headEnd type="none" w="med" len="med"/>
-                      <a:tailEnd type="none" w="med" len="med"/>
-                    </a:lnR>
-                    <a:lnT w="6350" cap="flat" cmpd="sng" algn="ctr">
-                      <a:solidFill>
-                        <a:srgbClr val="000000"/>
-                      </a:solidFill>
-                      <a:prstDash val="solid"/>
-                      <a:round/>
-                      <a:headEnd type="none" w="med" len="med"/>
-                      <a:tailEnd type="none" w="med" len="med"/>
-                    </a:lnT>
-                    <a:lnB w="6350" cap="flat" cmpd="sng" algn="ctr">
-                      <a:solidFill>
-                        <a:srgbClr val="000000"/>
-                      </a:solidFill>
-                      <a:prstDash val="solid"/>
-                      <a:round/>
-                      <a:headEnd type="none" w="med" len="med"/>
-                      <a:tailEnd type="none" w="med" len="med"/>
-                    </a:lnB>
-                  </a:tcPr>
-                </a:tc>
-              </a:tr>
-              <a:tr h="0">
-                <a:tc>
-                  <a:txBody>
-                    <a:bodyPr/>
-                    <a:lstStyle/>
-                    <a:p>
-                      <a:pPr algn="l" fontAlgn="b"/>
-                      <a:r>
-                        <a:rPr lang="en-US" sz="2400" b="0" i="0" u="none" strike="noStrike" dirty="0" smtClean="0">
-                          <a:solidFill>
-                            <a:srgbClr val="000000"/>
-                          </a:solidFill>
-                          <a:latin typeface="Calibri"/>
-                        </a:rPr>
-                        <a:t>1</a:t>
-                      </a:r>
-                      <a:endParaRPr lang="en-US" sz="2400" b="0" i="0" u="none" strike="noStrike" dirty="0">
-                        <a:solidFill>
-                          <a:srgbClr val="000000"/>
-                        </a:solidFill>
-                        <a:latin typeface="Calibri"/>
-                      </a:endParaRPr>
-                    </a:p>
-                  </a:txBody>
-                  <a:tcPr marL="9525" marR="9525" marT="9525" marB="0" anchor="b">
-                    <a:lnL w="6350" cap="flat" cmpd="sng" algn="ctr">
-                      <a:solidFill>
-                        <a:srgbClr val="000000"/>
-                      </a:solidFill>
-                      <a:prstDash val="solid"/>
-                      <a:round/>
-                      <a:headEnd type="none" w="med" len="med"/>
-                      <a:tailEnd type="none" w="med" len="med"/>
-                    </a:lnL>
-                    <a:lnR w="6350" cap="flat" cmpd="sng" algn="ctr">
-                      <a:solidFill>
-                        <a:srgbClr val="000000"/>
-                      </a:solidFill>
-                      <a:prstDash val="solid"/>
-                      <a:round/>
-                      <a:headEnd type="none" w="med" len="med"/>
-                      <a:tailEnd type="none" w="med" len="med"/>
-                    </a:lnR>
-                    <a:lnT w="6350" cap="flat" cmpd="sng" algn="ctr">
-                      <a:solidFill>
-                        <a:srgbClr val="000000"/>
-                      </a:solidFill>
-                      <a:prstDash val="solid"/>
-                      <a:round/>
-                      <a:headEnd type="none" w="med" len="med"/>
-                      <a:tailEnd type="none" w="med" len="med"/>
-                    </a:lnT>
-                    <a:lnB w="6350" cap="flat" cmpd="sng" algn="ctr">
-                      <a:solidFill>
-                        <a:srgbClr val="000000"/>
-                      </a:solidFill>
-                      <a:prstDash val="solid"/>
-                      <a:round/>
-                      <a:headEnd type="none" w="med" len="med"/>
-                      <a:tailEnd type="none" w="med" len="med"/>
-                    </a:lnB>
-                  </a:tcPr>
-                </a:tc>
-                <a:tc>
-                  <a:txBody>
-                    <a:bodyPr/>
-                    <a:lstStyle/>
-                    <a:p>
-                      <a:pPr algn="l" fontAlgn="b"/>
-                      <a:r>
-                        <a:rPr lang="en-US" sz="2400" b="0" i="0" u="none" strike="noStrike" dirty="0">
-                          <a:solidFill>
-                            <a:srgbClr val="000000"/>
-                          </a:solidFill>
-                          <a:latin typeface="Calibri"/>
-                        </a:rPr>
-                        <a:t>L</a:t>
-                      </a:r>
-                    </a:p>
-                  </a:txBody>
-                  <a:tcPr marL="9525" marR="9525" marT="9525" marB="0" anchor="b">
-                    <a:lnL w="6350" cap="flat" cmpd="sng" algn="ctr">
-                      <a:solidFill>
-                        <a:srgbClr val="000000"/>
-                      </a:solidFill>
-                      <a:prstDash val="solid"/>
-                      <a:round/>
-                      <a:headEnd type="none" w="med" len="med"/>
-                      <a:tailEnd type="none" w="med" len="med"/>
-                    </a:lnL>
-                    <a:lnR w="6350" cap="flat" cmpd="sng" algn="ctr">
-                      <a:solidFill>
-                        <a:srgbClr val="000000"/>
-                      </a:solidFill>
-                      <a:prstDash val="solid"/>
-                      <a:round/>
-                      <a:headEnd type="none" w="med" len="med"/>
-                      <a:tailEnd type="none" w="med" len="med"/>
-                    </a:lnR>
-                    <a:lnT w="6350" cap="flat" cmpd="sng" algn="ctr">
-                      <a:solidFill>
-                        <a:srgbClr val="000000"/>
-                      </a:solidFill>
-                      <a:prstDash val="solid"/>
-                      <a:round/>
-                      <a:headEnd type="none" w="med" len="med"/>
-                      <a:tailEnd type="none" w="med" len="med"/>
-                    </a:lnT>
-                    <a:lnB w="6350" cap="flat" cmpd="sng" algn="ctr">
-                      <a:solidFill>
-                        <a:srgbClr val="000000"/>
-                      </a:solidFill>
-                      <a:prstDash val="solid"/>
-                      <a:round/>
-                      <a:headEnd type="none" w="med" len="med"/>
-                      <a:tailEnd type="none" w="med" len="med"/>
-                    </a:lnB>
-                  </a:tcPr>
-                </a:tc>
-                <a:tc>
-                  <a:txBody>
-                    <a:bodyPr/>
-                    <a:lstStyle/>
-                    <a:p>
-                      <a:pPr algn="l" fontAlgn="b"/>
-                      <a:r>
-                        <a:rPr lang="en-US" sz="2400" b="0" i="0" u="none" strike="noStrike" dirty="0" smtClean="0">
-                          <a:solidFill>
-                            <a:srgbClr val="000000"/>
-                          </a:solidFill>
-                          <a:latin typeface="Calibri"/>
-                        </a:rPr>
-                        <a:t>2*L</a:t>
-                      </a:r>
-                      <a:endParaRPr lang="en-US" sz="2400" b="0" i="0" u="none" strike="noStrike" dirty="0">
-                        <a:solidFill>
-                          <a:srgbClr val="000000"/>
-                        </a:solidFill>
-                        <a:latin typeface="Calibri"/>
-                      </a:endParaRPr>
-                    </a:p>
-                  </a:txBody>
-                  <a:tcPr marL="9525" marR="9525" marT="9525" marB="0" anchor="b">
-                    <a:lnL w="6350" cap="flat" cmpd="sng" algn="ctr">
-                      <a:solidFill>
-                        <a:srgbClr val="000000"/>
-                      </a:solidFill>
-                      <a:prstDash val="solid"/>
-                      <a:round/>
-                      <a:headEnd type="none" w="med" len="med"/>
-                      <a:tailEnd type="none" w="med" len="med"/>
-                    </a:lnL>
-                    <a:lnR w="6350" cap="flat" cmpd="sng" algn="ctr">
-                      <a:solidFill>
-                        <a:srgbClr val="000000"/>
-                      </a:solidFill>
-                      <a:prstDash val="solid"/>
-                      <a:round/>
-                      <a:headEnd type="none" w="med" len="med"/>
-                      <a:tailEnd type="none" w="med" len="med"/>
-                    </a:lnR>
-                    <a:lnT w="6350" cap="flat" cmpd="sng" algn="ctr">
-                      <a:solidFill>
-                        <a:srgbClr val="000000"/>
-                      </a:solidFill>
-                      <a:prstDash val="solid"/>
-                      <a:round/>
-                      <a:headEnd type="none" w="med" len="med"/>
-                      <a:tailEnd type="none" w="med" len="med"/>
-                    </a:lnT>
-                    <a:lnB w="6350" cap="flat" cmpd="sng" algn="ctr">
-                      <a:solidFill>
-                        <a:srgbClr val="000000"/>
-                      </a:solidFill>
-                      <a:prstDash val="solid"/>
-                      <a:round/>
-                      <a:headEnd type="none" w="med" len="med"/>
-                      <a:tailEnd type="none" w="med" len="med"/>
-                    </a:lnB>
-                  </a:tcPr>
-                </a:tc>
-              </a:tr>
-              <a:tr h="108858">
-                <a:tc>
-                  <a:txBody>
-                    <a:bodyPr/>
-                    <a:lstStyle/>
-                    <a:p>
-                      <a:pPr algn="l" fontAlgn="b"/>
-                      <a:r>
-                        <a:rPr lang="en-US" sz="2400" b="0" i="0" u="none" strike="noStrike" dirty="0" smtClean="0">
-                          <a:solidFill>
-                            <a:srgbClr val="000000"/>
-                          </a:solidFill>
-                          <a:latin typeface="Calibri"/>
-                        </a:rPr>
-                        <a:t>2</a:t>
-                      </a:r>
-                      <a:endParaRPr lang="en-US" sz="2400" b="0" i="0" u="none" strike="noStrike" dirty="0">
-                        <a:solidFill>
-                          <a:srgbClr val="000000"/>
-                        </a:solidFill>
-                        <a:latin typeface="Calibri"/>
-                      </a:endParaRPr>
-                    </a:p>
-                  </a:txBody>
-                  <a:tcPr marL="9525" marR="9525" marT="9525" marB="0" anchor="b">
-                    <a:lnL w="6350" cap="flat" cmpd="sng" algn="ctr">
-                      <a:solidFill>
-                        <a:srgbClr val="000000"/>
-                      </a:solidFill>
-                      <a:prstDash val="solid"/>
-                      <a:round/>
-                      <a:headEnd type="none" w="med" len="med"/>
-                      <a:tailEnd type="none" w="med" len="med"/>
-                    </a:lnL>
-                    <a:lnR w="6350" cap="flat" cmpd="sng" algn="ctr">
-                      <a:solidFill>
-                        <a:srgbClr val="000000"/>
-                      </a:solidFill>
-                      <a:prstDash val="solid"/>
-                      <a:round/>
-                      <a:headEnd type="none" w="med" len="med"/>
-                      <a:tailEnd type="none" w="med" len="med"/>
-                    </a:lnR>
-                    <a:lnT w="6350" cap="flat" cmpd="sng" algn="ctr">
-                      <a:solidFill>
-                        <a:srgbClr val="000000"/>
-                      </a:solidFill>
-                      <a:prstDash val="solid"/>
-                      <a:round/>
-                      <a:headEnd type="none" w="med" len="med"/>
-                      <a:tailEnd type="none" w="med" len="med"/>
-                    </a:lnT>
-                    <a:lnB w="6350" cap="flat" cmpd="sng" algn="ctr">
-                      <a:solidFill>
-                        <a:srgbClr val="000000"/>
-                      </a:solidFill>
-                      <a:prstDash val="solid"/>
-                      <a:round/>
-                      <a:headEnd type="none" w="med" len="med"/>
-                      <a:tailEnd type="none" w="med" len="med"/>
-                    </a:lnB>
-                  </a:tcPr>
-                </a:tc>
-                <a:tc>
-                  <a:txBody>
-                    <a:bodyPr/>
-                    <a:lstStyle/>
-                    <a:p>
-                      <a:pPr algn="l" fontAlgn="b"/>
-                      <a:r>
-                        <a:rPr lang="en-US" sz="2400" b="0" i="0" u="none" strike="noStrike" dirty="0" smtClean="0">
-                          <a:solidFill>
-                            <a:srgbClr val="000000"/>
-                          </a:solidFill>
-                          <a:latin typeface="Calibri"/>
-                        </a:rPr>
-                        <a:t>2*L</a:t>
-                      </a:r>
-                      <a:endParaRPr lang="en-US" sz="2400" b="0" i="0" u="none" strike="noStrike" dirty="0">
-                        <a:solidFill>
-                          <a:srgbClr val="000000"/>
-                        </a:solidFill>
-                        <a:latin typeface="Calibri"/>
-                      </a:endParaRPr>
-                    </a:p>
-                  </a:txBody>
-                  <a:tcPr marL="9525" marR="9525" marT="9525" marB="0" anchor="b">
-                    <a:lnL w="6350" cap="flat" cmpd="sng" algn="ctr">
-                      <a:solidFill>
-                        <a:srgbClr val="000000"/>
-                      </a:solidFill>
-                      <a:prstDash val="solid"/>
-                      <a:round/>
-                      <a:headEnd type="none" w="med" len="med"/>
-                      <a:tailEnd type="none" w="med" len="med"/>
-                    </a:lnL>
-                    <a:lnR w="6350" cap="flat" cmpd="sng" algn="ctr">
-                      <a:solidFill>
-                        <a:srgbClr val="000000"/>
-                      </a:solidFill>
-                      <a:prstDash val="solid"/>
-                      <a:round/>
-                      <a:headEnd type="none" w="med" len="med"/>
-                      <a:tailEnd type="none" w="med" len="med"/>
-                    </a:lnR>
-                    <a:lnT w="6350" cap="flat" cmpd="sng" algn="ctr">
-                      <a:solidFill>
-                        <a:srgbClr val="000000"/>
-                      </a:solidFill>
-                      <a:prstDash val="solid"/>
-                      <a:round/>
-                      <a:headEnd type="none" w="med" len="med"/>
-                      <a:tailEnd type="none" w="med" len="med"/>
-                    </a:lnT>
-                    <a:lnB w="6350" cap="flat" cmpd="sng" algn="ctr">
-                      <a:solidFill>
-                        <a:srgbClr val="000000"/>
-                      </a:solidFill>
-                      <a:prstDash val="solid"/>
-                      <a:round/>
-                      <a:headEnd type="none" w="med" len="med"/>
-                      <a:tailEnd type="none" w="med" len="med"/>
-                    </a:lnB>
-                  </a:tcPr>
-                </a:tc>
-                <a:tc>
-                  <a:txBody>
-                    <a:bodyPr/>
-                    <a:lstStyle/>
-                    <a:p>
-                      <a:pPr algn="l" fontAlgn="b"/>
-                      <a:r>
-                        <a:rPr lang="en-US" sz="2400" b="0" i="0" u="none" strike="noStrike" dirty="0" smtClean="0">
-                          <a:solidFill>
-                            <a:srgbClr val="000000"/>
-                          </a:solidFill>
-                          <a:latin typeface="Calibri"/>
-                        </a:rPr>
-                        <a:t>3*L</a:t>
-                      </a:r>
-                      <a:endParaRPr lang="en-US" sz="2400" b="0" i="0" u="none" strike="noStrike" dirty="0">
-                        <a:solidFill>
-                          <a:srgbClr val="000000"/>
-                        </a:solidFill>
-                        <a:latin typeface="Calibri"/>
-                      </a:endParaRPr>
-                    </a:p>
-                  </a:txBody>
-                  <a:tcPr marL="9525" marR="9525" marT="9525" marB="0" anchor="b">
-                    <a:lnL w="6350" cap="flat" cmpd="sng" algn="ctr">
-                      <a:solidFill>
-                        <a:srgbClr val="000000"/>
-                      </a:solidFill>
-                      <a:prstDash val="solid"/>
-                      <a:round/>
-                      <a:headEnd type="none" w="med" len="med"/>
-                      <a:tailEnd type="none" w="med" len="med"/>
-                    </a:lnL>
-                    <a:lnR w="6350" cap="flat" cmpd="sng" algn="ctr">
-                      <a:solidFill>
-                        <a:srgbClr val="000000"/>
-                      </a:solidFill>
-                      <a:prstDash val="solid"/>
-                      <a:round/>
-                      <a:headEnd type="none" w="med" len="med"/>
-                      <a:tailEnd type="none" w="med" len="med"/>
-                    </a:lnR>
-                    <a:lnT w="6350" cap="flat" cmpd="sng" algn="ctr">
-                      <a:solidFill>
-                        <a:srgbClr val="000000"/>
-                      </a:solidFill>
-                      <a:prstDash val="solid"/>
-                      <a:round/>
-                      <a:headEnd type="none" w="med" len="med"/>
-                      <a:tailEnd type="none" w="med" len="med"/>
-                    </a:lnT>
-                    <a:lnB w="6350" cap="flat" cmpd="sng" algn="ctr">
-                      <a:solidFill>
-                        <a:srgbClr val="000000"/>
-                      </a:solidFill>
-                      <a:prstDash val="solid"/>
-                      <a:round/>
-                      <a:headEnd type="none" w="med" len="med"/>
-                      <a:tailEnd type="none" w="med" len="med"/>
-                    </a:lnB>
-                  </a:tcPr>
-                </a:tc>
-              </a:tr>
-              <a:tr h="272144">
-                <a:tc gridSpan="3">
-                  <a:txBody>
-                    <a:bodyPr/>
-                    <a:lstStyle/>
-                    <a:p>
-                      <a:pPr algn="ctr" fontAlgn="b"/>
-                      <a:r>
-                        <a:rPr lang="en-US" sz="2400" b="0" i="0" u="none" strike="noStrike" dirty="0">
-                          <a:solidFill>
-                            <a:srgbClr val="000000"/>
-                          </a:solidFill>
-                          <a:latin typeface="Calibri"/>
-                        </a:rPr>
-                        <a:t>…</a:t>
-                      </a:r>
-                    </a:p>
-                  </a:txBody>
-                  <a:tcPr marL="9525" marR="9525" marT="9525" marB="0" anchor="b">
-                    <a:lnL w="6350" cap="flat" cmpd="sng" algn="ctr">
-                      <a:solidFill>
-                        <a:srgbClr val="000000"/>
-                      </a:solidFill>
-                      <a:prstDash val="solid"/>
-                      <a:round/>
-                      <a:headEnd type="none" w="med" len="med"/>
-                      <a:tailEnd type="none" w="med" len="med"/>
-                    </a:lnL>
-                    <a:lnR w="6350" cap="flat" cmpd="sng" algn="ctr">
-                      <a:solidFill>
-                        <a:srgbClr val="000000"/>
-                      </a:solidFill>
-                      <a:prstDash val="solid"/>
-                      <a:round/>
-                      <a:headEnd type="none" w="med" len="med"/>
-                      <a:tailEnd type="none" w="med" len="med"/>
-                    </a:lnR>
-                    <a:lnT w="6350" cap="flat" cmpd="sng" algn="ctr">
-                      <a:solidFill>
-                        <a:srgbClr val="000000"/>
-                      </a:solidFill>
-                      <a:prstDash val="solid"/>
-                      <a:round/>
-                      <a:headEnd type="none" w="med" len="med"/>
-                      <a:tailEnd type="none" w="med" len="med"/>
-                    </a:lnT>
-                    <a:lnB w="6350" cap="flat" cmpd="sng" algn="ctr">
-                      <a:solidFill>
-                        <a:srgbClr val="000000"/>
-                      </a:solidFill>
-                      <a:prstDash val="solid"/>
-                      <a:round/>
-                      <a:headEnd type="none" w="med" len="med"/>
-                      <a:tailEnd type="none" w="med" len="med"/>
-                    </a:lnB>
-                  </a:tcPr>
-                </a:tc>
-                <a:tc hMerge="1">
-                  <a:txBody>
-                    <a:bodyPr/>
-                    <a:lstStyle/>
-                    <a:p>
-                      <a:endParaRPr lang="en-US"/>
-                    </a:p>
-                  </a:txBody>
-                  <a:tcPr/>
-                </a:tc>
-                <a:tc hMerge="1">
-                  <a:txBody>
-                    <a:bodyPr/>
-                    <a:lstStyle/>
-                    <a:p>
-                      <a:endParaRPr lang="en-US"/>
-                    </a:p>
-                  </a:txBody>
-                  <a:tcPr/>
-                </a:tc>
-              </a:tr>
-              <a:tr h="130630">
-                <a:tc>
-                  <a:txBody>
-                    <a:bodyPr/>
-                    <a:lstStyle/>
-                    <a:p>
-                      <a:pPr algn="l" fontAlgn="b"/>
-                      <a:r>
-                        <a:rPr lang="en-US" sz="2400" b="0" i="0" u="none" strike="noStrike" dirty="0" smtClean="0">
-                          <a:solidFill>
-                            <a:srgbClr val="000000"/>
-                          </a:solidFill>
-                          <a:latin typeface="Calibri"/>
-                        </a:rPr>
-                        <a:t>n</a:t>
-                      </a:r>
-                      <a:endParaRPr lang="en-US" sz="2400" b="0" i="0" u="none" strike="noStrike" dirty="0">
-                        <a:solidFill>
-                          <a:srgbClr val="000000"/>
-                        </a:solidFill>
-                        <a:latin typeface="Calibri"/>
-                      </a:endParaRPr>
-                    </a:p>
-                  </a:txBody>
-                  <a:tcPr marL="9525" marR="9525" marT="9525" marB="0" anchor="b">
-                    <a:lnL w="6350" cap="flat" cmpd="sng" algn="ctr">
-                      <a:solidFill>
-                        <a:srgbClr val="000000"/>
-                      </a:solidFill>
-                      <a:prstDash val="solid"/>
-                      <a:round/>
-                      <a:headEnd type="none" w="med" len="med"/>
-                      <a:tailEnd type="none" w="med" len="med"/>
-                    </a:lnL>
-                    <a:lnR w="6350" cap="flat" cmpd="sng" algn="ctr">
-                      <a:solidFill>
-                        <a:srgbClr val="000000"/>
-                      </a:solidFill>
-                      <a:prstDash val="solid"/>
-                      <a:round/>
-                      <a:headEnd type="none" w="med" len="med"/>
-                      <a:tailEnd type="none" w="med" len="med"/>
-                    </a:lnR>
-                    <a:lnT w="6350" cap="flat" cmpd="sng" algn="ctr">
-                      <a:solidFill>
-                        <a:srgbClr val="000000"/>
-                      </a:solidFill>
-                      <a:prstDash val="solid"/>
-                      <a:round/>
-                      <a:headEnd type="none" w="med" len="med"/>
-                      <a:tailEnd type="none" w="med" len="med"/>
-                    </a:lnT>
-                    <a:lnB w="6350" cap="flat" cmpd="sng" algn="ctr">
-                      <a:solidFill>
-                        <a:srgbClr val="000000"/>
-                      </a:solidFill>
-                      <a:prstDash val="solid"/>
-                      <a:round/>
-                      <a:headEnd type="none" w="med" len="med"/>
-                      <a:tailEnd type="none" w="med" len="med"/>
-                    </a:lnB>
-                  </a:tcPr>
-                </a:tc>
-                <a:tc>
-                  <a:txBody>
-                    <a:bodyPr/>
-                    <a:lstStyle/>
-                    <a:p>
-                      <a:pPr algn="l" fontAlgn="b"/>
-                      <a:r>
-                        <a:rPr lang="en-US" sz="2400" b="0" i="0" u="none" strike="noStrike" dirty="0" smtClean="0">
-                          <a:solidFill>
-                            <a:srgbClr val="000000"/>
-                          </a:solidFill>
-                          <a:latin typeface="Calibri"/>
-                        </a:rPr>
-                        <a:t>n*L</a:t>
-                      </a:r>
-                      <a:endParaRPr lang="en-US" sz="2400" b="0" i="0" u="none" strike="noStrike" dirty="0">
-                        <a:solidFill>
-                          <a:srgbClr val="000000"/>
-                        </a:solidFill>
-                        <a:latin typeface="Calibri"/>
-                      </a:endParaRPr>
-                    </a:p>
-                  </a:txBody>
-                  <a:tcPr marL="9525" marR="9525" marT="9525" marB="0" anchor="b">
-                    <a:lnL w="6350" cap="flat" cmpd="sng" algn="ctr">
-                      <a:solidFill>
-                        <a:srgbClr val="000000"/>
-                      </a:solidFill>
-                      <a:prstDash val="solid"/>
-                      <a:round/>
-                      <a:headEnd type="none" w="med" len="med"/>
-                      <a:tailEnd type="none" w="med" len="med"/>
-                    </a:lnL>
-                    <a:lnR w="6350" cap="flat" cmpd="sng" algn="ctr">
-                      <a:solidFill>
-                        <a:srgbClr val="000000"/>
-                      </a:solidFill>
-                      <a:prstDash val="solid"/>
-                      <a:round/>
-                      <a:headEnd type="none" w="med" len="med"/>
-                      <a:tailEnd type="none" w="med" len="med"/>
-                    </a:lnR>
-                    <a:lnT w="6350" cap="flat" cmpd="sng" algn="ctr">
-                      <a:solidFill>
-                        <a:srgbClr val="000000"/>
-                      </a:solidFill>
-                      <a:prstDash val="solid"/>
-                      <a:round/>
-                      <a:headEnd type="none" w="med" len="med"/>
-                      <a:tailEnd type="none" w="med" len="med"/>
-                    </a:lnT>
-                    <a:lnB w="6350" cap="flat" cmpd="sng" algn="ctr">
-                      <a:solidFill>
-                        <a:srgbClr val="000000"/>
-                      </a:solidFill>
-                      <a:prstDash val="solid"/>
-                      <a:round/>
-                      <a:headEnd type="none" w="med" len="med"/>
-                      <a:tailEnd type="none" w="med" len="med"/>
-                    </a:lnB>
-                  </a:tcPr>
-                </a:tc>
-                <a:tc>
-                  <a:txBody>
-                    <a:bodyPr/>
-                    <a:lstStyle/>
-                    <a:p>
-                      <a:pPr algn="l" fontAlgn="b"/>
-                      <a:r>
-                        <a:rPr lang="en-US" sz="2400" b="0" i="0" u="none" strike="noStrike" dirty="0" smtClean="0">
-                          <a:solidFill>
-                            <a:srgbClr val="000000"/>
-                          </a:solidFill>
-                          <a:latin typeface="Calibri"/>
-                        </a:rPr>
-                        <a:t>(n+1)*L</a:t>
-                      </a:r>
-                      <a:endParaRPr lang="en-US" sz="2400" b="0" i="0" u="none" strike="noStrike" dirty="0">
-                        <a:solidFill>
-                          <a:srgbClr val="000000"/>
-                        </a:solidFill>
-                        <a:latin typeface="Calibri"/>
-                      </a:endParaRPr>
-                    </a:p>
-                  </a:txBody>
-                  <a:tcPr marL="9525" marR="9525" marT="9525" marB="0" anchor="b">
-                    <a:lnL w="6350" cap="flat" cmpd="sng" algn="ctr">
-                      <a:solidFill>
-                        <a:srgbClr val="000000"/>
-                      </a:solidFill>
-                      <a:prstDash val="solid"/>
-                      <a:round/>
-                      <a:headEnd type="none" w="med" len="med"/>
-                      <a:tailEnd type="none" w="med" len="med"/>
-                    </a:lnL>
-                    <a:lnR w="6350" cap="flat" cmpd="sng" algn="ctr">
-                      <a:solidFill>
-                        <a:srgbClr val="000000"/>
-                      </a:solidFill>
-                      <a:prstDash val="solid"/>
-                      <a:round/>
-                      <a:headEnd type="none" w="med" len="med"/>
-                      <a:tailEnd type="none" w="med" len="med"/>
-                    </a:lnR>
-                    <a:lnT w="6350" cap="flat" cmpd="sng" algn="ctr">
-                      <a:solidFill>
-                        <a:srgbClr val="000000"/>
-                      </a:solidFill>
-                      <a:prstDash val="solid"/>
-                      <a:round/>
-                      <a:headEnd type="none" w="med" len="med"/>
-                      <a:tailEnd type="none" w="med" len="med"/>
-                    </a:lnT>
-                    <a:lnB w="6350" cap="flat" cmpd="sng" algn="ctr">
-                      <a:solidFill>
-                        <a:srgbClr val="000000"/>
-                      </a:solidFill>
-                      <a:prstDash val="solid"/>
-                      <a:round/>
-                      <a:headEnd type="none" w="med" len="med"/>
-                      <a:tailEnd type="none" w="med" len="med"/>
-                    </a:lnB>
-                  </a:tcPr>
-                </a:tc>
-              </a:tr>
-              <a:tr h="953861">
-                <a:tc gridSpan="2">
-                  <a:txBody>
-                    <a:bodyPr/>
-                    <a:lstStyle/>
-                    <a:p>
-                      <a:pPr algn="l" fontAlgn="b"/>
-                      <a:r>
-                        <a:rPr lang="en-US" sz="2400" b="0" i="0" u="none" strike="noStrike" dirty="0">
-                          <a:solidFill>
-                            <a:srgbClr val="000000"/>
-                          </a:solidFill>
-                          <a:latin typeface="Calibri"/>
-                        </a:rPr>
-                        <a:t>Total:</a:t>
-                      </a:r>
-                    </a:p>
-                  </a:txBody>
-                  <a:tcPr marL="9525" marR="9525" marT="9525" marB="0" anchor="b">
-                    <a:lnL w="6350" cap="flat" cmpd="sng" algn="ctr">
-                      <a:solidFill>
-                        <a:srgbClr val="000000"/>
-                      </a:solidFill>
-                      <a:prstDash val="solid"/>
-                      <a:round/>
-                      <a:headEnd type="none" w="med" len="med"/>
-                      <a:tailEnd type="none" w="med" len="med"/>
-                    </a:lnL>
-                    <a:lnR w="6350" cap="flat" cmpd="sng" algn="ctr">
-                      <a:solidFill>
-                        <a:srgbClr val="000000"/>
-                      </a:solidFill>
-                      <a:prstDash val="solid"/>
-                      <a:round/>
-                      <a:headEnd type="none" w="med" len="med"/>
-                      <a:tailEnd type="none" w="med" len="med"/>
-                    </a:lnR>
-                    <a:lnT w="6350" cap="flat" cmpd="sng" algn="ctr">
-                      <a:solidFill>
-                        <a:srgbClr val="000000"/>
-                      </a:solidFill>
-                      <a:prstDash val="solid"/>
-                      <a:round/>
-                      <a:headEnd type="none" w="med" len="med"/>
-                      <a:tailEnd type="none" w="med" len="med"/>
-                    </a:lnT>
-                    <a:lnB w="6350" cap="flat" cmpd="sng" algn="ctr">
-                      <a:solidFill>
-                        <a:srgbClr val="000000"/>
-                      </a:solidFill>
-                      <a:prstDash val="solid"/>
-                      <a:round/>
-                      <a:headEnd type="none" w="med" len="med"/>
-                      <a:tailEnd type="none" w="med" len="med"/>
-                    </a:lnB>
-                  </a:tcPr>
-                </a:tc>
-                <a:tc hMerge="1">
-                  <a:txBody>
-                    <a:bodyPr/>
-                    <a:lstStyle/>
-                    <a:p>
-                      <a:endParaRPr lang="en-US"/>
-                    </a:p>
-                  </a:txBody>
-                  <a:tcPr/>
-                </a:tc>
-                <a:tc>
-                  <a:txBody>
-                    <a:bodyPr/>
-                    <a:lstStyle/>
-                    <a:p>
-                      <a:pPr algn="l" fontAlgn="b"/>
-                      <a:endParaRPr lang="en-US" sz="2400" b="0" i="0" u="none" strike="noStrike" dirty="0">
-                        <a:solidFill>
-                          <a:srgbClr val="000000"/>
-                        </a:solidFill>
-                        <a:latin typeface="Calibri"/>
-                      </a:endParaRPr>
-                    </a:p>
-                  </a:txBody>
-                  <a:tcPr marL="9525" marR="9525" marT="9525" marB="0" anchor="b">
-                    <a:lnL w="6350" cap="flat" cmpd="sng" algn="ctr">
-                      <a:solidFill>
-                        <a:srgbClr val="000000"/>
-                      </a:solidFill>
-                      <a:prstDash val="solid"/>
-                      <a:round/>
-                      <a:headEnd type="none" w="med" len="med"/>
-                      <a:tailEnd type="none" w="med" len="med"/>
-                    </a:lnL>
-                    <a:lnR w="6350" cap="flat" cmpd="sng" algn="ctr">
-                      <a:solidFill>
-                        <a:srgbClr val="000000"/>
-                      </a:solidFill>
-                      <a:prstDash val="solid"/>
-                      <a:round/>
-                      <a:headEnd type="none" w="med" len="med"/>
-                      <a:tailEnd type="none" w="med" len="med"/>
-                    </a:lnR>
-                    <a:lnT w="6350" cap="flat" cmpd="sng" algn="ctr">
-                      <a:solidFill>
-                        <a:srgbClr val="000000"/>
-                      </a:solidFill>
-                      <a:prstDash val="solid"/>
-                      <a:round/>
-                      <a:headEnd type="none" w="med" len="med"/>
-                      <a:tailEnd type="none" w="med" len="med"/>
-                    </a:lnT>
-                    <a:lnB w="6350" cap="flat" cmpd="sng" algn="ctr">
-                      <a:solidFill>
-                        <a:srgbClr val="000000"/>
-                      </a:solidFill>
-                      <a:prstDash val="solid"/>
-                      <a:round/>
-                      <a:headEnd type="none" w="med" len="med"/>
-                      <a:tailEnd type="none" w="med" len="med"/>
-                    </a:lnB>
-                  </a:tcPr>
-                </a:tc>
-              </a:tr>
-            </a:tbl>
-          </a:graphicData>
-        </a:graphic>
-      </p:graphicFrame>
-      <p:graphicFrame>
-        <p:nvGraphicFramePr>
-          <p:cNvPr id="8" name="Object 7"/>
-          <p:cNvGraphicFramePr>
-            <a:graphicFrameLocks noChangeAspect="1"/>
-          </p:cNvGraphicFramePr>
-          <p:nvPr/>
-        </p:nvGraphicFramePr>
-        <p:xfrm>
-          <a:off x="3810000" y="5105400"/>
-          <a:ext cx="990601" cy="787401"/>
-        </p:xfrm>
-        <a:graphic>
-          <a:graphicData uri="http://schemas.openxmlformats.org/presentationml/2006/ole">
-            <p:oleObj spid="_x0000_s40961" name="Equação" r:id="rId4" imgW="495000" imgH="393480" progId="Equation.3">
-              <p:embed/>
-            </p:oleObj>
-          </a:graphicData>
-        </a:graphic>
-      </p:graphicFrame>
-    </p:spTree>
-  </p:cSld>
-  <p:clrMapOvr>
-    <a:masterClrMapping/>
-  </p:clrMapOvr>
-  <p:timing>
-    <p:tnLst>
-      <p:par>
-        <p:cTn id="1" dur="indefinite" restart="never" nodeType="tmRoot"/>
-      </p:par>
-    </p:tnLst>
-  </p:timing>
-</p:sld>
-</file>
-
 <file path=ppt/slides/slide9.xml><?xml version="1.0" encoding="utf-8"?>
 <p:sld xmlns:a="http://schemas.openxmlformats.org/drawingml/2006/main" xmlns:r="http://schemas.openxmlformats.org/officeDocument/2006/relationships" xmlns:p="http://schemas.openxmlformats.org/presentationml/2006/main">
   <p:cSld>
@@ -7600,7 +8871,7 @@
       </p:sp>
       <p:sp>
         <p:nvSpPr>
-          <p:cNvPr id="4" name="TextBox 3"/>
+          <p:cNvPr id="9" name="TextBox 8"/>
           <p:cNvSpPr txBox="1"/>
           <p:nvPr/>
         </p:nvSpPr>
@@ -7625,7 +8896,7 @@
                 <a:latin typeface="Times New Roman" pitchFamily="18" charset="0"/>
                 <a:cs typeface="Times New Roman" pitchFamily="18" charset="0"/>
               </a:rPr>
-              <a:t>O(n²L)!</a:t>
+              <a:t>O(n)?</a:t>
             </a:r>
             <a:endParaRPr lang="en-US" sz="9600" i="1" dirty="0">
               <a:latin typeface="Times New Roman" pitchFamily="18" charset="0"/>
@@ -7636,7 +8907,7 @@
       </p:sp>
       <p:pic>
         <p:nvPicPr>
-          <p:cNvPr id="7" name="Picture 4" descr="spit-take-meme.jpg (256×163)"/>
+          <p:cNvPr id="10" name="Picture 2" descr="cereal_guy_Meme_Faces-s184x184-156974.jpg (184×184)"/>
           <p:cNvPicPr>
             <a:picLocks noChangeAspect="1" noChangeArrowheads="1"/>
           </p:cNvPicPr>
@@ -7651,8 +8922,8 @@
         </p:blipFill>
         <p:spPr bwMode="auto">
           <a:xfrm>
-            <a:off x="5314368" y="4419600"/>
-            <a:ext cx="3829632" cy="2438400"/>
+            <a:off x="6629400" y="4343400"/>
+            <a:ext cx="2514600" cy="2514600"/>
           </a:xfrm>
           <a:prstGeom prst="rect">
             <a:avLst/>
